--- a/Course4/Matan/Samusev_Visualization_R.pptx
+++ b/Course4/Matan/Samusev_Visualization_R.pptx
@@ -15,6 +15,9 @@
     <p:sldId id="263" r:id="rId9"/>
     <p:sldId id="264" r:id="rId10"/>
     <p:sldId id="265" r:id="rId11"/>
+    <p:sldId id="266" r:id="rId12"/>
+    <p:sldId id="267" r:id="rId13"/>
+    <p:sldId id="268" r:id="rId14"/>
   </p:sldIdLst>
   <p:sldSz cx="12192000" cy="6858000"/>
   <p:notesSz cx="6858000" cy="9144000"/>
@@ -113,6 +116,11 @@
       </a:defRPr>
     </a:lvl9pPr>
   </p:defaultTextStyle>
+  <p:extLst>
+    <p:ext uri="{EFAFB233-063F-42B5-8137-9DF3F51BA10A}">
+      <p15:sldGuideLst xmlns:p15="http://schemas.microsoft.com/office/powerpoint/2012/main"/>
+    </p:ext>
+  </p:extLst>
 </p:presentation>
 </file>
 
@@ -3957,7 +3965,7 @@
         </p:blipFill>
         <p:spPr>
           <a:xfrm>
-            <a:off x="1366058" y="308870"/>
+            <a:off x="3290653" y="213076"/>
             <a:ext cx="5962142" cy="605530"/>
           </a:xfrm>
           <a:prstGeom prst="rect">
@@ -3993,6 +4001,278 @@
     <p:extLst>
       <p:ext uri="{BB962C8B-B14F-4D97-AF65-F5344CB8AC3E}">
         <p14:creationId xmlns:p14="http://schemas.microsoft.com/office/powerpoint/2010/main" val="2469767780"/>
+      </p:ext>
+    </p:extLst>
+  </p:cSld>
+  <p:clrMapOvr>
+    <a:masterClrMapping/>
+  </p:clrMapOvr>
+</p:sld>
+</file>
+
+<file path=ppt/slides/slide11.xml><?xml version="1.0" encoding="utf-8"?>
+<p:sld xmlns:a="http://schemas.openxmlformats.org/drawingml/2006/main" xmlns:r="http://schemas.openxmlformats.org/officeDocument/2006/relationships" xmlns:p="http://schemas.openxmlformats.org/presentationml/2006/main">
+  <p:cSld>
+    <p:spTree>
+      <p:nvGrpSpPr>
+        <p:cNvPr id="1" name=""/>
+        <p:cNvGrpSpPr/>
+        <p:nvPr/>
+      </p:nvGrpSpPr>
+      <p:grpSpPr>
+        <a:xfrm>
+          <a:off x="0" y="0"/>
+          <a:ext cx="0" cy="0"/>
+          <a:chOff x="0" y="0"/>
+          <a:chExt cx="0" cy="0"/>
+        </a:xfrm>
+      </p:grpSpPr>
+      <p:pic>
+        <p:nvPicPr>
+          <p:cNvPr id="4" name="Рисунок 3"/>
+          <p:cNvPicPr>
+            <a:picLocks noChangeAspect="1"/>
+          </p:cNvPicPr>
+          <p:nvPr/>
+        </p:nvPicPr>
+        <p:blipFill>
+          <a:blip r:embed="rId2"/>
+          <a:stretch>
+            <a:fillRect/>
+          </a:stretch>
+        </p:blipFill>
+        <p:spPr>
+          <a:xfrm>
+            <a:off x="2982518" y="58059"/>
+            <a:ext cx="6505638" cy="524447"/>
+          </a:xfrm>
+          <a:prstGeom prst="rect">
+            <a:avLst/>
+          </a:prstGeom>
+        </p:spPr>
+      </p:pic>
+      <p:pic>
+        <p:nvPicPr>
+          <p:cNvPr id="5" name="Рисунок 4"/>
+          <p:cNvPicPr>
+            <a:picLocks noChangeAspect="1"/>
+          </p:cNvPicPr>
+          <p:nvPr/>
+        </p:nvPicPr>
+        <p:blipFill>
+          <a:blip r:embed="rId3"/>
+          <a:stretch>
+            <a:fillRect/>
+          </a:stretch>
+        </p:blipFill>
+        <p:spPr>
+          <a:xfrm>
+            <a:off x="1785479" y="660883"/>
+            <a:ext cx="8516539" cy="6058746"/>
+          </a:xfrm>
+          <a:prstGeom prst="rect">
+            <a:avLst/>
+          </a:prstGeom>
+        </p:spPr>
+      </p:pic>
+    </p:spTree>
+    <p:extLst>
+      <p:ext uri="{BB962C8B-B14F-4D97-AF65-F5344CB8AC3E}">
+        <p14:creationId xmlns:p14="http://schemas.microsoft.com/office/powerpoint/2010/main" val="3994023493"/>
+      </p:ext>
+    </p:extLst>
+  </p:cSld>
+  <p:clrMapOvr>
+    <a:masterClrMapping/>
+  </p:clrMapOvr>
+</p:sld>
+</file>
+
+<file path=ppt/slides/slide12.xml><?xml version="1.0" encoding="utf-8"?>
+<p:sld xmlns:a="http://schemas.openxmlformats.org/drawingml/2006/main" xmlns:r="http://schemas.openxmlformats.org/officeDocument/2006/relationships" xmlns:p="http://schemas.openxmlformats.org/presentationml/2006/main">
+  <p:cSld>
+    <p:spTree>
+      <p:nvGrpSpPr>
+        <p:cNvPr id="1" name=""/>
+        <p:cNvGrpSpPr/>
+        <p:nvPr/>
+      </p:nvGrpSpPr>
+      <p:grpSpPr>
+        <a:xfrm>
+          <a:off x="0" y="0"/>
+          <a:ext cx="0" cy="0"/>
+          <a:chOff x="0" y="0"/>
+          <a:chExt cx="0" cy="0"/>
+        </a:xfrm>
+      </p:grpSpPr>
+      <p:sp>
+        <p:nvSpPr>
+          <p:cNvPr id="3" name="Объект 2"/>
+          <p:cNvSpPr>
+            <a:spLocks noGrp="1"/>
+          </p:cNvSpPr>
+          <p:nvPr>
+            <p:ph idx="1"/>
+          </p:nvPr>
+        </p:nvSpPr>
+        <p:spPr>
+          <a:xfrm>
+            <a:off x="1014549" y="178525"/>
+            <a:ext cx="9601200" cy="3581400"/>
+          </a:xfrm>
+        </p:spPr>
+        <p:txBody>
+          <a:bodyPr/>
+          <a:lstStyle/>
+          <a:p>
+            <a:pPr marL="0" indent="0">
+              <a:buNone/>
+            </a:pPr>
+            <a:r>
+              <a:rPr lang="ru-RU" dirty="0"/>
+              <a:t>Толщину и тип линии можно изменить, используя параметры </a:t>
+            </a:r>
+            <a:r>
+              <a:rPr lang="ru-RU" dirty="0" err="1"/>
+              <a:t>lwd</a:t>
+            </a:r>
+            <a:r>
+              <a:rPr lang="ru-RU" dirty="0"/>
+              <a:t> = и </a:t>
+            </a:r>
+            <a:r>
+              <a:rPr lang="ru-RU" dirty="0" err="1"/>
+              <a:t>lty</a:t>
+            </a:r>
+            <a:r>
+              <a:rPr lang="ru-RU" dirty="0"/>
+              <a:t> = соответственно. Работают они аналогично параметрам </a:t>
+            </a:r>
+            <a:r>
+              <a:rPr lang="ru-RU" dirty="0" err="1"/>
+              <a:t>pch</a:t>
+            </a:r>
+            <a:r>
+              <a:rPr lang="ru-RU" dirty="0"/>
+              <a:t> и </a:t>
+            </a:r>
+            <a:r>
+              <a:rPr lang="ru-RU" dirty="0" err="1"/>
+              <a:t>cex</a:t>
+            </a:r>
+            <a:r>
+              <a:rPr lang="ru-RU" dirty="0"/>
+              <a:t> для точечных символов. Типов линий по умолчанию в стандартной библиотеке R не так много, но в сочетании с цветовым кодированием и толщиной их оказывается вполне достаточно</a:t>
+            </a:r>
+          </a:p>
+        </p:txBody>
+      </p:sp>
+      <p:pic>
+        <p:nvPicPr>
+          <p:cNvPr id="6" name="Рисунок 5"/>
+          <p:cNvPicPr>
+            <a:picLocks noChangeAspect="1"/>
+          </p:cNvPicPr>
+          <p:nvPr/>
+        </p:nvPicPr>
+        <p:blipFill>
+          <a:blip r:embed="rId2"/>
+          <a:stretch>
+            <a:fillRect/>
+          </a:stretch>
+        </p:blipFill>
+        <p:spPr>
+          <a:xfrm>
+            <a:off x="3561806" y="1590682"/>
+            <a:ext cx="6939506" cy="5033955"/>
+          </a:xfrm>
+          <a:prstGeom prst="rect">
+            <a:avLst/>
+          </a:prstGeom>
+        </p:spPr>
+      </p:pic>
+    </p:spTree>
+    <p:extLst>
+      <p:ext uri="{BB962C8B-B14F-4D97-AF65-F5344CB8AC3E}">
+        <p14:creationId xmlns:p14="http://schemas.microsoft.com/office/powerpoint/2010/main" val="3689160304"/>
+      </p:ext>
+    </p:extLst>
+  </p:cSld>
+  <p:clrMapOvr>
+    <a:masterClrMapping/>
+  </p:clrMapOvr>
+</p:sld>
+</file>
+
+<file path=ppt/slides/slide13.xml><?xml version="1.0" encoding="utf-8"?>
+<p:sld xmlns:a="http://schemas.openxmlformats.org/drawingml/2006/main" xmlns:r="http://schemas.openxmlformats.org/officeDocument/2006/relationships" xmlns:p="http://schemas.openxmlformats.org/presentationml/2006/main">
+  <p:cSld>
+    <p:spTree>
+      <p:nvGrpSpPr>
+        <p:cNvPr id="1" name=""/>
+        <p:cNvGrpSpPr/>
+        <p:nvPr/>
+      </p:nvGrpSpPr>
+      <p:grpSpPr>
+        <a:xfrm>
+          <a:off x="0" y="0"/>
+          <a:ext cx="0" cy="0"/>
+          <a:chOff x="0" y="0"/>
+          <a:chExt cx="0" cy="0"/>
+        </a:xfrm>
+      </p:grpSpPr>
+      <p:pic>
+        <p:nvPicPr>
+          <p:cNvPr id="5" name="Рисунок 4"/>
+          <p:cNvPicPr>
+            <a:picLocks noChangeAspect="1"/>
+          </p:cNvPicPr>
+          <p:nvPr/>
+        </p:nvPicPr>
+        <p:blipFill>
+          <a:blip r:embed="rId2"/>
+          <a:stretch>
+            <a:fillRect/>
+          </a:stretch>
+        </p:blipFill>
+        <p:spPr>
+          <a:xfrm>
+            <a:off x="2256201" y="214993"/>
+            <a:ext cx="8132590" cy="551362"/>
+          </a:xfrm>
+          <a:prstGeom prst="rect">
+            <a:avLst/>
+          </a:prstGeom>
+        </p:spPr>
+      </p:pic>
+      <p:pic>
+        <p:nvPicPr>
+          <p:cNvPr id="6" name="Рисунок 5"/>
+          <p:cNvPicPr>
+            <a:picLocks noChangeAspect="1"/>
+          </p:cNvPicPr>
+          <p:nvPr/>
+        </p:nvPicPr>
+        <p:blipFill>
+          <a:blip r:embed="rId3"/>
+          <a:stretch>
+            <a:fillRect/>
+          </a:stretch>
+        </p:blipFill>
+        <p:spPr>
+          <a:xfrm>
+            <a:off x="2256201" y="856335"/>
+            <a:ext cx="8257880" cy="5930659"/>
+          </a:xfrm>
+          <a:prstGeom prst="rect">
+            <a:avLst/>
+          </a:prstGeom>
+        </p:spPr>
+      </p:pic>
+    </p:spTree>
+    <p:extLst>
+      <p:ext uri="{BB962C8B-B14F-4D97-AF65-F5344CB8AC3E}">
+        <p14:creationId xmlns:p14="http://schemas.microsoft.com/office/powerpoint/2010/main" val="1891444024"/>
       </p:ext>
     </p:extLst>
   </p:cSld>

--- a/Course4/Matan/Samusev_Visualization_R.pptx
+++ b/Course4/Matan/Samusev_Visualization_R.pptx
@@ -18,6 +18,36 @@
     <p:sldId id="266" r:id="rId12"/>
     <p:sldId id="267" r:id="rId13"/>
     <p:sldId id="268" r:id="rId14"/>
+    <p:sldId id="269" r:id="rId15"/>
+    <p:sldId id="270" r:id="rId16"/>
+    <p:sldId id="271" r:id="rId17"/>
+    <p:sldId id="272" r:id="rId18"/>
+    <p:sldId id="273" r:id="rId19"/>
+    <p:sldId id="274" r:id="rId20"/>
+    <p:sldId id="275" r:id="rId21"/>
+    <p:sldId id="276" r:id="rId22"/>
+    <p:sldId id="277" r:id="rId23"/>
+    <p:sldId id="278" r:id="rId24"/>
+    <p:sldId id="279" r:id="rId25"/>
+    <p:sldId id="280" r:id="rId26"/>
+    <p:sldId id="281" r:id="rId27"/>
+    <p:sldId id="282" r:id="rId28"/>
+    <p:sldId id="283" r:id="rId29"/>
+    <p:sldId id="284" r:id="rId30"/>
+    <p:sldId id="285" r:id="rId31"/>
+    <p:sldId id="286" r:id="rId32"/>
+    <p:sldId id="287" r:id="rId33"/>
+    <p:sldId id="288" r:id="rId34"/>
+    <p:sldId id="289" r:id="rId35"/>
+    <p:sldId id="290" r:id="rId36"/>
+    <p:sldId id="291" r:id="rId37"/>
+    <p:sldId id="292" r:id="rId38"/>
+    <p:sldId id="293" r:id="rId39"/>
+    <p:sldId id="294" r:id="rId40"/>
+    <p:sldId id="295" r:id="rId41"/>
+    <p:sldId id="296" r:id="rId42"/>
+    <p:sldId id="297" r:id="rId43"/>
+    <p:sldId id="298" r:id="rId44"/>
   </p:sldIdLst>
   <p:sldSz cx="12192000" cy="6858000"/>
   <p:notesSz cx="6858000" cy="9144000"/>
@@ -293,7 +323,7 @@
           <a:p>
             <a:fld id="{A7614E69-9826-4E8F-9446-982D9F5B3700}" type="datetimeFigureOut">
               <a:rPr lang="ru-RU" smtClean="0"/>
-              <a:t>29.09.2021</a:t>
+              <a:t>30.09.2021</a:t>
             </a:fld>
             <a:endParaRPr lang="ru-RU"/>
           </a:p>
@@ -623,7 +653,7 @@
           <a:p>
             <a:fld id="{A7614E69-9826-4E8F-9446-982D9F5B3700}" type="datetimeFigureOut">
               <a:rPr lang="ru-RU" smtClean="0"/>
-              <a:t>29.09.2021</a:t>
+              <a:t>30.09.2021</a:t>
             </a:fld>
             <a:endParaRPr lang="ru-RU"/>
           </a:p>
@@ -803,7 +833,7 @@
           <a:p>
             <a:fld id="{A7614E69-9826-4E8F-9446-982D9F5B3700}" type="datetimeFigureOut">
               <a:rPr lang="ru-RU" smtClean="0"/>
-              <a:t>29.09.2021</a:t>
+              <a:t>30.09.2021</a:t>
             </a:fld>
             <a:endParaRPr lang="ru-RU"/>
           </a:p>
@@ -973,7 +1003,7 @@
           <a:p>
             <a:fld id="{A7614E69-9826-4E8F-9446-982D9F5B3700}" type="datetimeFigureOut">
               <a:rPr lang="ru-RU" smtClean="0"/>
-              <a:t>29.09.2021</a:t>
+              <a:t>30.09.2021</a:t>
             </a:fld>
             <a:endParaRPr lang="ru-RU"/>
           </a:p>
@@ -1250,7 +1280,7 @@
           <a:p>
             <a:fld id="{A7614E69-9826-4E8F-9446-982D9F5B3700}" type="datetimeFigureOut">
               <a:rPr lang="ru-RU" smtClean="0"/>
-              <a:t>29.09.2021</a:t>
+              <a:t>30.09.2021</a:t>
             </a:fld>
             <a:endParaRPr lang="ru-RU"/>
           </a:p>
@@ -1644,7 +1674,7 @@
           <a:p>
             <a:fld id="{A7614E69-9826-4E8F-9446-982D9F5B3700}" type="datetimeFigureOut">
               <a:rPr lang="ru-RU" smtClean="0"/>
-              <a:t>29.09.2021</a:t>
+              <a:t>30.09.2021</a:t>
             </a:fld>
             <a:endParaRPr lang="ru-RU"/>
           </a:p>
@@ -2121,7 +2151,7 @@
           <a:p>
             <a:fld id="{A7614E69-9826-4E8F-9446-982D9F5B3700}" type="datetimeFigureOut">
               <a:rPr lang="ru-RU" smtClean="0"/>
-              <a:t>29.09.2021</a:t>
+              <a:t>30.09.2021</a:t>
             </a:fld>
             <a:endParaRPr lang="ru-RU"/>
           </a:p>
@@ -2239,7 +2269,7 @@
           <a:p>
             <a:fld id="{A7614E69-9826-4E8F-9446-982D9F5B3700}" type="datetimeFigureOut">
               <a:rPr lang="ru-RU" smtClean="0"/>
-              <a:t>29.09.2021</a:t>
+              <a:t>30.09.2021</a:t>
             </a:fld>
             <a:endParaRPr lang="ru-RU"/>
           </a:p>
@@ -2334,7 +2364,7 @@
           <a:p>
             <a:fld id="{A7614E69-9826-4E8F-9446-982D9F5B3700}" type="datetimeFigureOut">
               <a:rPr lang="ru-RU" smtClean="0"/>
-              <a:t>29.09.2021</a:t>
+              <a:t>30.09.2021</a:t>
             </a:fld>
             <a:endParaRPr lang="ru-RU"/>
           </a:p>
@@ -2680,7 +2710,7 @@
           <a:p>
             <a:fld id="{A7614E69-9826-4E8F-9446-982D9F5B3700}" type="datetimeFigureOut">
               <a:rPr lang="ru-RU" smtClean="0"/>
-              <a:t>29.09.2021</a:t>
+              <a:t>30.09.2021</a:t>
             </a:fld>
             <a:endParaRPr lang="ru-RU"/>
           </a:p>
@@ -3068,7 +3098,7 @@
           <a:p>
             <a:fld id="{A7614E69-9826-4E8F-9446-982D9F5B3700}" type="datetimeFigureOut">
               <a:rPr lang="ru-RU" smtClean="0"/>
-              <a:t>29.09.2021</a:t>
+              <a:t>30.09.2021</a:t>
             </a:fld>
             <a:endParaRPr lang="ru-RU"/>
           </a:p>
@@ -3346,7 +3376,7 @@
           <a:p>
             <a:fld id="{A7614E69-9826-4E8F-9446-982D9F5B3700}" type="datetimeFigureOut">
               <a:rPr lang="ru-RU" smtClean="0"/>
-              <a:t>29.09.2021</a:t>
+              <a:t>30.09.2021</a:t>
             </a:fld>
             <a:endParaRPr lang="ru-RU"/>
           </a:p>
@@ -4007,6 +4037,13 @@
   <p:clrMapOvr>
     <a:masterClrMapping/>
   </p:clrMapOvr>
+  <p:timing>
+    <p:tnLst>
+      <p:par>
+        <p:cTn id="1" dur="indefinite" restart="never" nodeType="tmRoot"/>
+      </p:par>
+    </p:tnLst>
+  </p:timing>
 </p:sld>
 </file>
 
@@ -4085,6 +4122,13 @@
   <p:clrMapOvr>
     <a:masterClrMapping/>
   </p:clrMapOvr>
+  <p:timing>
+    <p:tnLst>
+      <p:par>
+        <p:cTn id="1" dur="indefinite" restart="never" nodeType="tmRoot"/>
+      </p:par>
+    </p:tnLst>
+  </p:timing>
 </p:sld>
 </file>
 
@@ -4201,6 +4245,13 @@
   <p:clrMapOvr>
     <a:masterClrMapping/>
   </p:clrMapOvr>
+  <p:timing>
+    <p:tnLst>
+      <p:par>
+        <p:cTn id="1" dur="indefinite" restart="never" nodeType="tmRoot"/>
+      </p:par>
+    </p:tnLst>
+  </p:timing>
 </p:sld>
 </file>
 
@@ -4279,6 +4330,633 @@
   <p:clrMapOvr>
     <a:masterClrMapping/>
   </p:clrMapOvr>
+  <p:timing>
+    <p:tnLst>
+      <p:par>
+        <p:cTn id="1" dur="indefinite" restart="never" nodeType="tmRoot"/>
+      </p:par>
+    </p:tnLst>
+  </p:timing>
+</p:sld>
+</file>
+
+<file path=ppt/slides/slide14.xml><?xml version="1.0" encoding="utf-8"?>
+<p:sld xmlns:a="http://schemas.openxmlformats.org/drawingml/2006/main" xmlns:r="http://schemas.openxmlformats.org/officeDocument/2006/relationships" xmlns:p="http://schemas.openxmlformats.org/presentationml/2006/main">
+  <p:cSld>
+    <p:spTree>
+      <p:nvGrpSpPr>
+        <p:cNvPr id="1" name=""/>
+        <p:cNvGrpSpPr/>
+        <p:nvPr/>
+      </p:nvGrpSpPr>
+      <p:grpSpPr>
+        <a:xfrm>
+          <a:off x="0" y="0"/>
+          <a:ext cx="0" cy="0"/>
+          <a:chOff x="0" y="0"/>
+          <a:chExt cx="0" cy="0"/>
+        </a:xfrm>
+      </p:grpSpPr>
+      <p:sp>
+        <p:nvSpPr>
+          <p:cNvPr id="3" name="Объект 2"/>
+          <p:cNvSpPr>
+            <a:spLocks noGrp="1"/>
+          </p:cNvSpPr>
+          <p:nvPr>
+            <p:ph idx="1"/>
+          </p:nvPr>
+        </p:nvSpPr>
+        <p:spPr>
+          <a:xfrm>
+            <a:off x="1429789" y="216131"/>
+            <a:ext cx="9601200" cy="3581400"/>
+          </a:xfrm>
+        </p:spPr>
+        <p:txBody>
+          <a:bodyPr/>
+          <a:lstStyle/>
+          <a:p>
+            <a:pPr marL="0" indent="0">
+              <a:buNone/>
+            </a:pPr>
+            <a:r>
+              <a:rPr lang="ru-RU" dirty="0"/>
+              <a:t>Совмещение графиков</a:t>
+            </a:r>
+          </a:p>
+          <a:p>
+            <a:pPr marL="0" indent="0">
+              <a:buNone/>
+            </a:pPr>
+            <a:r>
+              <a:rPr lang="ru-RU" dirty="0"/>
+              <a:t>Часто бывает необходимо совместить на одном графике несколько рядов данных. Для этого можно поступить двумя путями</a:t>
+            </a:r>
+            <a:r>
+              <a:rPr lang="ru-RU" dirty="0" smtClean="0"/>
+              <a:t>:</a:t>
+            </a:r>
+            <a:endParaRPr lang="ru-RU" dirty="0"/>
+          </a:p>
+          <a:p>
+            <a:pPr marL="0" indent="0">
+              <a:buNone/>
+            </a:pPr>
+            <a:r>
+              <a:rPr lang="ru-RU" dirty="0"/>
+              <a:t>Нарисовать один ряд данных c помощью функции </a:t>
+            </a:r>
+            <a:r>
+              <a:rPr lang="ru-RU" dirty="0" err="1"/>
+              <a:t>plot</a:t>
+            </a:r>
+            <a:r>
+              <a:rPr lang="ru-RU" dirty="0"/>
+              <a:t>(), а затем добавить к нему другие ряды с помощью функций </a:t>
+            </a:r>
+            <a:r>
+              <a:rPr lang="ru-RU" dirty="0" err="1"/>
+              <a:t>points</a:t>
+            </a:r>
+            <a:r>
+              <a:rPr lang="ru-RU" dirty="0"/>
+              <a:t>() и </a:t>
+            </a:r>
+            <a:r>
+              <a:rPr lang="ru-RU" dirty="0" err="1"/>
+              <a:t>lines</a:t>
+            </a:r>
+            <a:r>
+              <a:rPr lang="ru-RU" dirty="0" smtClean="0"/>
+              <a:t>().</a:t>
+            </a:r>
+            <a:endParaRPr lang="ru-RU" dirty="0"/>
+          </a:p>
+          <a:p>
+            <a:pPr marL="0" indent="0">
+              <a:buNone/>
+            </a:pPr>
+            <a:r>
+              <a:rPr lang="ru-RU" dirty="0"/>
+              <a:t>Нарисовать пустой график, а затем добавить к нему все ряды данных с помощью функций </a:t>
+            </a:r>
+            <a:r>
+              <a:rPr lang="ru-RU" dirty="0" err="1"/>
+              <a:t>points</a:t>
+            </a:r>
+            <a:r>
+              <a:rPr lang="ru-RU" dirty="0"/>
+              <a:t>() и </a:t>
+            </a:r>
+            <a:r>
+              <a:rPr lang="ru-RU" dirty="0" err="1"/>
+              <a:t>lines</a:t>
+            </a:r>
+            <a:r>
+              <a:rPr lang="ru-RU" dirty="0" smtClean="0"/>
+              <a:t>()</a:t>
+            </a:r>
+          </a:p>
+          <a:p>
+            <a:pPr marL="0" indent="0">
+              <a:buNone/>
+            </a:pPr>
+            <a:endParaRPr lang="ru-RU" dirty="0"/>
+          </a:p>
+        </p:txBody>
+      </p:sp>
+      <p:pic>
+        <p:nvPicPr>
+          <p:cNvPr id="5" name="Рисунок 4"/>
+          <p:cNvPicPr>
+            <a:picLocks noChangeAspect="1"/>
+          </p:cNvPicPr>
+          <p:nvPr/>
+        </p:nvPicPr>
+        <p:blipFill>
+          <a:blip r:embed="rId2"/>
+          <a:stretch>
+            <a:fillRect/>
+          </a:stretch>
+        </p:blipFill>
+        <p:spPr>
+          <a:xfrm>
+            <a:off x="3965430" y="3273829"/>
+            <a:ext cx="4676775" cy="2438400"/>
+          </a:xfrm>
+          <a:prstGeom prst="rect">
+            <a:avLst/>
+          </a:prstGeom>
+        </p:spPr>
+      </p:pic>
+    </p:spTree>
+    <p:extLst>
+      <p:ext uri="{BB962C8B-B14F-4D97-AF65-F5344CB8AC3E}">
+        <p14:creationId xmlns:p14="http://schemas.microsoft.com/office/powerpoint/2010/main" val="3752755060"/>
+      </p:ext>
+    </p:extLst>
+  </p:cSld>
+  <p:clrMapOvr>
+    <a:masterClrMapping/>
+  </p:clrMapOvr>
+  <p:timing>
+    <p:tnLst>
+      <p:par>
+        <p:cTn id="1" dur="indefinite" restart="never" nodeType="tmRoot"/>
+      </p:par>
+    </p:tnLst>
+  </p:timing>
+</p:sld>
+</file>
+
+<file path=ppt/slides/slide15.xml><?xml version="1.0" encoding="utf-8"?>
+<p:sld xmlns:a="http://schemas.openxmlformats.org/drawingml/2006/main" xmlns:r="http://schemas.openxmlformats.org/officeDocument/2006/relationships" xmlns:p="http://schemas.openxmlformats.org/presentationml/2006/main">
+  <p:cSld>
+    <p:spTree>
+      <p:nvGrpSpPr>
+        <p:cNvPr id="1" name=""/>
+        <p:cNvGrpSpPr/>
+        <p:nvPr/>
+      </p:nvGrpSpPr>
+      <p:grpSpPr>
+        <a:xfrm>
+          <a:off x="0" y="0"/>
+          <a:ext cx="0" cy="0"/>
+          <a:chOff x="0" y="0"/>
+          <a:chExt cx="0" cy="0"/>
+        </a:xfrm>
+      </p:grpSpPr>
+      <p:pic>
+        <p:nvPicPr>
+          <p:cNvPr id="4" name="Рисунок 3"/>
+          <p:cNvPicPr>
+            <a:picLocks noChangeAspect="1"/>
+          </p:cNvPicPr>
+          <p:nvPr/>
+        </p:nvPicPr>
+        <p:blipFill>
+          <a:blip r:embed="rId2"/>
+          <a:stretch>
+            <a:fillRect/>
+          </a:stretch>
+        </p:blipFill>
+        <p:spPr>
+          <a:xfrm>
+            <a:off x="2306089" y="164176"/>
+            <a:ext cx="8882841" cy="6287854"/>
+          </a:xfrm>
+          <a:prstGeom prst="rect">
+            <a:avLst/>
+          </a:prstGeom>
+        </p:spPr>
+      </p:pic>
+    </p:spTree>
+    <p:extLst>
+      <p:ext uri="{BB962C8B-B14F-4D97-AF65-F5344CB8AC3E}">
+        <p14:creationId xmlns:p14="http://schemas.microsoft.com/office/powerpoint/2010/main" val="2123361046"/>
+      </p:ext>
+    </p:extLst>
+  </p:cSld>
+  <p:clrMapOvr>
+    <a:masterClrMapping/>
+  </p:clrMapOvr>
+  <p:timing>
+    <p:tnLst>
+      <p:par>
+        <p:cTn id="1" dur="indefinite" restart="never" nodeType="tmRoot"/>
+      </p:par>
+    </p:tnLst>
+  </p:timing>
+</p:sld>
+</file>
+
+<file path=ppt/slides/slide16.xml><?xml version="1.0" encoding="utf-8"?>
+<p:sld xmlns:a="http://schemas.openxmlformats.org/drawingml/2006/main" xmlns:r="http://schemas.openxmlformats.org/officeDocument/2006/relationships" xmlns:p="http://schemas.openxmlformats.org/presentationml/2006/main">
+  <p:cSld>
+    <p:spTree>
+      <p:nvGrpSpPr>
+        <p:cNvPr id="1" name=""/>
+        <p:cNvGrpSpPr/>
+        <p:nvPr/>
+      </p:nvGrpSpPr>
+      <p:grpSpPr>
+        <a:xfrm>
+          <a:off x="0" y="0"/>
+          <a:ext cx="0" cy="0"/>
+          <a:chOff x="0" y="0"/>
+          <a:chExt cx="0" cy="0"/>
+        </a:xfrm>
+      </p:grpSpPr>
+      <p:pic>
+        <p:nvPicPr>
+          <p:cNvPr id="4" name="Рисунок 3"/>
+          <p:cNvPicPr>
+            <a:picLocks noChangeAspect="1"/>
+          </p:cNvPicPr>
+          <p:nvPr/>
+        </p:nvPicPr>
+        <p:blipFill>
+          <a:blip r:embed="rId2"/>
+          <a:stretch>
+            <a:fillRect/>
+          </a:stretch>
+        </p:blipFill>
+        <p:spPr>
+          <a:xfrm>
+            <a:off x="3884120" y="1551254"/>
+            <a:ext cx="2076450" cy="314325"/>
+          </a:xfrm>
+          <a:prstGeom prst="rect">
+            <a:avLst/>
+          </a:prstGeom>
+        </p:spPr>
+      </p:pic>
+      <p:pic>
+        <p:nvPicPr>
+          <p:cNvPr id="5" name="Рисунок 4"/>
+          <p:cNvPicPr>
+            <a:picLocks noChangeAspect="1"/>
+          </p:cNvPicPr>
+          <p:nvPr/>
+        </p:nvPicPr>
+        <p:blipFill>
+          <a:blip r:embed="rId3"/>
+          <a:stretch>
+            <a:fillRect/>
+          </a:stretch>
+        </p:blipFill>
+        <p:spPr>
+          <a:xfrm>
+            <a:off x="3884120" y="1942038"/>
+            <a:ext cx="4819650" cy="277611"/>
+          </a:xfrm>
+          <a:prstGeom prst="rect">
+            <a:avLst/>
+          </a:prstGeom>
+        </p:spPr>
+      </p:pic>
+      <p:pic>
+        <p:nvPicPr>
+          <p:cNvPr id="6" name="Рисунок 5"/>
+          <p:cNvPicPr>
+            <a:picLocks noChangeAspect="1"/>
+          </p:cNvPicPr>
+          <p:nvPr/>
+        </p:nvPicPr>
+        <p:blipFill>
+          <a:blip r:embed="rId4"/>
+          <a:stretch>
+            <a:fillRect/>
+          </a:stretch>
+        </p:blipFill>
+        <p:spPr>
+          <a:xfrm>
+            <a:off x="3418609" y="2318392"/>
+            <a:ext cx="5600700" cy="1457325"/>
+          </a:xfrm>
+          <a:prstGeom prst="rect">
+            <a:avLst/>
+          </a:prstGeom>
+        </p:spPr>
+      </p:pic>
+      <p:pic>
+        <p:nvPicPr>
+          <p:cNvPr id="7" name="Рисунок 6"/>
+          <p:cNvPicPr>
+            <a:picLocks noChangeAspect="1"/>
+          </p:cNvPicPr>
+          <p:nvPr/>
+        </p:nvPicPr>
+        <p:blipFill>
+          <a:blip r:embed="rId5"/>
+          <a:stretch>
+            <a:fillRect/>
+          </a:stretch>
+        </p:blipFill>
+        <p:spPr>
+          <a:xfrm>
+            <a:off x="3884120" y="3874460"/>
+            <a:ext cx="4876800" cy="1943100"/>
+          </a:xfrm>
+          <a:prstGeom prst="rect">
+            <a:avLst/>
+          </a:prstGeom>
+        </p:spPr>
+      </p:pic>
+      <p:sp>
+        <p:nvSpPr>
+          <p:cNvPr id="2" name="Прямоугольник 1"/>
+          <p:cNvSpPr/>
+          <p:nvPr/>
+        </p:nvSpPr>
+        <p:spPr>
+          <a:xfrm>
+            <a:off x="2923309" y="508072"/>
+            <a:ext cx="6096000" cy="923330"/>
+          </a:xfrm>
+          <a:prstGeom prst="rect">
+            <a:avLst/>
+          </a:prstGeom>
+        </p:spPr>
+        <p:txBody>
+          <a:bodyPr>
+            <a:spAutoFit/>
+          </a:bodyPr>
+          <a:lstStyle/>
+          <a:p>
+            <a:r>
+              <a:rPr lang="ru-RU" dirty="0"/>
+              <a:t>Теперь рассмотрим второй вариант. Заодно устраним недостаток предыдущего кода, в котором диапазон значений по оси </a:t>
+            </a:r>
+            <a:r>
+              <a:rPr lang="ru-RU" dirty="0" smtClean="0"/>
+              <a:t>Y указывался </a:t>
+            </a:r>
+            <a:r>
+              <a:rPr lang="ru-RU" dirty="0"/>
+              <a:t>вручную</a:t>
+            </a:r>
+          </a:p>
+        </p:txBody>
+      </p:sp>
+    </p:spTree>
+    <p:extLst>
+      <p:ext uri="{BB962C8B-B14F-4D97-AF65-F5344CB8AC3E}">
+        <p14:creationId xmlns:p14="http://schemas.microsoft.com/office/powerpoint/2010/main" val="4116954458"/>
+      </p:ext>
+    </p:extLst>
+  </p:cSld>
+  <p:clrMapOvr>
+    <a:masterClrMapping/>
+  </p:clrMapOvr>
+  <p:timing>
+    <p:tnLst>
+      <p:par>
+        <p:cTn id="1" dur="indefinite" restart="never" nodeType="tmRoot"/>
+      </p:par>
+    </p:tnLst>
+  </p:timing>
+</p:sld>
+</file>
+
+<file path=ppt/slides/slide17.xml><?xml version="1.0" encoding="utf-8"?>
+<p:sld xmlns:a="http://schemas.openxmlformats.org/drawingml/2006/main" xmlns:r="http://schemas.openxmlformats.org/officeDocument/2006/relationships" xmlns:p="http://schemas.openxmlformats.org/presentationml/2006/main">
+  <p:cSld>
+    <p:spTree>
+      <p:nvGrpSpPr>
+        <p:cNvPr id="1" name=""/>
+        <p:cNvGrpSpPr/>
+        <p:nvPr/>
+      </p:nvGrpSpPr>
+      <p:grpSpPr>
+        <a:xfrm>
+          <a:off x="0" y="0"/>
+          <a:ext cx="0" cy="0"/>
+          <a:chOff x="0" y="0"/>
+          <a:chExt cx="0" cy="0"/>
+        </a:xfrm>
+      </p:grpSpPr>
+      <p:pic>
+        <p:nvPicPr>
+          <p:cNvPr id="4" name="Рисунок 3"/>
+          <p:cNvPicPr>
+            <a:picLocks noChangeAspect="1"/>
+          </p:cNvPicPr>
+          <p:nvPr/>
+        </p:nvPicPr>
+        <p:blipFill>
+          <a:blip r:embed="rId2"/>
+          <a:stretch>
+            <a:fillRect/>
+          </a:stretch>
+        </p:blipFill>
+        <p:spPr>
+          <a:xfrm>
+            <a:off x="2224087" y="240030"/>
+            <a:ext cx="8740400" cy="6290162"/>
+          </a:xfrm>
+          <a:prstGeom prst="rect">
+            <a:avLst/>
+          </a:prstGeom>
+        </p:spPr>
+      </p:pic>
+    </p:spTree>
+    <p:extLst>
+      <p:ext uri="{BB962C8B-B14F-4D97-AF65-F5344CB8AC3E}">
+        <p14:creationId xmlns:p14="http://schemas.microsoft.com/office/powerpoint/2010/main" val="1329321758"/>
+      </p:ext>
+    </p:extLst>
+  </p:cSld>
+  <p:clrMapOvr>
+    <a:masterClrMapping/>
+  </p:clrMapOvr>
+  <p:timing>
+    <p:tnLst>
+      <p:par>
+        <p:cTn id="1" dur="indefinite" restart="never" nodeType="tmRoot"/>
+      </p:par>
+    </p:tnLst>
+  </p:timing>
+</p:sld>
+</file>
+
+<file path=ppt/slides/slide18.xml><?xml version="1.0" encoding="utf-8"?>
+<p:sld xmlns:a="http://schemas.openxmlformats.org/drawingml/2006/main" xmlns:r="http://schemas.openxmlformats.org/officeDocument/2006/relationships" xmlns:p="http://schemas.openxmlformats.org/presentationml/2006/main">
+  <p:cSld>
+    <p:spTree>
+      <p:nvGrpSpPr>
+        <p:cNvPr id="1" name=""/>
+        <p:cNvGrpSpPr/>
+        <p:nvPr/>
+      </p:nvGrpSpPr>
+      <p:grpSpPr>
+        <a:xfrm>
+          <a:off x="0" y="0"/>
+          <a:ext cx="0" cy="0"/>
+          <a:chOff x="0" y="0"/>
+          <a:chExt cx="0" cy="0"/>
+        </a:xfrm>
+      </p:grpSpPr>
+      <p:sp>
+        <p:nvSpPr>
+          <p:cNvPr id="3" name="Объект 2"/>
+          <p:cNvSpPr>
+            <a:spLocks noGrp="1"/>
+          </p:cNvSpPr>
+          <p:nvPr>
+            <p:ph idx="1"/>
+          </p:nvPr>
+        </p:nvSpPr>
+        <p:spPr>
+          <a:xfrm>
+            <a:off x="989214" y="473825"/>
+            <a:ext cx="9601200" cy="3581400"/>
+          </a:xfrm>
+        </p:spPr>
+        <p:txBody>
+          <a:bodyPr/>
+          <a:lstStyle/>
+          <a:p>
+            <a:pPr marL="0" indent="0">
+              <a:buNone/>
+            </a:pPr>
+            <a:r>
+              <a:rPr lang="ru-RU" dirty="0"/>
+              <a:t>Функциональные параметры</a:t>
+            </a:r>
+          </a:p>
+          <a:p>
+            <a:pPr marL="0" indent="0">
+              <a:buNone/>
+            </a:pPr>
+            <a:r>
+              <a:rPr lang="ru-RU" dirty="0"/>
+              <a:t>Графические параметры при построении графиков на самом деле могут быть не константами, а функцией данных. Например, вы можете сказать, что размер точки при построении диаграммы рассеяния должен быть функцией отношения экспорта к импорту, что усилит наглядность </a:t>
+            </a:r>
+            <a:r>
+              <a:rPr lang="ru-RU" dirty="0" smtClean="0"/>
+              <a:t>отображения</a:t>
+            </a:r>
+            <a:endParaRPr lang="ru-RU" dirty="0"/>
+          </a:p>
+        </p:txBody>
+      </p:sp>
+      <p:pic>
+        <p:nvPicPr>
+          <p:cNvPr id="6" name="Рисунок 5"/>
+          <p:cNvPicPr>
+            <a:picLocks noChangeAspect="1"/>
+          </p:cNvPicPr>
+          <p:nvPr/>
+        </p:nvPicPr>
+        <p:blipFill>
+          <a:blip r:embed="rId2"/>
+          <a:stretch>
+            <a:fillRect/>
+          </a:stretch>
+        </p:blipFill>
+        <p:spPr>
+          <a:xfrm>
+            <a:off x="2581275" y="2181225"/>
+            <a:ext cx="7029450" cy="2495550"/>
+          </a:xfrm>
+          <a:prstGeom prst="rect">
+            <a:avLst/>
+          </a:prstGeom>
+        </p:spPr>
+      </p:pic>
+    </p:spTree>
+    <p:extLst>
+      <p:ext uri="{BB962C8B-B14F-4D97-AF65-F5344CB8AC3E}">
+        <p14:creationId xmlns:p14="http://schemas.microsoft.com/office/powerpoint/2010/main" val="1973366052"/>
+      </p:ext>
+    </p:extLst>
+  </p:cSld>
+  <p:clrMapOvr>
+    <a:masterClrMapping/>
+  </p:clrMapOvr>
+  <p:timing>
+    <p:tnLst>
+      <p:par>
+        <p:cTn id="1" dur="indefinite" restart="never" nodeType="tmRoot"/>
+      </p:par>
+    </p:tnLst>
+  </p:timing>
+</p:sld>
+</file>
+
+<file path=ppt/slides/slide19.xml><?xml version="1.0" encoding="utf-8"?>
+<p:sld xmlns:a="http://schemas.openxmlformats.org/drawingml/2006/main" xmlns:r="http://schemas.openxmlformats.org/officeDocument/2006/relationships" xmlns:p="http://schemas.openxmlformats.org/presentationml/2006/main">
+  <p:cSld>
+    <p:spTree>
+      <p:nvGrpSpPr>
+        <p:cNvPr id="1" name=""/>
+        <p:cNvGrpSpPr/>
+        <p:nvPr/>
+      </p:nvGrpSpPr>
+      <p:grpSpPr>
+        <a:xfrm>
+          <a:off x="0" y="0"/>
+          <a:ext cx="0" cy="0"/>
+          <a:chOff x="0" y="0"/>
+          <a:chExt cx="0" cy="0"/>
+        </a:xfrm>
+      </p:grpSpPr>
+      <p:pic>
+        <p:nvPicPr>
+          <p:cNvPr id="4" name="Рисунок 3"/>
+          <p:cNvPicPr>
+            <a:picLocks noChangeAspect="1"/>
+          </p:cNvPicPr>
+          <p:nvPr/>
+        </p:nvPicPr>
+        <p:blipFill>
+          <a:blip r:embed="rId2"/>
+          <a:stretch>
+            <a:fillRect/>
+          </a:stretch>
+        </p:blipFill>
+        <p:spPr>
+          <a:xfrm>
+            <a:off x="1928553" y="166254"/>
+            <a:ext cx="9168938" cy="6437492"/>
+          </a:xfrm>
+          <a:prstGeom prst="rect">
+            <a:avLst/>
+          </a:prstGeom>
+        </p:spPr>
+      </p:pic>
+    </p:spTree>
+    <p:extLst>
+      <p:ext uri="{BB962C8B-B14F-4D97-AF65-F5344CB8AC3E}">
+        <p14:creationId xmlns:p14="http://schemas.microsoft.com/office/powerpoint/2010/main" val="3999998268"/>
+      </p:ext>
+    </p:extLst>
+  </p:cSld>
+  <p:clrMapOvr>
+    <a:masterClrMapping/>
+  </p:clrMapOvr>
 </p:sld>
 </file>
 
@@ -4630,6 +5308,1511 @@
       </p:par>
     </p:tnLst>
   </p:timing>
+</p:sld>
+</file>
+
+<file path=ppt/slides/slide20.xml><?xml version="1.0" encoding="utf-8"?>
+<p:sld xmlns:a="http://schemas.openxmlformats.org/drawingml/2006/main" xmlns:r="http://schemas.openxmlformats.org/officeDocument/2006/relationships" xmlns:p="http://schemas.openxmlformats.org/presentationml/2006/main">
+  <p:cSld>
+    <p:spTree>
+      <p:nvGrpSpPr>
+        <p:cNvPr id="1" name=""/>
+        <p:cNvGrpSpPr/>
+        <p:nvPr/>
+      </p:nvGrpSpPr>
+      <p:grpSpPr>
+        <a:xfrm>
+          <a:off x="0" y="0"/>
+          <a:ext cx="0" cy="0"/>
+          <a:chOff x="0" y="0"/>
+          <a:chExt cx="0" cy="0"/>
+        </a:xfrm>
+      </p:grpSpPr>
+      <p:sp>
+        <p:nvSpPr>
+          <p:cNvPr id="3" name="Объект 2"/>
+          <p:cNvSpPr>
+            <a:spLocks noGrp="1"/>
+          </p:cNvSpPr>
+          <p:nvPr>
+            <p:ph idx="1"/>
+          </p:nvPr>
+        </p:nvSpPr>
+        <p:spPr>
+          <a:xfrm>
+            <a:off x="1603741" y="1117447"/>
+            <a:ext cx="9601200" cy="3581400"/>
+          </a:xfrm>
+        </p:spPr>
+        <p:txBody>
+          <a:bodyPr/>
+          <a:lstStyle/>
+          <a:p>
+            <a:pPr marL="0" indent="0">
+              <a:buNone/>
+            </a:pPr>
+            <a:r>
+              <a:rPr lang="ru-RU" b="1" dirty="0"/>
+              <a:t>Гистограммы</a:t>
+            </a:r>
+          </a:p>
+          <a:p>
+            <a:pPr marL="0" indent="0">
+              <a:buNone/>
+            </a:pPr>
+            <a:r>
+              <a:rPr lang="ru-RU" dirty="0"/>
+              <a:t>Гистограммы распределения строятся с помощью функции </a:t>
+            </a:r>
+            <a:r>
+              <a:rPr lang="ru-RU" dirty="0" err="1"/>
+              <a:t>hist</a:t>
+            </a:r>
+            <a:r>
+              <a:rPr lang="ru-RU" dirty="0"/>
+              <a:t>(). Чтобы изменить ширину кармана (столбца) гистограммы, необходимо задать параметр </a:t>
+            </a:r>
+            <a:r>
+              <a:rPr lang="ru-RU" dirty="0" err="1" smtClean="0"/>
+              <a:t>breaks</a:t>
+            </a:r>
+            <a:r>
+              <a:rPr lang="ru-RU" dirty="0" smtClean="0"/>
+              <a:t> </a:t>
+            </a:r>
+            <a:r>
+              <a:rPr lang="ru-RU" dirty="0"/>
+              <a:t>=, а цвет задается в параметре </a:t>
+            </a:r>
+            <a:r>
+              <a:rPr lang="ru-RU" dirty="0" err="1" smtClean="0"/>
+              <a:t>col</a:t>
+            </a:r>
+            <a:r>
+              <a:rPr lang="ru-RU" dirty="0" smtClean="0"/>
+              <a:t>.</a:t>
+            </a:r>
+          </a:p>
+          <a:p>
+            <a:pPr marL="0" indent="0">
+              <a:buNone/>
+            </a:pPr>
+            <a:r>
+              <a:rPr lang="ru-RU" dirty="0"/>
+              <a:t>При построении гистограммы (как и любого другого типа графика) вы можете использовать не весь массив данных, а только его подмножество Например, можно посмотреть гистограмму только для субъектов с объемом экспорта менее 300</a:t>
+            </a:r>
+            <a:endParaRPr lang="ru-RU" dirty="0"/>
+          </a:p>
+          <a:p>
+            <a:pPr marL="0" indent="0">
+              <a:buNone/>
+            </a:pPr>
+            <a:endParaRPr lang="ru-RU" dirty="0"/>
+          </a:p>
+        </p:txBody>
+      </p:sp>
+      <p:sp>
+        <p:nvSpPr>
+          <p:cNvPr id="6" name="Rectangle 2"/>
+          <p:cNvSpPr>
+            <a:spLocks noChangeArrowheads="1"/>
+          </p:cNvSpPr>
+          <p:nvPr/>
+        </p:nvSpPr>
+        <p:spPr bwMode="auto">
+          <a:xfrm>
+            <a:off x="2997188" y="3982069"/>
+            <a:ext cx="7052898" cy="246221"/>
+          </a:xfrm>
+          <a:prstGeom prst="rect">
+            <a:avLst/>
+          </a:prstGeom>
+          <a:solidFill>
+            <a:srgbClr val="F6F6F6"/>
+          </a:solidFill>
+          <a:ln>
+            <a:noFill/>
+          </a:ln>
+          <a:effectLst/>
+          <a:extLst>
+            <a:ext uri="{91240B29-F687-4F45-9708-019B960494DF}">
+              <a14:hiddenLine xmlns:a14="http://schemas.microsoft.com/office/drawing/2010/main" w="9525">
+                <a:solidFill>
+                  <a:schemeClr val="tx1"/>
+                </a:solidFill>
+                <a:miter lim="800000"/>
+                <a:headEnd/>
+                <a:tailEnd/>
+              </a14:hiddenLine>
+            </a:ext>
+            <a:ext uri="{AF507438-7753-43E0-B8FC-AC1667EBCBE1}">
+              <a14:hiddenEffects xmlns:a14="http://schemas.microsoft.com/office/drawing/2010/main">
+                <a:effectLst>
+                  <a:outerShdw dist="35921" dir="2700000" algn="ctr" rotWithShape="0">
+                    <a:schemeClr val="bg2"/>
+                  </a:outerShdw>
+                </a:effectLst>
+              </a14:hiddenEffects>
+            </a:ext>
+          </a:extLst>
+        </p:spPr>
+        <p:txBody>
+          <a:bodyPr vert="horz" wrap="square" lIns="91440" tIns="45720" rIns="91440" bIns="45720" numCol="1" anchor="ctr" anchorCtr="0" compatLnSpc="1">
+            <a:prstTxWarp prst="textNoShape">
+              <a:avLst/>
+            </a:prstTxWarp>
+            <a:spAutoFit/>
+          </a:bodyPr>
+          <a:lstStyle/>
+          <a:p>
+            <a:pPr marL="0" marR="0" lvl="0" indent="0" algn="l" defTabSz="914400" rtl="0" eaLnBrk="0" fontAlgn="base" latinLnBrk="0" hangingPunct="0">
+              <a:lnSpc>
+                <a:spcPct val="100000"/>
+              </a:lnSpc>
+              <a:spcBef>
+                <a:spcPct val="0"/>
+              </a:spcBef>
+              <a:spcAft>
+                <a:spcPct val="0"/>
+              </a:spcAft>
+              <a:buClrTx/>
+              <a:buSzTx/>
+              <a:buFontTx/>
+              <a:buNone/>
+              <a:tabLst/>
+            </a:pPr>
+            <a:r>
+              <a:rPr kumimoji="0" lang="ru-RU" altLang="ru-RU" sz="1000" b="0" i="0" u="none" strike="noStrike" cap="none" normalizeH="0" baseline="0" dirty="0" err="1" smtClean="0">
+                <a:ln>
+                  <a:noFill/>
+                </a:ln>
+                <a:solidFill>
+                  <a:srgbClr val="4254A7"/>
+                </a:solidFill>
+                <a:effectLst/>
+                <a:latin typeface="SFMono-Regular"/>
+                <a:hlinkClick r:id="rId2"/>
+              </a:rPr>
+              <a:t>hist</a:t>
+            </a:r>
+            <a:r>
+              <a:rPr kumimoji="0" lang="ru-RU" altLang="ru-RU" sz="1000" b="0" i="0" u="none" strike="noStrike" cap="none" normalizeH="0" baseline="0" dirty="0" smtClean="0">
+                <a:ln>
+                  <a:noFill/>
+                </a:ln>
+                <a:solidFill>
+                  <a:srgbClr val="696969"/>
+                </a:solidFill>
+                <a:effectLst/>
+                <a:latin typeface="SFMono-Regular"/>
+              </a:rPr>
+              <a:t>(</a:t>
+            </a:r>
+            <a:r>
+              <a:rPr kumimoji="0" lang="ru-RU" altLang="ru-RU" sz="1000" b="0" i="0" u="none" strike="noStrike" cap="none" normalizeH="0" baseline="0" dirty="0" err="1" smtClean="0">
+                <a:ln>
+                  <a:noFill/>
+                </a:ln>
+                <a:solidFill>
+                  <a:srgbClr val="19177C"/>
+                </a:solidFill>
+                <a:effectLst/>
+                <a:latin typeface="SFMono-Regular"/>
+              </a:rPr>
+              <a:t>sub</a:t>
+            </a:r>
+            <a:r>
+              <a:rPr kumimoji="0" lang="ru-RU" altLang="ru-RU" sz="1000" b="0" i="0" u="none" strike="noStrike" cap="none" normalizeH="0" baseline="0" dirty="0" err="1" smtClean="0">
+                <a:ln>
+                  <a:noFill/>
+                </a:ln>
+                <a:solidFill>
+                  <a:srgbClr val="696969"/>
+                </a:solidFill>
+                <a:effectLst/>
+                <a:latin typeface="SFMono-Regular"/>
+              </a:rPr>
+              <a:t>$</a:t>
+            </a:r>
+            <a:r>
+              <a:rPr kumimoji="0" lang="ru-RU" altLang="ru-RU" sz="1000" b="0" i="0" u="none" strike="noStrike" cap="none" normalizeH="0" baseline="0" dirty="0" err="1" smtClean="0">
+                <a:ln>
+                  <a:noFill/>
+                </a:ln>
+                <a:solidFill>
+                  <a:srgbClr val="19177C"/>
+                </a:solidFill>
+                <a:effectLst/>
+                <a:latin typeface="SFMono-Regular"/>
+              </a:rPr>
+              <a:t>ПродЭкспорт</a:t>
+            </a:r>
+            <a:r>
+              <a:rPr kumimoji="0" lang="ru-RU" altLang="ru-RU" sz="1000" b="0" i="0" u="none" strike="noStrike" cap="none" normalizeH="0" baseline="0" dirty="0" smtClean="0">
+                <a:ln>
+                  <a:noFill/>
+                </a:ln>
+                <a:solidFill>
+                  <a:srgbClr val="696969"/>
+                </a:solidFill>
+                <a:effectLst/>
+                <a:latin typeface="SFMono-Regular"/>
+              </a:rPr>
+              <a:t>[</a:t>
+            </a:r>
+            <a:r>
+              <a:rPr kumimoji="0" lang="ru-RU" altLang="ru-RU" sz="1000" b="0" i="0" u="none" strike="noStrike" cap="none" normalizeH="0" baseline="0" dirty="0" err="1" smtClean="0">
+                <a:ln>
+                  <a:noFill/>
+                </a:ln>
+                <a:solidFill>
+                  <a:srgbClr val="19177C"/>
+                </a:solidFill>
+                <a:effectLst/>
+                <a:latin typeface="SFMono-Regular"/>
+              </a:rPr>
+              <a:t>sub</a:t>
+            </a:r>
+            <a:r>
+              <a:rPr kumimoji="0" lang="ru-RU" altLang="ru-RU" sz="1000" b="0" i="0" u="none" strike="noStrike" cap="none" normalizeH="0" baseline="0" dirty="0" err="1" smtClean="0">
+                <a:ln>
+                  <a:noFill/>
+                </a:ln>
+                <a:solidFill>
+                  <a:srgbClr val="696969"/>
+                </a:solidFill>
+                <a:effectLst/>
+                <a:latin typeface="SFMono-Regular"/>
+              </a:rPr>
+              <a:t>$</a:t>
+            </a:r>
+            <a:r>
+              <a:rPr kumimoji="0" lang="ru-RU" altLang="ru-RU" sz="1000" b="0" i="0" u="none" strike="noStrike" cap="none" normalizeH="0" baseline="0" dirty="0" err="1" smtClean="0">
+                <a:ln>
+                  <a:noFill/>
+                </a:ln>
+                <a:solidFill>
+                  <a:srgbClr val="19177C"/>
+                </a:solidFill>
+                <a:effectLst/>
+                <a:latin typeface="SFMono-Regular"/>
+              </a:rPr>
+              <a:t>ПродЭкспорт</a:t>
+            </a:r>
+            <a:r>
+              <a:rPr kumimoji="0" lang="ru-RU" altLang="ru-RU" sz="1000" b="0" i="0" u="none" strike="noStrike" cap="none" normalizeH="0" baseline="0" dirty="0" smtClean="0">
+                <a:ln>
+                  <a:noFill/>
+                </a:ln>
+                <a:solidFill>
+                  <a:srgbClr val="212529"/>
+                </a:solidFill>
+                <a:effectLst/>
+                <a:latin typeface="SFMono-Regular"/>
+              </a:rPr>
+              <a:t> </a:t>
+            </a:r>
+            <a:r>
+              <a:rPr kumimoji="0" lang="ru-RU" altLang="ru-RU" sz="1000" b="0" i="0" u="none" strike="noStrike" cap="none" normalizeH="0" baseline="0" dirty="0" smtClean="0">
+                <a:ln>
+                  <a:noFill/>
+                </a:ln>
+                <a:solidFill>
+                  <a:srgbClr val="696969"/>
+                </a:solidFill>
+                <a:effectLst/>
+                <a:latin typeface="SFMono-Regular"/>
+              </a:rPr>
+              <a:t>&lt;</a:t>
+            </a:r>
+            <a:r>
+              <a:rPr kumimoji="0" lang="ru-RU" altLang="ru-RU" sz="1000" b="0" i="0" u="none" strike="noStrike" cap="none" normalizeH="0" baseline="0" dirty="0" smtClean="0">
+                <a:ln>
+                  <a:noFill/>
+                </a:ln>
+                <a:solidFill>
+                  <a:srgbClr val="212529"/>
+                </a:solidFill>
+                <a:effectLst/>
+                <a:latin typeface="SFMono-Regular"/>
+              </a:rPr>
+              <a:t> </a:t>
+            </a:r>
+            <a:r>
+              <a:rPr kumimoji="0" lang="ru-RU" altLang="ru-RU" sz="1000" b="0" i="0" u="none" strike="noStrike" cap="none" normalizeH="0" baseline="0" dirty="0" smtClean="0">
+                <a:ln>
+                  <a:noFill/>
+                </a:ln>
+                <a:solidFill>
+                  <a:srgbClr val="A1024A"/>
+                </a:solidFill>
+                <a:effectLst/>
+                <a:latin typeface="SFMono-Regular"/>
+              </a:rPr>
+              <a:t>300</a:t>
+            </a:r>
+            <a:r>
+              <a:rPr kumimoji="0" lang="ru-RU" altLang="ru-RU" sz="1000" b="0" i="0" u="none" strike="noStrike" cap="none" normalizeH="0" baseline="0" dirty="0" smtClean="0">
+                <a:ln>
+                  <a:noFill/>
+                </a:ln>
+                <a:solidFill>
+                  <a:srgbClr val="696969"/>
+                </a:solidFill>
+                <a:effectLst/>
+                <a:latin typeface="SFMono-Regular"/>
+              </a:rPr>
+              <a:t>]</a:t>
+            </a:r>
+            <a:r>
+              <a:rPr kumimoji="0" lang="ru-RU" altLang="ru-RU" sz="1000" b="0" i="0" u="none" strike="noStrike" cap="none" normalizeH="0" baseline="0" dirty="0" smtClean="0">
+                <a:ln>
+                  <a:noFill/>
+                </a:ln>
+                <a:solidFill>
+                  <a:srgbClr val="212529"/>
+                </a:solidFill>
+                <a:effectLst/>
+                <a:latin typeface="SFMono-Regular"/>
+              </a:rPr>
+              <a:t>, </a:t>
+            </a:r>
+            <a:r>
+              <a:rPr kumimoji="0" lang="ru-RU" altLang="ru-RU" sz="1000" b="0" i="0" u="none" strike="noStrike" cap="none" normalizeH="0" baseline="0" dirty="0" err="1" smtClean="0">
+                <a:ln>
+                  <a:noFill/>
+                </a:ln>
+                <a:solidFill>
+                  <a:srgbClr val="212529"/>
+                </a:solidFill>
+                <a:effectLst/>
+                <a:latin typeface="SFMono-Regular"/>
+              </a:rPr>
+              <a:t>col</a:t>
+            </a:r>
+            <a:r>
+              <a:rPr kumimoji="0" lang="ru-RU" altLang="ru-RU" sz="1000" b="0" i="0" u="none" strike="noStrike" cap="none" normalizeH="0" baseline="0" dirty="0" smtClean="0">
+                <a:ln>
+                  <a:noFill/>
+                </a:ln>
+                <a:solidFill>
+                  <a:srgbClr val="212529"/>
+                </a:solidFill>
+                <a:effectLst/>
+                <a:latin typeface="SFMono-Regular"/>
+              </a:rPr>
+              <a:t> </a:t>
+            </a:r>
+            <a:r>
+              <a:rPr kumimoji="0" lang="ru-RU" altLang="ru-RU" sz="1000" b="0" i="0" u="none" strike="noStrike" cap="none" normalizeH="0" baseline="0" dirty="0" smtClean="0">
+                <a:ln>
+                  <a:noFill/>
+                </a:ln>
+                <a:solidFill>
+                  <a:srgbClr val="696969"/>
+                </a:solidFill>
+                <a:effectLst/>
+                <a:latin typeface="SFMono-Regular"/>
+              </a:rPr>
+              <a:t>=</a:t>
+            </a:r>
+            <a:r>
+              <a:rPr kumimoji="0" lang="ru-RU" altLang="ru-RU" sz="1000" b="0" i="0" u="none" strike="noStrike" cap="none" normalizeH="0" baseline="0" dirty="0" smtClean="0">
+                <a:ln>
+                  <a:noFill/>
+                </a:ln>
+                <a:solidFill>
+                  <a:srgbClr val="212529"/>
+                </a:solidFill>
+                <a:effectLst/>
+                <a:latin typeface="SFMono-Regular"/>
+              </a:rPr>
+              <a:t> </a:t>
+            </a:r>
+            <a:r>
+              <a:rPr kumimoji="0" lang="ru-RU" altLang="ru-RU" sz="1000" b="0" i="0" u="none" strike="noStrike" cap="none" normalizeH="0" baseline="0" dirty="0" smtClean="0">
+                <a:ln>
+                  <a:noFill/>
+                </a:ln>
+                <a:solidFill>
+                  <a:srgbClr val="008000"/>
+                </a:solidFill>
+                <a:effectLst/>
+                <a:latin typeface="SFMono-Regular"/>
+              </a:rPr>
+              <a:t>"olivedrab3"</a:t>
+            </a:r>
+            <a:r>
+              <a:rPr kumimoji="0" lang="ru-RU" altLang="ru-RU" sz="1000" b="0" i="0" u="none" strike="noStrike" cap="none" normalizeH="0" baseline="0" dirty="0" smtClean="0">
+                <a:ln>
+                  <a:noFill/>
+                </a:ln>
+                <a:solidFill>
+                  <a:srgbClr val="212529"/>
+                </a:solidFill>
+                <a:effectLst/>
+                <a:latin typeface="SFMono-Regular"/>
+              </a:rPr>
+              <a:t>, </a:t>
+            </a:r>
+            <a:r>
+              <a:rPr kumimoji="0" lang="ru-RU" altLang="ru-RU" sz="1000" b="0" i="0" u="none" strike="noStrike" cap="none" normalizeH="0" baseline="0" dirty="0" err="1" smtClean="0">
+                <a:ln>
+                  <a:noFill/>
+                </a:ln>
+                <a:solidFill>
+                  <a:srgbClr val="212529"/>
+                </a:solidFill>
+                <a:effectLst/>
+                <a:latin typeface="SFMono-Regular"/>
+              </a:rPr>
+              <a:t>breaks</a:t>
+            </a:r>
+            <a:r>
+              <a:rPr kumimoji="0" lang="ru-RU" altLang="ru-RU" sz="1000" b="0" i="0" u="none" strike="noStrike" cap="none" normalizeH="0" baseline="0" dirty="0" smtClean="0">
+                <a:ln>
+                  <a:noFill/>
+                </a:ln>
+                <a:solidFill>
+                  <a:srgbClr val="212529"/>
+                </a:solidFill>
+                <a:effectLst/>
+                <a:latin typeface="SFMono-Regular"/>
+              </a:rPr>
+              <a:t> </a:t>
+            </a:r>
+            <a:r>
+              <a:rPr kumimoji="0" lang="ru-RU" altLang="ru-RU" sz="1000" b="0" i="0" u="none" strike="noStrike" cap="none" normalizeH="0" baseline="0" dirty="0" smtClean="0">
+                <a:ln>
+                  <a:noFill/>
+                </a:ln>
+                <a:solidFill>
+                  <a:srgbClr val="696969"/>
+                </a:solidFill>
+                <a:effectLst/>
+                <a:latin typeface="SFMono-Regular"/>
+              </a:rPr>
+              <a:t>=</a:t>
+            </a:r>
+            <a:r>
+              <a:rPr kumimoji="0" lang="ru-RU" altLang="ru-RU" sz="1000" b="0" i="0" u="none" strike="noStrike" cap="none" normalizeH="0" baseline="0" dirty="0" smtClean="0">
+                <a:ln>
+                  <a:noFill/>
+                </a:ln>
+                <a:solidFill>
+                  <a:srgbClr val="212529"/>
+                </a:solidFill>
+                <a:effectLst/>
+                <a:latin typeface="SFMono-Regular"/>
+              </a:rPr>
+              <a:t> </a:t>
+            </a:r>
+            <a:r>
+              <a:rPr kumimoji="0" lang="ru-RU" altLang="ru-RU" sz="1000" b="0" i="0" u="none" strike="noStrike" cap="none" normalizeH="0" baseline="0" dirty="0" err="1" smtClean="0">
+                <a:ln>
+                  <a:noFill/>
+                </a:ln>
+                <a:solidFill>
+                  <a:srgbClr val="4254A7"/>
+                </a:solidFill>
+                <a:effectLst/>
+                <a:latin typeface="SFMono-Regular"/>
+                <a:hlinkClick r:id="rId3"/>
+              </a:rPr>
+              <a:t>seq</a:t>
+            </a:r>
+            <a:r>
+              <a:rPr kumimoji="0" lang="ru-RU" altLang="ru-RU" sz="1000" b="0" i="0" u="none" strike="noStrike" cap="none" normalizeH="0" baseline="0" dirty="0" smtClean="0">
+                <a:ln>
+                  <a:noFill/>
+                </a:ln>
+                <a:solidFill>
+                  <a:srgbClr val="696969"/>
+                </a:solidFill>
+                <a:effectLst/>
+                <a:latin typeface="SFMono-Regular"/>
+              </a:rPr>
+              <a:t>(</a:t>
+            </a:r>
+            <a:r>
+              <a:rPr kumimoji="0" lang="ru-RU" altLang="ru-RU" sz="1000" b="0" i="0" u="none" strike="noStrike" cap="none" normalizeH="0" baseline="0" dirty="0" smtClean="0">
+                <a:ln>
+                  <a:noFill/>
+                </a:ln>
+                <a:solidFill>
+                  <a:srgbClr val="A1024A"/>
+                </a:solidFill>
+                <a:effectLst/>
+                <a:latin typeface="SFMono-Regular"/>
+              </a:rPr>
+              <a:t>0</a:t>
+            </a:r>
+            <a:r>
+              <a:rPr kumimoji="0" lang="ru-RU" altLang="ru-RU" sz="1000" b="0" i="0" u="none" strike="noStrike" cap="none" normalizeH="0" baseline="0" dirty="0" smtClean="0">
+                <a:ln>
+                  <a:noFill/>
+                </a:ln>
+                <a:solidFill>
+                  <a:srgbClr val="212529"/>
+                </a:solidFill>
+                <a:effectLst/>
+                <a:latin typeface="SFMono-Regular"/>
+              </a:rPr>
+              <a:t>, </a:t>
+            </a:r>
+            <a:r>
+              <a:rPr kumimoji="0" lang="ru-RU" altLang="ru-RU" sz="1000" b="0" i="0" u="none" strike="noStrike" cap="none" normalizeH="0" baseline="0" dirty="0" smtClean="0">
+                <a:ln>
+                  <a:noFill/>
+                </a:ln>
+                <a:solidFill>
+                  <a:srgbClr val="A1024A"/>
+                </a:solidFill>
+                <a:effectLst/>
+                <a:latin typeface="SFMono-Regular"/>
+              </a:rPr>
+              <a:t>300</a:t>
+            </a:r>
+            <a:r>
+              <a:rPr kumimoji="0" lang="ru-RU" altLang="ru-RU" sz="1000" b="0" i="0" u="none" strike="noStrike" cap="none" normalizeH="0" baseline="0" dirty="0" smtClean="0">
+                <a:ln>
+                  <a:noFill/>
+                </a:ln>
+                <a:solidFill>
+                  <a:srgbClr val="212529"/>
+                </a:solidFill>
+                <a:effectLst/>
+                <a:latin typeface="SFMono-Regular"/>
+              </a:rPr>
+              <a:t>, </a:t>
+            </a:r>
+            <a:r>
+              <a:rPr kumimoji="0" lang="ru-RU" altLang="ru-RU" sz="1000" b="0" i="0" u="none" strike="noStrike" cap="none" normalizeH="0" baseline="0" dirty="0" smtClean="0">
+                <a:ln>
+                  <a:noFill/>
+                </a:ln>
+                <a:solidFill>
+                  <a:srgbClr val="A1024A"/>
+                </a:solidFill>
+                <a:effectLst/>
+                <a:latin typeface="SFMono-Regular"/>
+              </a:rPr>
+              <a:t>20</a:t>
+            </a:r>
+            <a:r>
+              <a:rPr kumimoji="0" lang="ru-RU" altLang="ru-RU" sz="1000" b="0" i="0" u="none" strike="noStrike" cap="none" normalizeH="0" baseline="0" dirty="0" smtClean="0">
+                <a:ln>
+                  <a:noFill/>
+                </a:ln>
+                <a:solidFill>
+                  <a:srgbClr val="696969"/>
+                </a:solidFill>
+                <a:effectLst/>
+                <a:latin typeface="SFMono-Regular"/>
+              </a:rPr>
+              <a:t>))</a:t>
+            </a:r>
+            <a:r>
+              <a:rPr kumimoji="0" lang="ru-RU" altLang="ru-RU" sz="800" b="0" i="0" u="none" strike="noStrike" cap="none" normalizeH="0" baseline="0" dirty="0" smtClean="0">
+                <a:ln>
+                  <a:noFill/>
+                </a:ln>
+                <a:solidFill>
+                  <a:schemeClr val="tx1"/>
+                </a:solidFill>
+                <a:effectLst/>
+              </a:rPr>
+              <a:t> </a:t>
+            </a:r>
+            <a:endParaRPr kumimoji="0" lang="ru-RU" altLang="ru-RU" sz="1800" b="0" i="0" u="none" strike="noStrike" cap="none" normalizeH="0" baseline="0" dirty="0" smtClean="0">
+              <a:ln>
+                <a:noFill/>
+              </a:ln>
+              <a:solidFill>
+                <a:schemeClr val="tx1"/>
+              </a:solidFill>
+              <a:effectLst/>
+              <a:latin typeface="Arial" panose="020B0604020202020204" pitchFamily="34" charset="0"/>
+            </a:endParaRPr>
+          </a:p>
+        </p:txBody>
+      </p:sp>
+    </p:spTree>
+    <p:extLst>
+      <p:ext uri="{BB962C8B-B14F-4D97-AF65-F5344CB8AC3E}">
+        <p14:creationId xmlns:p14="http://schemas.microsoft.com/office/powerpoint/2010/main" val="213199573"/>
+      </p:ext>
+    </p:extLst>
+  </p:cSld>
+  <p:clrMapOvr>
+    <a:masterClrMapping/>
+  </p:clrMapOvr>
+</p:sld>
+</file>
+
+<file path=ppt/slides/slide21.xml><?xml version="1.0" encoding="utf-8"?>
+<p:sld xmlns:a="http://schemas.openxmlformats.org/drawingml/2006/main" xmlns:r="http://schemas.openxmlformats.org/officeDocument/2006/relationships" xmlns:p="http://schemas.openxmlformats.org/presentationml/2006/main">
+  <p:cSld>
+    <p:spTree>
+      <p:nvGrpSpPr>
+        <p:cNvPr id="1" name=""/>
+        <p:cNvGrpSpPr/>
+        <p:nvPr/>
+      </p:nvGrpSpPr>
+      <p:grpSpPr>
+        <a:xfrm>
+          <a:off x="0" y="0"/>
+          <a:ext cx="0" cy="0"/>
+          <a:chOff x="0" y="0"/>
+          <a:chExt cx="0" cy="0"/>
+        </a:xfrm>
+      </p:grpSpPr>
+      <p:pic>
+        <p:nvPicPr>
+          <p:cNvPr id="4" name="Рисунок 3"/>
+          <p:cNvPicPr>
+            <a:picLocks noChangeAspect="1"/>
+          </p:cNvPicPr>
+          <p:nvPr/>
+        </p:nvPicPr>
+        <p:blipFill>
+          <a:blip r:embed="rId2"/>
+          <a:stretch>
+            <a:fillRect/>
+          </a:stretch>
+        </p:blipFill>
+        <p:spPr>
+          <a:xfrm>
+            <a:off x="2236256" y="159097"/>
+            <a:ext cx="8651877" cy="6239689"/>
+          </a:xfrm>
+          <a:prstGeom prst="rect">
+            <a:avLst/>
+          </a:prstGeom>
+        </p:spPr>
+      </p:pic>
+    </p:spTree>
+    <p:extLst>
+      <p:ext uri="{BB962C8B-B14F-4D97-AF65-F5344CB8AC3E}">
+        <p14:creationId xmlns:p14="http://schemas.microsoft.com/office/powerpoint/2010/main" val="2033437641"/>
+      </p:ext>
+    </p:extLst>
+  </p:cSld>
+  <p:clrMapOvr>
+    <a:masterClrMapping/>
+  </p:clrMapOvr>
+</p:sld>
+</file>
+
+<file path=ppt/slides/slide22.xml><?xml version="1.0" encoding="utf-8"?>
+<p:sld xmlns:a="http://schemas.openxmlformats.org/drawingml/2006/main" xmlns:r="http://schemas.openxmlformats.org/officeDocument/2006/relationships" xmlns:p="http://schemas.openxmlformats.org/presentationml/2006/main">
+  <p:cSld>
+    <p:spTree>
+      <p:nvGrpSpPr>
+        <p:cNvPr id="1" name=""/>
+        <p:cNvGrpSpPr/>
+        <p:nvPr/>
+      </p:nvGrpSpPr>
+      <p:grpSpPr>
+        <a:xfrm>
+          <a:off x="0" y="0"/>
+          <a:ext cx="0" cy="0"/>
+          <a:chOff x="0" y="0"/>
+          <a:chExt cx="0" cy="0"/>
+        </a:xfrm>
+      </p:grpSpPr>
+      <p:sp>
+        <p:nvSpPr>
+          <p:cNvPr id="3" name="Объект 2"/>
+          <p:cNvSpPr>
+            <a:spLocks noGrp="1"/>
+          </p:cNvSpPr>
+          <p:nvPr>
+            <p:ph idx="1"/>
+          </p:nvPr>
+        </p:nvSpPr>
+        <p:spPr>
+          <a:xfrm>
+            <a:off x="1670858" y="1936866"/>
+            <a:ext cx="9601200" cy="3581400"/>
+          </a:xfrm>
+        </p:spPr>
+        <p:txBody>
+          <a:bodyPr/>
+          <a:lstStyle/>
+          <a:p>
+            <a:pPr marL="0" indent="0">
+              <a:buNone/>
+            </a:pPr>
+            <a:r>
+              <a:rPr lang="ru-RU" b="1" dirty="0"/>
+              <a:t>Столбчатые графики</a:t>
+            </a:r>
+          </a:p>
+          <a:p>
+            <a:pPr marL="0" indent="0">
+              <a:buNone/>
+            </a:pPr>
+            <a:r>
+              <a:rPr lang="ru-RU" dirty="0"/>
+              <a:t>Столбчатые графики — </a:t>
+            </a:r>
+            <a:r>
+              <a:rPr lang="ru-RU" dirty="0" err="1"/>
+              <a:t>barplot</a:t>
+            </a:r>
+            <a:r>
+              <a:rPr lang="ru-RU" dirty="0"/>
+              <a:t> — отображают вектор числовых данных в виде столбиков. Это простейший вид графика (наряду с </a:t>
+            </a:r>
+            <a:r>
+              <a:rPr lang="ru-RU" dirty="0" err="1"/>
+              <a:t>dotchart</a:t>
+            </a:r>
+            <a:r>
+              <a:rPr lang="ru-RU" dirty="0"/>
+              <a:t>), который используется для сравнения абсолютных величин. Для построения необходимо вызвать функцию </a:t>
+            </a:r>
+            <a:r>
+              <a:rPr lang="ru-RU" dirty="0" err="1"/>
+              <a:t>barplot</a:t>
+            </a:r>
+            <a:r>
+              <a:rPr lang="ru-RU" dirty="0"/>
+              <a:t>() и передать ей столбец таблицы:</a:t>
+            </a:r>
+          </a:p>
+        </p:txBody>
+      </p:sp>
+      <p:pic>
+        <p:nvPicPr>
+          <p:cNvPr id="5" name="Рисунок 4"/>
+          <p:cNvPicPr>
+            <a:picLocks noChangeAspect="1"/>
+          </p:cNvPicPr>
+          <p:nvPr/>
+        </p:nvPicPr>
+        <p:blipFill>
+          <a:blip r:embed="rId2"/>
+          <a:stretch>
+            <a:fillRect/>
+          </a:stretch>
+        </p:blipFill>
+        <p:spPr>
+          <a:xfrm>
+            <a:off x="4571902" y="3860569"/>
+            <a:ext cx="3799112" cy="653241"/>
+          </a:xfrm>
+          <a:prstGeom prst="rect">
+            <a:avLst/>
+          </a:prstGeom>
+        </p:spPr>
+      </p:pic>
+    </p:spTree>
+    <p:extLst>
+      <p:ext uri="{BB962C8B-B14F-4D97-AF65-F5344CB8AC3E}">
+        <p14:creationId xmlns:p14="http://schemas.microsoft.com/office/powerpoint/2010/main" val="4054127549"/>
+      </p:ext>
+    </p:extLst>
+  </p:cSld>
+  <p:clrMapOvr>
+    <a:masterClrMapping/>
+  </p:clrMapOvr>
+  <p:timing>
+    <p:tnLst>
+      <p:par>
+        <p:cTn id="1" dur="indefinite" restart="never" nodeType="tmRoot"/>
+      </p:par>
+    </p:tnLst>
+  </p:timing>
+</p:sld>
+</file>
+
+<file path=ppt/slides/slide23.xml><?xml version="1.0" encoding="utf-8"?>
+<p:sld xmlns:a="http://schemas.openxmlformats.org/drawingml/2006/main" xmlns:r="http://schemas.openxmlformats.org/officeDocument/2006/relationships" xmlns:p="http://schemas.openxmlformats.org/presentationml/2006/main">
+  <p:cSld>
+    <p:spTree>
+      <p:nvGrpSpPr>
+        <p:cNvPr id="1" name=""/>
+        <p:cNvGrpSpPr/>
+        <p:nvPr/>
+      </p:nvGrpSpPr>
+      <p:grpSpPr>
+        <a:xfrm>
+          <a:off x="0" y="0"/>
+          <a:ext cx="0" cy="0"/>
+          <a:chOff x="0" y="0"/>
+          <a:chExt cx="0" cy="0"/>
+        </a:xfrm>
+      </p:grpSpPr>
+      <p:pic>
+        <p:nvPicPr>
+          <p:cNvPr id="4" name="Рисунок 3"/>
+          <p:cNvPicPr>
+            <a:picLocks noChangeAspect="1"/>
+          </p:cNvPicPr>
+          <p:nvPr/>
+        </p:nvPicPr>
+        <p:blipFill>
+          <a:blip r:embed="rId2"/>
+          <a:stretch>
+            <a:fillRect/>
+          </a:stretch>
+        </p:blipFill>
+        <p:spPr>
+          <a:xfrm>
+            <a:off x="1897639" y="136726"/>
+            <a:ext cx="9066848" cy="6604564"/>
+          </a:xfrm>
+          <a:prstGeom prst="rect">
+            <a:avLst/>
+          </a:prstGeom>
+        </p:spPr>
+      </p:pic>
+    </p:spTree>
+    <p:extLst>
+      <p:ext uri="{BB962C8B-B14F-4D97-AF65-F5344CB8AC3E}">
+        <p14:creationId xmlns:p14="http://schemas.microsoft.com/office/powerpoint/2010/main" val="3403288383"/>
+      </p:ext>
+    </p:extLst>
+  </p:cSld>
+  <p:clrMapOvr>
+    <a:masterClrMapping/>
+  </p:clrMapOvr>
+  <p:timing>
+    <p:tnLst>
+      <p:par>
+        <p:cTn id="1" dur="indefinite" restart="never" nodeType="tmRoot"/>
+      </p:par>
+    </p:tnLst>
+  </p:timing>
+</p:sld>
+</file>
+
+<file path=ppt/slides/slide24.xml><?xml version="1.0" encoding="utf-8"?>
+<p:sld xmlns:a="http://schemas.openxmlformats.org/drawingml/2006/main" xmlns:r="http://schemas.openxmlformats.org/officeDocument/2006/relationships" xmlns:p="http://schemas.openxmlformats.org/presentationml/2006/main">
+  <p:cSld>
+    <p:spTree>
+      <p:nvGrpSpPr>
+        <p:cNvPr id="1" name=""/>
+        <p:cNvGrpSpPr/>
+        <p:nvPr/>
+      </p:nvGrpSpPr>
+      <p:grpSpPr>
+        <a:xfrm>
+          <a:off x="0" y="0"/>
+          <a:ext cx="0" cy="0"/>
+          <a:chOff x="0" y="0"/>
+          <a:chExt cx="0" cy="0"/>
+        </a:xfrm>
+      </p:grpSpPr>
+      <p:sp>
+        <p:nvSpPr>
+          <p:cNvPr id="4" name="Прямоугольник 3"/>
+          <p:cNvSpPr/>
+          <p:nvPr/>
+        </p:nvSpPr>
+        <p:spPr>
+          <a:xfrm>
+            <a:off x="3205942" y="414659"/>
+            <a:ext cx="6096000" cy="923330"/>
+          </a:xfrm>
+          <a:prstGeom prst="rect">
+            <a:avLst/>
+          </a:prstGeom>
+        </p:spPr>
+        <p:txBody>
+          <a:bodyPr>
+            <a:spAutoFit/>
+          </a:bodyPr>
+          <a:lstStyle/>
+          <a:p>
+            <a:r>
+              <a:rPr lang="ru-RU" b="1" dirty="0"/>
+              <a:t>Круговые (секторные) диаграммы</a:t>
+            </a:r>
+          </a:p>
+          <a:p>
+            <a:r>
+              <a:rPr lang="ru-RU" dirty="0"/>
+              <a:t>Круговые диаграммы (англ. </a:t>
+            </a:r>
+            <a:r>
+              <a:rPr lang="ru-RU" dirty="0" err="1"/>
+              <a:t>piechart</a:t>
+            </a:r>
+            <a:r>
+              <a:rPr lang="ru-RU" dirty="0"/>
+              <a:t>) строятся с помощью функции </a:t>
+            </a:r>
+            <a:r>
+              <a:rPr lang="ru-RU" dirty="0" err="1"/>
+              <a:t>pie</a:t>
+            </a:r>
+            <a:r>
+              <a:rPr lang="ru-RU" dirty="0"/>
+              <a:t>()</a:t>
+            </a:r>
+          </a:p>
+        </p:txBody>
+      </p:sp>
+      <p:pic>
+        <p:nvPicPr>
+          <p:cNvPr id="5" name="Рисунок 4"/>
+          <p:cNvPicPr>
+            <a:picLocks noChangeAspect="1"/>
+          </p:cNvPicPr>
+          <p:nvPr/>
+        </p:nvPicPr>
+        <p:blipFill>
+          <a:blip r:embed="rId2"/>
+          <a:stretch>
+            <a:fillRect/>
+          </a:stretch>
+        </p:blipFill>
+        <p:spPr>
+          <a:xfrm>
+            <a:off x="4921135" y="1618210"/>
+            <a:ext cx="2410690" cy="860961"/>
+          </a:xfrm>
+          <a:prstGeom prst="rect">
+            <a:avLst/>
+          </a:prstGeom>
+        </p:spPr>
+      </p:pic>
+      <p:pic>
+        <p:nvPicPr>
+          <p:cNvPr id="6" name="Рисунок 5"/>
+          <p:cNvPicPr>
+            <a:picLocks noChangeAspect="1"/>
+          </p:cNvPicPr>
+          <p:nvPr/>
+        </p:nvPicPr>
+        <p:blipFill>
+          <a:blip r:embed="rId3"/>
+          <a:stretch>
+            <a:fillRect/>
+          </a:stretch>
+        </p:blipFill>
+        <p:spPr>
+          <a:xfrm>
+            <a:off x="4026996" y="2759392"/>
+            <a:ext cx="3905250" cy="3533775"/>
+          </a:xfrm>
+          <a:prstGeom prst="rect">
+            <a:avLst/>
+          </a:prstGeom>
+        </p:spPr>
+      </p:pic>
+    </p:spTree>
+    <p:extLst>
+      <p:ext uri="{BB962C8B-B14F-4D97-AF65-F5344CB8AC3E}">
+        <p14:creationId xmlns:p14="http://schemas.microsoft.com/office/powerpoint/2010/main" val="844326123"/>
+      </p:ext>
+    </p:extLst>
+  </p:cSld>
+  <p:clrMapOvr>
+    <a:masterClrMapping/>
+  </p:clrMapOvr>
+</p:sld>
+</file>
+
+<file path=ppt/slides/slide25.xml><?xml version="1.0" encoding="utf-8"?>
+<p:sld xmlns:a="http://schemas.openxmlformats.org/drawingml/2006/main" xmlns:r="http://schemas.openxmlformats.org/officeDocument/2006/relationships" xmlns:p="http://schemas.openxmlformats.org/presentationml/2006/main">
+  <p:cSld>
+    <p:spTree>
+      <p:nvGrpSpPr>
+        <p:cNvPr id="1" name=""/>
+        <p:cNvGrpSpPr/>
+        <p:nvPr/>
+      </p:nvGrpSpPr>
+      <p:grpSpPr>
+        <a:xfrm>
+          <a:off x="0" y="0"/>
+          <a:ext cx="0" cy="0"/>
+          <a:chOff x="0" y="0"/>
+          <a:chExt cx="0" cy="0"/>
+        </a:xfrm>
+      </p:grpSpPr>
+      <p:pic>
+        <p:nvPicPr>
+          <p:cNvPr id="4" name="Рисунок 3"/>
+          <p:cNvPicPr>
+            <a:picLocks noChangeAspect="1"/>
+          </p:cNvPicPr>
+          <p:nvPr/>
+        </p:nvPicPr>
+        <p:blipFill>
+          <a:blip r:embed="rId2"/>
+          <a:stretch>
+            <a:fillRect/>
+          </a:stretch>
+        </p:blipFill>
+        <p:spPr>
+          <a:xfrm>
+            <a:off x="2780866" y="1258512"/>
+            <a:ext cx="6962775" cy="5238750"/>
+          </a:xfrm>
+          <a:prstGeom prst="rect">
+            <a:avLst/>
+          </a:prstGeom>
+        </p:spPr>
+      </p:pic>
+      <p:sp>
+        <p:nvSpPr>
+          <p:cNvPr id="5" name="Прямоугольник 4"/>
+          <p:cNvSpPr/>
+          <p:nvPr/>
+        </p:nvSpPr>
+        <p:spPr>
+          <a:xfrm>
+            <a:off x="3287943" y="314906"/>
+            <a:ext cx="6096000" cy="369332"/>
+          </a:xfrm>
+          <a:prstGeom prst="rect">
+            <a:avLst/>
+          </a:prstGeom>
+        </p:spPr>
+        <p:txBody>
+          <a:bodyPr>
+            <a:spAutoFit/>
+          </a:bodyPr>
+          <a:lstStyle/>
+          <a:p>
+            <a:r>
+              <a:rPr lang="ru-RU" dirty="0" smtClean="0"/>
+              <a:t>При необходимости, можно задать имена секторам </a:t>
+            </a:r>
+            <a:endParaRPr lang="ru-RU" dirty="0"/>
+          </a:p>
+        </p:txBody>
+      </p:sp>
+    </p:spTree>
+    <p:extLst>
+      <p:ext uri="{BB962C8B-B14F-4D97-AF65-F5344CB8AC3E}">
+        <p14:creationId xmlns:p14="http://schemas.microsoft.com/office/powerpoint/2010/main" val="693774235"/>
+      </p:ext>
+    </p:extLst>
+  </p:cSld>
+  <p:clrMapOvr>
+    <a:masterClrMapping/>
+  </p:clrMapOvr>
+</p:sld>
+</file>
+
+<file path=ppt/slides/slide26.xml><?xml version="1.0" encoding="utf-8"?>
+<p:sld xmlns:a="http://schemas.openxmlformats.org/drawingml/2006/main" xmlns:r="http://schemas.openxmlformats.org/officeDocument/2006/relationships" xmlns:p="http://schemas.openxmlformats.org/presentationml/2006/main">
+  <p:cSld>
+    <p:spTree>
+      <p:nvGrpSpPr>
+        <p:cNvPr id="1" name=""/>
+        <p:cNvGrpSpPr/>
+        <p:nvPr/>
+      </p:nvGrpSpPr>
+      <p:grpSpPr>
+        <a:xfrm>
+          <a:off x="0" y="0"/>
+          <a:ext cx="0" cy="0"/>
+          <a:chOff x="0" y="0"/>
+          <a:chExt cx="0" cy="0"/>
+        </a:xfrm>
+      </p:grpSpPr>
+      <p:sp>
+        <p:nvSpPr>
+          <p:cNvPr id="3" name="Объект 2"/>
+          <p:cNvSpPr>
+            <a:spLocks noGrp="1"/>
+          </p:cNvSpPr>
+          <p:nvPr>
+            <p:ph idx="1"/>
+          </p:nvPr>
+        </p:nvSpPr>
+        <p:spPr>
+          <a:xfrm>
+            <a:off x="1596043" y="199506"/>
+            <a:ext cx="9601200" cy="3581400"/>
+          </a:xfrm>
+        </p:spPr>
+        <p:txBody>
+          <a:bodyPr/>
+          <a:lstStyle/>
+          <a:p>
+            <a:pPr marL="0" indent="0">
+              <a:buNone/>
+            </a:pPr>
+            <a:r>
+              <a:rPr lang="ru-RU" b="1" dirty="0"/>
+              <a:t>Цвет и прозрачность</a:t>
+            </a:r>
+          </a:p>
+          <a:p>
+            <a:pPr marL="0" indent="0">
+              <a:buNone/>
+            </a:pPr>
+            <a:r>
+              <a:rPr lang="ru-RU" dirty="0"/>
+              <a:t>Цвет — одно из основных графических средств, используемых на графиках и диаграммах, поэтому данная тема рассмотрена более подробно в отдельном разделе. Определить цвет можно различными способами. Во-первых, в R есть палитра предопределенных цветов, которые можно выбирать по их названию</a:t>
+            </a:r>
+            <a:r>
+              <a:rPr lang="ru-RU" dirty="0" smtClean="0"/>
+              <a:t>).</a:t>
+            </a:r>
+            <a:endParaRPr lang="ru-RU" dirty="0"/>
+          </a:p>
+          <a:p>
+            <a:pPr marL="0" indent="0">
+              <a:buNone/>
+            </a:pPr>
+            <a:r>
+              <a:rPr lang="ru-RU" dirty="0"/>
+              <a:t>Список названий цветов можно посмотреть, вызвав функцию </a:t>
+            </a:r>
+            <a:r>
+              <a:rPr lang="ru-RU" dirty="0" err="1"/>
+              <a:t>colors</a:t>
+            </a:r>
+            <a:r>
+              <a:rPr lang="ru-RU" dirty="0"/>
+              <a:t>()</a:t>
+            </a:r>
+          </a:p>
+        </p:txBody>
+      </p:sp>
+      <p:pic>
+        <p:nvPicPr>
+          <p:cNvPr id="4" name="Рисунок 3"/>
+          <p:cNvPicPr>
+            <a:picLocks noChangeAspect="1"/>
+          </p:cNvPicPr>
+          <p:nvPr/>
+        </p:nvPicPr>
+        <p:blipFill>
+          <a:blip r:embed="rId2"/>
+          <a:stretch>
+            <a:fillRect/>
+          </a:stretch>
+        </p:blipFill>
+        <p:spPr>
+          <a:xfrm>
+            <a:off x="3086100" y="3028950"/>
+            <a:ext cx="6019800" cy="800100"/>
+          </a:xfrm>
+          <a:prstGeom prst="rect">
+            <a:avLst/>
+          </a:prstGeom>
+        </p:spPr>
+      </p:pic>
+      <p:pic>
+        <p:nvPicPr>
+          <p:cNvPr id="5" name="Рисунок 4"/>
+          <p:cNvPicPr>
+            <a:picLocks noChangeAspect="1"/>
+          </p:cNvPicPr>
+          <p:nvPr/>
+        </p:nvPicPr>
+        <p:blipFill>
+          <a:blip r:embed="rId3"/>
+          <a:stretch>
+            <a:fillRect/>
+          </a:stretch>
+        </p:blipFill>
+        <p:spPr>
+          <a:xfrm>
+            <a:off x="3081337" y="4066136"/>
+            <a:ext cx="6029325" cy="2266950"/>
+          </a:xfrm>
+          <a:prstGeom prst="rect">
+            <a:avLst/>
+          </a:prstGeom>
+        </p:spPr>
+      </p:pic>
+    </p:spTree>
+    <p:extLst>
+      <p:ext uri="{BB962C8B-B14F-4D97-AF65-F5344CB8AC3E}">
+        <p14:creationId xmlns:p14="http://schemas.microsoft.com/office/powerpoint/2010/main" val="2785743482"/>
+      </p:ext>
+    </p:extLst>
+  </p:cSld>
+  <p:clrMapOvr>
+    <a:masterClrMapping/>
+  </p:clrMapOvr>
+</p:sld>
+</file>
+
+<file path=ppt/slides/slide27.xml><?xml version="1.0" encoding="utf-8"?>
+<p:sld xmlns:a="http://schemas.openxmlformats.org/drawingml/2006/main" xmlns:r="http://schemas.openxmlformats.org/officeDocument/2006/relationships" xmlns:p="http://schemas.openxmlformats.org/presentationml/2006/main">
+  <p:cSld>
+    <p:spTree>
+      <p:nvGrpSpPr>
+        <p:cNvPr id="1" name=""/>
+        <p:cNvGrpSpPr/>
+        <p:nvPr/>
+      </p:nvGrpSpPr>
+      <p:grpSpPr>
+        <a:xfrm>
+          <a:off x="0" y="0"/>
+          <a:ext cx="0" cy="0"/>
+          <a:chOff x="0" y="0"/>
+          <a:chExt cx="0" cy="0"/>
+        </a:xfrm>
+      </p:grpSpPr>
+      <p:pic>
+        <p:nvPicPr>
+          <p:cNvPr id="4" name="Рисунок 3"/>
+          <p:cNvPicPr>
+            <a:picLocks noChangeAspect="1"/>
+          </p:cNvPicPr>
+          <p:nvPr/>
+        </p:nvPicPr>
+        <p:blipFill>
+          <a:blip r:embed="rId2"/>
+          <a:stretch>
+            <a:fillRect/>
+          </a:stretch>
+        </p:blipFill>
+        <p:spPr>
+          <a:xfrm>
+            <a:off x="1867852" y="196128"/>
+            <a:ext cx="9055072" cy="6496856"/>
+          </a:xfrm>
+          <a:prstGeom prst="rect">
+            <a:avLst/>
+          </a:prstGeom>
+        </p:spPr>
+      </p:pic>
+    </p:spTree>
+    <p:extLst>
+      <p:ext uri="{BB962C8B-B14F-4D97-AF65-F5344CB8AC3E}">
+        <p14:creationId xmlns:p14="http://schemas.microsoft.com/office/powerpoint/2010/main" val="975064053"/>
+      </p:ext>
+    </p:extLst>
+  </p:cSld>
+  <p:clrMapOvr>
+    <a:masterClrMapping/>
+  </p:clrMapOvr>
+</p:sld>
+</file>
+
+<file path=ppt/slides/slide28.xml><?xml version="1.0" encoding="utf-8"?>
+<p:sld xmlns:a="http://schemas.openxmlformats.org/drawingml/2006/main" xmlns:r="http://schemas.openxmlformats.org/officeDocument/2006/relationships" xmlns:p="http://schemas.openxmlformats.org/presentationml/2006/main">
+  <p:cSld>
+    <p:spTree>
+      <p:nvGrpSpPr>
+        <p:cNvPr id="1" name=""/>
+        <p:cNvGrpSpPr/>
+        <p:nvPr/>
+      </p:nvGrpSpPr>
+      <p:grpSpPr>
+        <a:xfrm>
+          <a:off x="0" y="0"/>
+          <a:ext cx="0" cy="0"/>
+          <a:chOff x="0" y="0"/>
+          <a:chExt cx="0" cy="0"/>
+        </a:xfrm>
+      </p:grpSpPr>
+      <p:sp>
+        <p:nvSpPr>
+          <p:cNvPr id="3" name="Объект 2"/>
+          <p:cNvSpPr>
+            <a:spLocks noGrp="1"/>
+          </p:cNvSpPr>
+          <p:nvPr>
+            <p:ph idx="1"/>
+          </p:nvPr>
+        </p:nvSpPr>
+        <p:spPr>
+          <a:xfrm>
+            <a:off x="1097280" y="182880"/>
+            <a:ext cx="9601200" cy="2560320"/>
+          </a:xfrm>
+        </p:spPr>
+        <p:txBody>
+          <a:bodyPr/>
+          <a:lstStyle/>
+          <a:p>
+            <a:pPr marL="0" indent="0">
+              <a:buNone/>
+            </a:pPr>
+            <a:r>
+              <a:rPr lang="ru-RU" dirty="0"/>
+              <a:t>Чтобы сделать цвет полупрозрачным, есть две возможности:</a:t>
+            </a:r>
+          </a:p>
+          <a:p>
+            <a:endParaRPr lang="ru-RU" dirty="0"/>
+          </a:p>
+          <a:p>
+            <a:pPr marL="0" indent="0">
+              <a:buNone/>
+            </a:pPr>
+            <a:r>
+              <a:rPr lang="ru-RU" dirty="0" smtClean="0"/>
+              <a:t>1) При </a:t>
+            </a:r>
+            <a:r>
+              <a:rPr lang="ru-RU" dirty="0"/>
+              <a:t>создании нового цвета — передать в функцию </a:t>
+            </a:r>
+            <a:r>
+              <a:rPr lang="ru-RU" dirty="0" err="1"/>
+              <a:t>rgb</a:t>
+            </a:r>
+            <a:r>
+              <a:rPr lang="ru-RU" dirty="0"/>
+              <a:t>() дополнительный параметр </a:t>
+            </a:r>
+            <a:r>
+              <a:rPr lang="ru-RU" dirty="0" err="1"/>
+              <a:t>alpha</a:t>
+            </a:r>
+            <a:r>
+              <a:rPr lang="ru-RU" dirty="0"/>
+              <a:t> =, который задает долю прозрачности в диапазоне от 0 до 1.</a:t>
+            </a:r>
+          </a:p>
+          <a:p>
+            <a:pPr marL="0" indent="0">
+              <a:buNone/>
+            </a:pPr>
+            <a:r>
+              <a:rPr lang="ru-RU" dirty="0" smtClean="0"/>
+              <a:t>2) При </a:t>
+            </a:r>
+            <a:r>
+              <a:rPr lang="ru-RU" dirty="0"/>
+              <a:t>модификации существующего цвета — вызвать функцию </a:t>
+            </a:r>
+            <a:r>
+              <a:rPr lang="ru-RU" dirty="0" err="1"/>
+              <a:t>adjustcolor</a:t>
+            </a:r>
+            <a:r>
+              <a:rPr lang="ru-RU" dirty="0"/>
+              <a:t>() с параметром </a:t>
+            </a:r>
+            <a:r>
+              <a:rPr lang="ru-RU" dirty="0" err="1"/>
+              <a:t>alpha</a:t>
+            </a:r>
+            <a:r>
+              <a:rPr lang="ru-RU" dirty="0"/>
+              <a:t> =</a:t>
+            </a:r>
+          </a:p>
+        </p:txBody>
+      </p:sp>
+      <p:pic>
+        <p:nvPicPr>
+          <p:cNvPr id="4" name="Рисунок 3"/>
+          <p:cNvPicPr>
+            <a:picLocks noChangeAspect="1"/>
+          </p:cNvPicPr>
+          <p:nvPr/>
+        </p:nvPicPr>
+        <p:blipFill>
+          <a:blip r:embed="rId2"/>
+          <a:stretch>
+            <a:fillRect/>
+          </a:stretch>
+        </p:blipFill>
+        <p:spPr>
+          <a:xfrm>
+            <a:off x="881927" y="2743200"/>
+            <a:ext cx="5261179" cy="2554558"/>
+          </a:xfrm>
+          <a:prstGeom prst="rect">
+            <a:avLst/>
+          </a:prstGeom>
+        </p:spPr>
+      </p:pic>
+      <p:pic>
+        <p:nvPicPr>
+          <p:cNvPr id="8" name="Рисунок 7"/>
+          <p:cNvPicPr>
+            <a:picLocks noChangeAspect="1"/>
+          </p:cNvPicPr>
+          <p:nvPr/>
+        </p:nvPicPr>
+        <p:blipFill>
+          <a:blip r:embed="rId3"/>
+          <a:stretch>
+            <a:fillRect/>
+          </a:stretch>
+        </p:blipFill>
+        <p:spPr>
+          <a:xfrm>
+            <a:off x="6234545" y="2743200"/>
+            <a:ext cx="5824971" cy="2554558"/>
+          </a:xfrm>
+          <a:prstGeom prst="rect">
+            <a:avLst/>
+          </a:prstGeom>
+        </p:spPr>
+      </p:pic>
+    </p:spTree>
+    <p:extLst>
+      <p:ext uri="{BB962C8B-B14F-4D97-AF65-F5344CB8AC3E}">
+        <p14:creationId xmlns:p14="http://schemas.microsoft.com/office/powerpoint/2010/main" val="1310285664"/>
+      </p:ext>
+    </p:extLst>
+  </p:cSld>
+  <p:clrMapOvr>
+    <a:masterClrMapping/>
+  </p:clrMapOvr>
+</p:sld>
+</file>
+
+<file path=ppt/slides/slide29.xml><?xml version="1.0" encoding="utf-8"?>
+<p:sld xmlns:a="http://schemas.openxmlformats.org/drawingml/2006/main" xmlns:r="http://schemas.openxmlformats.org/officeDocument/2006/relationships" xmlns:p="http://schemas.openxmlformats.org/presentationml/2006/main">
+  <p:cSld>
+    <p:spTree>
+      <p:nvGrpSpPr>
+        <p:cNvPr id="1" name=""/>
+        <p:cNvGrpSpPr/>
+        <p:nvPr/>
+      </p:nvGrpSpPr>
+      <p:grpSpPr>
+        <a:xfrm>
+          <a:off x="0" y="0"/>
+          <a:ext cx="0" cy="0"/>
+          <a:chOff x="0" y="0"/>
+          <a:chExt cx="0" cy="0"/>
+        </a:xfrm>
+      </p:grpSpPr>
+      <p:pic>
+        <p:nvPicPr>
+          <p:cNvPr id="4" name="Рисунок 3"/>
+          <p:cNvPicPr>
+            <a:picLocks noChangeAspect="1"/>
+          </p:cNvPicPr>
+          <p:nvPr/>
+        </p:nvPicPr>
+        <p:blipFill>
+          <a:blip r:embed="rId2"/>
+          <a:stretch>
+            <a:fillRect/>
+          </a:stretch>
+        </p:blipFill>
+        <p:spPr>
+          <a:xfrm>
+            <a:off x="2142345" y="223491"/>
+            <a:ext cx="8531197" cy="6194550"/>
+          </a:xfrm>
+          <a:prstGeom prst="rect">
+            <a:avLst/>
+          </a:prstGeom>
+        </p:spPr>
+      </p:pic>
+    </p:spTree>
+    <p:extLst>
+      <p:ext uri="{BB962C8B-B14F-4D97-AF65-F5344CB8AC3E}">
+        <p14:creationId xmlns:p14="http://schemas.microsoft.com/office/powerpoint/2010/main" val="1151651962"/>
+      </p:ext>
+    </p:extLst>
+  </p:cSld>
+  <p:clrMapOvr>
+    <a:masterClrMapping/>
+  </p:clrMapOvr>
 </p:sld>
 </file>
 
@@ -4686,6 +6869,827 @@
   <p:clrMapOvr>
     <a:masterClrMapping/>
   </p:clrMapOvr>
+  <p:timing>
+    <p:tnLst>
+      <p:par>
+        <p:cTn id="1" dur="indefinite" restart="never" nodeType="tmRoot"/>
+      </p:par>
+    </p:tnLst>
+  </p:timing>
+</p:sld>
+</file>
+
+<file path=ppt/slides/slide30.xml><?xml version="1.0" encoding="utf-8"?>
+<p:sld xmlns:a="http://schemas.openxmlformats.org/drawingml/2006/main" xmlns:r="http://schemas.openxmlformats.org/officeDocument/2006/relationships" xmlns:p="http://schemas.openxmlformats.org/presentationml/2006/main">
+  <p:cSld>
+    <p:spTree>
+      <p:nvGrpSpPr>
+        <p:cNvPr id="1" name=""/>
+        <p:cNvGrpSpPr/>
+        <p:nvPr/>
+      </p:nvGrpSpPr>
+      <p:grpSpPr>
+        <a:xfrm>
+          <a:off x="0" y="0"/>
+          <a:ext cx="0" cy="0"/>
+          <a:chOff x="0" y="0"/>
+          <a:chExt cx="0" cy="0"/>
+        </a:xfrm>
+      </p:grpSpPr>
+      <p:sp>
+        <p:nvSpPr>
+          <p:cNvPr id="3" name="Объект 2"/>
+          <p:cNvSpPr>
+            <a:spLocks noGrp="1"/>
+          </p:cNvSpPr>
+          <p:nvPr>
+            <p:ph idx="1"/>
+          </p:nvPr>
+        </p:nvSpPr>
+        <p:spPr>
+          <a:xfrm>
+            <a:off x="1246909" y="324197"/>
+            <a:ext cx="9601200" cy="3581400"/>
+          </a:xfrm>
+        </p:spPr>
+        <p:txBody>
+          <a:bodyPr/>
+          <a:lstStyle/>
+          <a:p>
+            <a:pPr marL="0" indent="0">
+              <a:buNone/>
+            </a:pPr>
+            <a:r>
+              <a:rPr lang="ru-RU" dirty="0"/>
+              <a:t>На графике типа </a:t>
+            </a:r>
+            <a:r>
+              <a:rPr lang="ru-RU" dirty="0" err="1"/>
+              <a:t>barplot</a:t>
+            </a:r>
+            <a:r>
+              <a:rPr lang="ru-RU" dirty="0"/>
+              <a:t> вы имеете фактически несколько переменных, которые представлены столбиками. А это означает что для них можно использовать различные цвета. Вы можете передать в параметр </a:t>
+            </a:r>
+            <a:r>
+              <a:rPr lang="ru-RU" dirty="0" err="1"/>
+              <a:t>col</a:t>
+            </a:r>
+            <a:r>
+              <a:rPr lang="ru-RU" dirty="0"/>
+              <a:t> = вектор из цветов, соответствующих столбикам</a:t>
+            </a:r>
+          </a:p>
+        </p:txBody>
+      </p:sp>
+      <p:pic>
+        <p:nvPicPr>
+          <p:cNvPr id="4" name="Рисунок 3"/>
+          <p:cNvPicPr>
+            <a:picLocks noChangeAspect="1"/>
+          </p:cNvPicPr>
+          <p:nvPr/>
+        </p:nvPicPr>
+        <p:blipFill>
+          <a:blip r:embed="rId2"/>
+          <a:stretch>
+            <a:fillRect/>
+          </a:stretch>
+        </p:blipFill>
+        <p:spPr>
+          <a:xfrm>
+            <a:off x="3458008" y="1922319"/>
+            <a:ext cx="5857875" cy="2514600"/>
+          </a:xfrm>
+          <a:prstGeom prst="rect">
+            <a:avLst/>
+          </a:prstGeom>
+        </p:spPr>
+      </p:pic>
+    </p:spTree>
+    <p:extLst>
+      <p:ext uri="{BB962C8B-B14F-4D97-AF65-F5344CB8AC3E}">
+        <p14:creationId xmlns:p14="http://schemas.microsoft.com/office/powerpoint/2010/main" val="1511404518"/>
+      </p:ext>
+    </p:extLst>
+  </p:cSld>
+  <p:clrMapOvr>
+    <a:masterClrMapping/>
+  </p:clrMapOvr>
+</p:sld>
+</file>
+
+<file path=ppt/slides/slide31.xml><?xml version="1.0" encoding="utf-8"?>
+<p:sld xmlns:a="http://schemas.openxmlformats.org/drawingml/2006/main" xmlns:r="http://schemas.openxmlformats.org/officeDocument/2006/relationships" xmlns:p="http://schemas.openxmlformats.org/presentationml/2006/main">
+  <p:cSld>
+    <p:spTree>
+      <p:nvGrpSpPr>
+        <p:cNvPr id="1" name=""/>
+        <p:cNvGrpSpPr/>
+        <p:nvPr/>
+      </p:nvGrpSpPr>
+      <p:grpSpPr>
+        <a:xfrm>
+          <a:off x="0" y="0"/>
+          <a:ext cx="0" cy="0"/>
+          <a:chOff x="0" y="0"/>
+          <a:chExt cx="0" cy="0"/>
+        </a:xfrm>
+      </p:grpSpPr>
+      <p:pic>
+        <p:nvPicPr>
+          <p:cNvPr id="4" name="Объект 3"/>
+          <p:cNvPicPr>
+            <a:picLocks noGrp="1" noChangeAspect="1"/>
+          </p:cNvPicPr>
+          <p:nvPr>
+            <p:ph idx="1"/>
+          </p:nvPr>
+        </p:nvPicPr>
+        <p:blipFill>
+          <a:blip r:embed="rId2"/>
+          <a:stretch>
+            <a:fillRect/>
+          </a:stretch>
+        </p:blipFill>
+        <p:spPr>
+          <a:xfrm>
+            <a:off x="2130752" y="486294"/>
+            <a:ext cx="8609291" cy="6137436"/>
+          </a:xfrm>
+          <a:prstGeom prst="rect">
+            <a:avLst/>
+          </a:prstGeom>
+        </p:spPr>
+      </p:pic>
+    </p:spTree>
+    <p:extLst>
+      <p:ext uri="{BB962C8B-B14F-4D97-AF65-F5344CB8AC3E}">
+        <p14:creationId xmlns:p14="http://schemas.microsoft.com/office/powerpoint/2010/main" val="374140224"/>
+      </p:ext>
+    </p:extLst>
+  </p:cSld>
+  <p:clrMapOvr>
+    <a:masterClrMapping/>
+  </p:clrMapOvr>
+</p:sld>
+</file>
+
+<file path=ppt/slides/slide32.xml><?xml version="1.0" encoding="utf-8"?>
+<p:sld xmlns:a="http://schemas.openxmlformats.org/drawingml/2006/main" xmlns:r="http://schemas.openxmlformats.org/officeDocument/2006/relationships" xmlns:p="http://schemas.openxmlformats.org/presentationml/2006/main">
+  <p:cSld>
+    <p:spTree>
+      <p:nvGrpSpPr>
+        <p:cNvPr id="1" name=""/>
+        <p:cNvGrpSpPr/>
+        <p:nvPr/>
+      </p:nvGrpSpPr>
+      <p:grpSpPr>
+        <a:xfrm>
+          <a:off x="0" y="0"/>
+          <a:ext cx="0" cy="0"/>
+          <a:chOff x="0" y="0"/>
+          <a:chExt cx="0" cy="0"/>
+        </a:xfrm>
+      </p:grpSpPr>
+      <p:sp>
+        <p:nvSpPr>
+          <p:cNvPr id="3" name="Объект 2"/>
+          <p:cNvSpPr>
+            <a:spLocks noGrp="1"/>
+          </p:cNvSpPr>
+          <p:nvPr>
+            <p:ph idx="1"/>
+          </p:nvPr>
+        </p:nvSpPr>
+        <p:spPr>
+          <a:xfrm>
+            <a:off x="1503218" y="627004"/>
+            <a:ext cx="9601200" cy="3581400"/>
+          </a:xfrm>
+        </p:spPr>
+        <p:txBody>
+          <a:bodyPr/>
+          <a:lstStyle/>
+          <a:p>
+            <a:pPr marL="0" indent="0">
+              <a:buNone/>
+            </a:pPr>
+            <a:r>
+              <a:rPr lang="ru-RU" dirty="0"/>
+              <a:t>На самом деле, такой винегрет из цветов на столбчатых диаграммах использовать не принято. Но вы должны понимать, что при необходимости можно поменять цвет отдельно выбранных столбиков. Например, мы можем показать красным цветом Центральный и Приволжский округа, которые являются лидерами по экспорту продукции химической промышленности</a:t>
+            </a:r>
+          </a:p>
+        </p:txBody>
+      </p:sp>
+      <p:pic>
+        <p:nvPicPr>
+          <p:cNvPr id="5" name="Рисунок 4"/>
+          <p:cNvPicPr>
+            <a:picLocks noChangeAspect="1"/>
+          </p:cNvPicPr>
+          <p:nvPr/>
+        </p:nvPicPr>
+        <p:blipFill>
+          <a:blip r:embed="rId2"/>
+          <a:stretch>
+            <a:fillRect/>
+          </a:stretch>
+        </p:blipFill>
+        <p:spPr>
+          <a:xfrm>
+            <a:off x="3265343" y="2417704"/>
+            <a:ext cx="6076950" cy="2676525"/>
+          </a:xfrm>
+          <a:prstGeom prst="rect">
+            <a:avLst/>
+          </a:prstGeom>
+        </p:spPr>
+      </p:pic>
+    </p:spTree>
+    <p:extLst>
+      <p:ext uri="{BB962C8B-B14F-4D97-AF65-F5344CB8AC3E}">
+        <p14:creationId xmlns:p14="http://schemas.microsoft.com/office/powerpoint/2010/main" val="4100759841"/>
+      </p:ext>
+    </p:extLst>
+  </p:cSld>
+  <p:clrMapOvr>
+    <a:masterClrMapping/>
+  </p:clrMapOvr>
+</p:sld>
+</file>
+
+<file path=ppt/slides/slide33.xml><?xml version="1.0" encoding="utf-8"?>
+<p:sld xmlns:a="http://schemas.openxmlformats.org/drawingml/2006/main" xmlns:r="http://schemas.openxmlformats.org/officeDocument/2006/relationships" xmlns:p="http://schemas.openxmlformats.org/presentationml/2006/main">
+  <p:cSld>
+    <p:spTree>
+      <p:nvGrpSpPr>
+        <p:cNvPr id="1" name=""/>
+        <p:cNvGrpSpPr/>
+        <p:nvPr/>
+      </p:nvGrpSpPr>
+      <p:grpSpPr>
+        <a:xfrm>
+          <a:off x="0" y="0"/>
+          <a:ext cx="0" cy="0"/>
+          <a:chOff x="0" y="0"/>
+          <a:chExt cx="0" cy="0"/>
+        </a:xfrm>
+      </p:grpSpPr>
+      <p:pic>
+        <p:nvPicPr>
+          <p:cNvPr id="4" name="Объект 3"/>
+          <p:cNvPicPr>
+            <a:picLocks noGrp="1" noChangeAspect="1"/>
+          </p:cNvPicPr>
+          <p:nvPr>
+            <p:ph idx="1"/>
+          </p:nvPr>
+        </p:nvPicPr>
+        <p:blipFill>
+          <a:blip r:embed="rId2"/>
+          <a:stretch>
+            <a:fillRect/>
+          </a:stretch>
+        </p:blipFill>
+        <p:spPr>
+          <a:xfrm>
+            <a:off x="2130967" y="199505"/>
+            <a:ext cx="9132777" cy="6554564"/>
+          </a:xfrm>
+          <a:prstGeom prst="rect">
+            <a:avLst/>
+          </a:prstGeom>
+        </p:spPr>
+      </p:pic>
+    </p:spTree>
+    <p:extLst>
+      <p:ext uri="{BB962C8B-B14F-4D97-AF65-F5344CB8AC3E}">
+        <p14:creationId xmlns:p14="http://schemas.microsoft.com/office/powerpoint/2010/main" val="1941391482"/>
+      </p:ext>
+    </p:extLst>
+  </p:cSld>
+  <p:clrMapOvr>
+    <a:masterClrMapping/>
+  </p:clrMapOvr>
+</p:sld>
+</file>
+
+<file path=ppt/slides/slide34.xml><?xml version="1.0" encoding="utf-8"?>
+<p:sld xmlns:a="http://schemas.openxmlformats.org/drawingml/2006/main" xmlns:r="http://schemas.openxmlformats.org/officeDocument/2006/relationships" xmlns:p="http://schemas.openxmlformats.org/presentationml/2006/main">
+  <p:cSld>
+    <p:spTree>
+      <p:nvGrpSpPr>
+        <p:cNvPr id="1" name=""/>
+        <p:cNvGrpSpPr/>
+        <p:nvPr/>
+      </p:nvGrpSpPr>
+      <p:grpSpPr>
+        <a:xfrm>
+          <a:off x="0" y="0"/>
+          <a:ext cx="0" cy="0"/>
+          <a:chOff x="0" y="0"/>
+          <a:chExt cx="0" cy="0"/>
+        </a:xfrm>
+      </p:grpSpPr>
+      <p:sp>
+        <p:nvSpPr>
+          <p:cNvPr id="3" name="Объект 2"/>
+          <p:cNvSpPr>
+            <a:spLocks noGrp="1"/>
+          </p:cNvSpPr>
+          <p:nvPr>
+            <p:ph idx="1"/>
+          </p:nvPr>
+        </p:nvSpPr>
+        <p:spPr>
+          <a:xfrm>
+            <a:off x="1197033" y="324197"/>
+            <a:ext cx="9601200" cy="3581400"/>
+          </a:xfrm>
+        </p:spPr>
+        <p:txBody>
+          <a:bodyPr/>
+          <a:lstStyle/>
+          <a:p>
+            <a:pPr marL="0" indent="0">
+              <a:buNone/>
+            </a:pPr>
+            <a:r>
+              <a:rPr lang="ru-RU" dirty="0"/>
+              <a:t>Еще одна интересная особенность использования цвета заключается в том, что количество указанных цветом может не совпадать с количеством рядов данных. Вы можете указать 2 или 3 цвета, и они будут циклически повторяться при визуализации данных</a:t>
+            </a:r>
+          </a:p>
+        </p:txBody>
+      </p:sp>
+      <p:pic>
+        <p:nvPicPr>
+          <p:cNvPr id="4" name="Рисунок 3"/>
+          <p:cNvPicPr>
+            <a:picLocks noChangeAspect="1"/>
+          </p:cNvPicPr>
+          <p:nvPr/>
+        </p:nvPicPr>
+        <p:blipFill>
+          <a:blip r:embed="rId2"/>
+          <a:stretch>
+            <a:fillRect/>
+          </a:stretch>
+        </p:blipFill>
+        <p:spPr>
+          <a:xfrm>
+            <a:off x="2785457" y="1784812"/>
+            <a:ext cx="7065142" cy="2995006"/>
+          </a:xfrm>
+          <a:prstGeom prst="rect">
+            <a:avLst/>
+          </a:prstGeom>
+        </p:spPr>
+      </p:pic>
+    </p:spTree>
+    <p:extLst>
+      <p:ext uri="{BB962C8B-B14F-4D97-AF65-F5344CB8AC3E}">
+        <p14:creationId xmlns:p14="http://schemas.microsoft.com/office/powerpoint/2010/main" val="330774617"/>
+      </p:ext>
+    </p:extLst>
+  </p:cSld>
+  <p:clrMapOvr>
+    <a:masterClrMapping/>
+  </p:clrMapOvr>
+</p:sld>
+</file>
+
+<file path=ppt/slides/slide35.xml><?xml version="1.0" encoding="utf-8"?>
+<p:sld xmlns:a="http://schemas.openxmlformats.org/drawingml/2006/main" xmlns:r="http://schemas.openxmlformats.org/officeDocument/2006/relationships" xmlns:p="http://schemas.openxmlformats.org/presentationml/2006/main">
+  <p:cSld>
+    <p:spTree>
+      <p:nvGrpSpPr>
+        <p:cNvPr id="1" name=""/>
+        <p:cNvGrpSpPr/>
+        <p:nvPr/>
+      </p:nvGrpSpPr>
+      <p:grpSpPr>
+        <a:xfrm>
+          <a:off x="0" y="0"/>
+          <a:ext cx="0" cy="0"/>
+          <a:chOff x="0" y="0"/>
+          <a:chExt cx="0" cy="0"/>
+        </a:xfrm>
+      </p:grpSpPr>
+      <p:pic>
+        <p:nvPicPr>
+          <p:cNvPr id="4" name="Объект 3"/>
+          <p:cNvPicPr>
+            <a:picLocks noGrp="1" noChangeAspect="1"/>
+          </p:cNvPicPr>
+          <p:nvPr>
+            <p:ph idx="1"/>
+          </p:nvPr>
+        </p:nvPicPr>
+        <p:blipFill>
+          <a:blip r:embed="rId2"/>
+          <a:stretch>
+            <a:fillRect/>
+          </a:stretch>
+        </p:blipFill>
+        <p:spPr>
+          <a:xfrm>
+            <a:off x="2048098" y="207818"/>
+            <a:ext cx="8800011" cy="6337508"/>
+          </a:xfrm>
+          <a:prstGeom prst="rect">
+            <a:avLst/>
+          </a:prstGeom>
+        </p:spPr>
+      </p:pic>
+    </p:spTree>
+    <p:extLst>
+      <p:ext uri="{BB962C8B-B14F-4D97-AF65-F5344CB8AC3E}">
+        <p14:creationId xmlns:p14="http://schemas.microsoft.com/office/powerpoint/2010/main" val="1701621860"/>
+      </p:ext>
+    </p:extLst>
+  </p:cSld>
+  <p:clrMapOvr>
+    <a:masterClrMapping/>
+  </p:clrMapOvr>
+</p:sld>
+</file>
+
+<file path=ppt/slides/slide36.xml><?xml version="1.0" encoding="utf-8"?>
+<p:sld xmlns:a="http://schemas.openxmlformats.org/drawingml/2006/main" xmlns:r="http://schemas.openxmlformats.org/officeDocument/2006/relationships" xmlns:p="http://schemas.openxmlformats.org/presentationml/2006/main">
+  <p:cSld>
+    <p:spTree>
+      <p:nvGrpSpPr>
+        <p:cNvPr id="1" name=""/>
+        <p:cNvGrpSpPr/>
+        <p:nvPr/>
+      </p:nvGrpSpPr>
+      <p:grpSpPr>
+        <a:xfrm>
+          <a:off x="0" y="0"/>
+          <a:ext cx="0" cy="0"/>
+          <a:chOff x="0" y="0"/>
+          <a:chExt cx="0" cy="0"/>
+        </a:xfrm>
+      </p:grpSpPr>
+      <p:sp>
+        <p:nvSpPr>
+          <p:cNvPr id="3" name="Объект 2"/>
+          <p:cNvSpPr>
+            <a:spLocks noGrp="1"/>
+          </p:cNvSpPr>
+          <p:nvPr>
+            <p:ph idx="1"/>
+          </p:nvPr>
+        </p:nvSpPr>
+        <p:spPr>
+          <a:xfrm>
+            <a:off x="1596044" y="257694"/>
+            <a:ext cx="9601200" cy="3581400"/>
+          </a:xfrm>
+        </p:spPr>
+        <p:txBody>
+          <a:bodyPr/>
+          <a:lstStyle/>
+          <a:p>
+            <a:pPr marL="0" indent="0">
+              <a:buNone/>
+            </a:pPr>
+            <a:r>
+              <a:rPr lang="ru-RU" dirty="0"/>
+              <a:t>Наконец, вещь, которой совершенно необходимо уметь пользоваться при работе с цветом в R — это цветовые палитры. Палитры чрезвычайно удобны, когда необходимо сгенерировать множество цветов, зная лишь основные оттенки. Для этого нужно создать палитру, используя функцию </a:t>
+            </a:r>
+            <a:r>
+              <a:rPr lang="ru-RU" dirty="0" err="1"/>
+              <a:t>colorRampPalette</a:t>
+            </a:r>
+            <a:r>
+              <a:rPr lang="ru-RU" dirty="0"/>
+              <a:t>()</a:t>
+            </a:r>
+          </a:p>
+        </p:txBody>
+      </p:sp>
+      <p:pic>
+        <p:nvPicPr>
+          <p:cNvPr id="4" name="Рисунок 3"/>
+          <p:cNvPicPr>
+            <a:picLocks noChangeAspect="1"/>
+          </p:cNvPicPr>
+          <p:nvPr/>
+        </p:nvPicPr>
+        <p:blipFill>
+          <a:blip r:embed="rId2"/>
+          <a:stretch>
+            <a:fillRect/>
+          </a:stretch>
+        </p:blipFill>
+        <p:spPr>
+          <a:xfrm>
+            <a:off x="3164638" y="1766453"/>
+            <a:ext cx="6746873" cy="4185459"/>
+          </a:xfrm>
+          <a:prstGeom prst="rect">
+            <a:avLst/>
+          </a:prstGeom>
+        </p:spPr>
+      </p:pic>
+    </p:spTree>
+    <p:extLst>
+      <p:ext uri="{BB962C8B-B14F-4D97-AF65-F5344CB8AC3E}">
+        <p14:creationId xmlns:p14="http://schemas.microsoft.com/office/powerpoint/2010/main" val="590991456"/>
+      </p:ext>
+    </p:extLst>
+  </p:cSld>
+  <p:clrMapOvr>
+    <a:masterClrMapping/>
+  </p:clrMapOvr>
+</p:sld>
+</file>
+
+<file path=ppt/slides/slide37.xml><?xml version="1.0" encoding="utf-8"?>
+<p:sld xmlns:a="http://schemas.openxmlformats.org/drawingml/2006/main" xmlns:r="http://schemas.openxmlformats.org/officeDocument/2006/relationships" xmlns:p="http://schemas.openxmlformats.org/presentationml/2006/main">
+  <p:cSld>
+    <p:spTree>
+      <p:nvGrpSpPr>
+        <p:cNvPr id="1" name=""/>
+        <p:cNvGrpSpPr/>
+        <p:nvPr/>
+      </p:nvGrpSpPr>
+      <p:grpSpPr>
+        <a:xfrm>
+          <a:off x="0" y="0"/>
+          <a:ext cx="0" cy="0"/>
+          <a:chOff x="0" y="0"/>
+          <a:chExt cx="0" cy="0"/>
+        </a:xfrm>
+      </p:grpSpPr>
+      <p:pic>
+        <p:nvPicPr>
+          <p:cNvPr id="4" name="Рисунок 3"/>
+          <p:cNvPicPr>
+            <a:picLocks noChangeAspect="1"/>
+          </p:cNvPicPr>
+          <p:nvPr/>
+        </p:nvPicPr>
+        <p:blipFill>
+          <a:blip r:embed="rId2"/>
+          <a:stretch>
+            <a:fillRect/>
+          </a:stretch>
+        </p:blipFill>
+        <p:spPr>
+          <a:xfrm>
+            <a:off x="1945178" y="166253"/>
+            <a:ext cx="9027622" cy="6584249"/>
+          </a:xfrm>
+          <a:prstGeom prst="rect">
+            <a:avLst/>
+          </a:prstGeom>
+        </p:spPr>
+      </p:pic>
+    </p:spTree>
+    <p:extLst>
+      <p:ext uri="{BB962C8B-B14F-4D97-AF65-F5344CB8AC3E}">
+        <p14:creationId xmlns:p14="http://schemas.microsoft.com/office/powerpoint/2010/main" val="1592033368"/>
+      </p:ext>
+    </p:extLst>
+  </p:cSld>
+  <p:clrMapOvr>
+    <a:masterClrMapping/>
+  </p:clrMapOvr>
+</p:sld>
+</file>
+
+<file path=ppt/slides/slide38.xml><?xml version="1.0" encoding="utf-8"?>
+<p:sld xmlns:a="http://schemas.openxmlformats.org/drawingml/2006/main" xmlns:r="http://schemas.openxmlformats.org/officeDocument/2006/relationships" xmlns:p="http://schemas.openxmlformats.org/presentationml/2006/main">
+  <p:cSld>
+    <p:spTree>
+      <p:nvGrpSpPr>
+        <p:cNvPr id="1" name=""/>
+        <p:cNvGrpSpPr/>
+        <p:nvPr/>
+      </p:nvGrpSpPr>
+      <p:grpSpPr>
+        <a:xfrm>
+          <a:off x="0" y="0"/>
+          <a:ext cx="0" cy="0"/>
+          <a:chOff x="0" y="0"/>
+          <a:chExt cx="0" cy="0"/>
+        </a:xfrm>
+      </p:grpSpPr>
+      <p:sp>
+        <p:nvSpPr>
+          <p:cNvPr id="3" name="Объект 2"/>
+          <p:cNvSpPr>
+            <a:spLocks noGrp="1"/>
+          </p:cNvSpPr>
+          <p:nvPr>
+            <p:ph idx="1"/>
+          </p:nvPr>
+        </p:nvSpPr>
+        <p:spPr>
+          <a:xfrm>
+            <a:off x="1130531" y="315884"/>
+            <a:ext cx="8462356" cy="2660072"/>
+          </a:xfrm>
+        </p:spPr>
+        <p:txBody>
+          <a:bodyPr>
+            <a:normAutofit fontScale="70000" lnSpcReduction="20000"/>
+          </a:bodyPr>
+          <a:lstStyle/>
+          <a:p>
+            <a:pPr marL="0" indent="0">
+              <a:buNone/>
+            </a:pPr>
+            <a:r>
+              <a:rPr lang="ru-RU" b="1" dirty="0"/>
+              <a:t>Графические параметры</a:t>
+            </a:r>
+          </a:p>
+          <a:p>
+            <a:pPr marL="0" indent="0">
+              <a:buNone/>
+            </a:pPr>
+            <a:r>
+              <a:rPr lang="ru-RU" dirty="0"/>
+              <a:t>Изменять размеры элементов графика можно независимо друг от друга, используя следующие параметры</a:t>
+            </a:r>
+            <a:r>
+              <a:rPr lang="ru-RU" dirty="0" smtClean="0"/>
+              <a:t>:</a:t>
+            </a:r>
+            <a:endParaRPr lang="ru-RU" dirty="0"/>
+          </a:p>
+          <a:p>
+            <a:pPr marL="0" indent="0">
+              <a:buNone/>
+            </a:pPr>
+            <a:r>
+              <a:rPr lang="ru-RU" dirty="0" err="1"/>
+              <a:t>cex</a:t>
+            </a:r>
+            <a:r>
+              <a:rPr lang="ru-RU" dirty="0"/>
+              <a:t> — общий масштаб элементов на графике</a:t>
+            </a:r>
+          </a:p>
+          <a:p>
+            <a:pPr marL="0" indent="0">
+              <a:buNone/>
+            </a:pPr>
+            <a:r>
+              <a:rPr lang="ru-RU" dirty="0" err="1"/>
+              <a:t>cex.axis</a:t>
+            </a:r>
+            <a:r>
+              <a:rPr lang="ru-RU" dirty="0"/>
+              <a:t> — масштаб подписей координат на оси</a:t>
+            </a:r>
+          </a:p>
+          <a:p>
+            <a:pPr marL="0" indent="0">
+              <a:buNone/>
+            </a:pPr>
+            <a:r>
+              <a:rPr lang="ru-RU" dirty="0" err="1"/>
+              <a:t>cex.lab</a:t>
+            </a:r>
+            <a:r>
+              <a:rPr lang="ru-RU" dirty="0"/>
+              <a:t> — масштаб подписей названий осей</a:t>
+            </a:r>
+          </a:p>
+          <a:p>
+            <a:pPr marL="0" indent="0">
+              <a:buNone/>
+            </a:pPr>
+            <a:r>
+              <a:rPr lang="ru-RU" dirty="0" err="1"/>
+              <a:t>cex.main</a:t>
+            </a:r>
+            <a:r>
+              <a:rPr lang="ru-RU" dirty="0"/>
+              <a:t> — масштаб заголовка графика</a:t>
+            </a:r>
+          </a:p>
+          <a:p>
+            <a:pPr marL="0" indent="0">
+              <a:buNone/>
+            </a:pPr>
+            <a:r>
+              <a:rPr lang="ru-RU" dirty="0" err="1"/>
+              <a:t>cex.sub</a:t>
+            </a:r>
+            <a:r>
+              <a:rPr lang="ru-RU" dirty="0"/>
+              <a:t> — масштаб подзаголовка графика</a:t>
+            </a:r>
+          </a:p>
+          <a:p>
+            <a:pPr marL="0" indent="0">
+              <a:buNone/>
+            </a:pPr>
+            <a:r>
+              <a:rPr lang="ru-RU" dirty="0" err="1"/>
+              <a:t>cex.names</a:t>
+            </a:r>
+            <a:r>
+              <a:rPr lang="ru-RU" dirty="0"/>
+              <a:t> — масштаб подписей факторов (для некоторых типов диаграмм)</a:t>
+            </a:r>
+          </a:p>
+        </p:txBody>
+      </p:sp>
+      <p:pic>
+        <p:nvPicPr>
+          <p:cNvPr id="5" name="Рисунок 4"/>
+          <p:cNvPicPr>
+            <a:picLocks noChangeAspect="1"/>
+          </p:cNvPicPr>
+          <p:nvPr/>
+        </p:nvPicPr>
+        <p:blipFill>
+          <a:blip r:embed="rId2"/>
+          <a:stretch>
+            <a:fillRect/>
+          </a:stretch>
+        </p:blipFill>
+        <p:spPr>
+          <a:xfrm>
+            <a:off x="4039726" y="2975956"/>
+            <a:ext cx="4655388" cy="3604410"/>
+          </a:xfrm>
+          <a:prstGeom prst="rect">
+            <a:avLst/>
+          </a:prstGeom>
+        </p:spPr>
+      </p:pic>
+    </p:spTree>
+    <p:extLst>
+      <p:ext uri="{BB962C8B-B14F-4D97-AF65-F5344CB8AC3E}">
+        <p14:creationId xmlns:p14="http://schemas.microsoft.com/office/powerpoint/2010/main" val="1939657648"/>
+      </p:ext>
+    </p:extLst>
+  </p:cSld>
+  <p:clrMapOvr>
+    <a:masterClrMapping/>
+  </p:clrMapOvr>
+</p:sld>
+</file>
+
+<file path=ppt/slides/slide39.xml><?xml version="1.0" encoding="utf-8"?>
+<p:sld xmlns:a="http://schemas.openxmlformats.org/drawingml/2006/main" xmlns:r="http://schemas.openxmlformats.org/officeDocument/2006/relationships" xmlns:p="http://schemas.openxmlformats.org/presentationml/2006/main">
+  <p:cSld>
+    <p:spTree>
+      <p:nvGrpSpPr>
+        <p:cNvPr id="1" name=""/>
+        <p:cNvGrpSpPr/>
+        <p:nvPr/>
+      </p:nvGrpSpPr>
+      <p:grpSpPr>
+        <a:xfrm>
+          <a:off x="0" y="0"/>
+          <a:ext cx="0" cy="0"/>
+          <a:chOff x="0" y="0"/>
+          <a:chExt cx="0" cy="0"/>
+        </a:xfrm>
+      </p:grpSpPr>
+      <p:pic>
+        <p:nvPicPr>
+          <p:cNvPr id="4" name="Рисунок 3"/>
+          <p:cNvPicPr>
+            <a:picLocks noChangeAspect="1"/>
+          </p:cNvPicPr>
+          <p:nvPr/>
+        </p:nvPicPr>
+        <p:blipFill>
+          <a:blip r:embed="rId2"/>
+          <a:stretch>
+            <a:fillRect/>
+          </a:stretch>
+        </p:blipFill>
+        <p:spPr>
+          <a:xfrm>
+            <a:off x="2042593" y="92825"/>
+            <a:ext cx="9046585" cy="6607491"/>
+          </a:xfrm>
+          <a:prstGeom prst="rect">
+            <a:avLst/>
+          </a:prstGeom>
+        </p:spPr>
+      </p:pic>
+    </p:spTree>
+    <p:extLst>
+      <p:ext uri="{BB962C8B-B14F-4D97-AF65-F5344CB8AC3E}">
+        <p14:creationId xmlns:p14="http://schemas.microsoft.com/office/powerpoint/2010/main" val="3597132567"/>
+      </p:ext>
+    </p:extLst>
+  </p:cSld>
+  <p:clrMapOvr>
+    <a:masterClrMapping/>
+  </p:clrMapOvr>
 </p:sld>
 </file>
 
@@ -4840,6 +7844,512 @@
     <p:extLst>
       <p:ext uri="{BB962C8B-B14F-4D97-AF65-F5344CB8AC3E}">
         <p14:creationId xmlns:p14="http://schemas.microsoft.com/office/powerpoint/2010/main" val="1536852593"/>
+      </p:ext>
+    </p:extLst>
+  </p:cSld>
+  <p:clrMapOvr>
+    <a:masterClrMapping/>
+  </p:clrMapOvr>
+  <p:timing>
+    <p:tnLst>
+      <p:par>
+        <p:cTn id="1" dur="indefinite" restart="never" nodeType="tmRoot"/>
+      </p:par>
+    </p:tnLst>
+  </p:timing>
+</p:sld>
+</file>
+
+<file path=ppt/slides/slide40.xml><?xml version="1.0" encoding="utf-8"?>
+<p:sld xmlns:a="http://schemas.openxmlformats.org/drawingml/2006/main" xmlns:r="http://schemas.openxmlformats.org/officeDocument/2006/relationships" xmlns:p="http://schemas.openxmlformats.org/presentationml/2006/main">
+  <p:cSld>
+    <p:spTree>
+      <p:nvGrpSpPr>
+        <p:cNvPr id="1" name=""/>
+        <p:cNvGrpSpPr/>
+        <p:nvPr/>
+      </p:nvGrpSpPr>
+      <p:grpSpPr>
+        <a:xfrm>
+          <a:off x="0" y="0"/>
+          <a:ext cx="0" cy="0"/>
+          <a:chOff x="0" y="0"/>
+          <a:chExt cx="0" cy="0"/>
+        </a:xfrm>
+      </p:grpSpPr>
+      <p:sp>
+        <p:nvSpPr>
+          <p:cNvPr id="7" name="Прямоугольник 6"/>
+          <p:cNvSpPr/>
+          <p:nvPr/>
+        </p:nvSpPr>
+        <p:spPr>
+          <a:xfrm>
+            <a:off x="1310640" y="191161"/>
+            <a:ext cx="6096000" cy="2585323"/>
+          </a:xfrm>
+          <a:prstGeom prst="rect">
+            <a:avLst/>
+          </a:prstGeom>
+        </p:spPr>
+        <p:txBody>
+          <a:bodyPr>
+            <a:spAutoFit/>
+          </a:bodyPr>
+          <a:lstStyle/>
+          <a:p>
+            <a:r>
+              <a:rPr lang="ru-RU" b="1" dirty="0"/>
+              <a:t>Аннотации данных (текст на графике)</a:t>
+            </a:r>
+          </a:p>
+          <a:p>
+            <a:r>
+              <a:rPr lang="ru-RU" dirty="0"/>
+              <a:t>Аннотации данных добавляются на график с помощью функции </a:t>
+            </a:r>
+            <a:r>
+              <a:rPr lang="ru-RU" dirty="0" err="1"/>
+              <a:t>text</a:t>
+            </a:r>
+            <a:r>
+              <a:rPr lang="ru-RU" dirty="0"/>
+              <a:t>(). В качестве трех обязательных аргументов ей необходимо передать координаты точек размещения текста, и вектор подписей. Также полезным будет указать параметр </a:t>
+            </a:r>
+            <a:r>
+              <a:rPr lang="ru-RU" dirty="0" err="1"/>
+              <a:t>pos</a:t>
+            </a:r>
+            <a:r>
+              <a:rPr lang="ru-RU" dirty="0"/>
+              <a:t>=, отвечающий за размещение аннотации относительно точки. Значения </a:t>
+            </a:r>
+            <a:r>
+              <a:rPr lang="ru-RU" dirty="0" err="1"/>
+              <a:t>pos</a:t>
+            </a:r>
+            <a:r>
+              <a:rPr lang="ru-RU" dirty="0"/>
+              <a:t>, равные 1, 2, 3 и 4, соответствуют размещению снизу, слева, сверху и справа от точки</a:t>
+            </a:r>
+          </a:p>
+        </p:txBody>
+      </p:sp>
+      <p:pic>
+        <p:nvPicPr>
+          <p:cNvPr id="8" name="Рисунок 7"/>
+          <p:cNvPicPr>
+            <a:picLocks noChangeAspect="1"/>
+          </p:cNvPicPr>
+          <p:nvPr/>
+        </p:nvPicPr>
+        <p:blipFill>
+          <a:blip r:embed="rId2"/>
+          <a:stretch>
+            <a:fillRect/>
+          </a:stretch>
+        </p:blipFill>
+        <p:spPr>
+          <a:xfrm>
+            <a:off x="4552431" y="3083069"/>
+            <a:ext cx="3485424" cy="1613622"/>
+          </a:xfrm>
+          <a:prstGeom prst="rect">
+            <a:avLst/>
+          </a:prstGeom>
+        </p:spPr>
+      </p:pic>
+    </p:spTree>
+    <p:extLst>
+      <p:ext uri="{BB962C8B-B14F-4D97-AF65-F5344CB8AC3E}">
+        <p14:creationId xmlns:p14="http://schemas.microsoft.com/office/powerpoint/2010/main" val="1807436406"/>
+      </p:ext>
+    </p:extLst>
+  </p:cSld>
+  <p:clrMapOvr>
+    <a:masterClrMapping/>
+  </p:clrMapOvr>
+  <p:timing>
+    <p:tnLst>
+      <p:par>
+        <p:cTn id="1" dur="indefinite" restart="never" nodeType="tmRoot"/>
+      </p:par>
+    </p:tnLst>
+  </p:timing>
+</p:sld>
+</file>
+
+<file path=ppt/slides/slide41.xml><?xml version="1.0" encoding="utf-8"?>
+<p:sld xmlns:a="http://schemas.openxmlformats.org/drawingml/2006/main" xmlns:r="http://schemas.openxmlformats.org/officeDocument/2006/relationships" xmlns:p="http://schemas.openxmlformats.org/presentationml/2006/main">
+  <p:cSld>
+    <p:spTree>
+      <p:nvGrpSpPr>
+        <p:cNvPr id="1" name=""/>
+        <p:cNvGrpSpPr/>
+        <p:nvPr/>
+      </p:nvGrpSpPr>
+      <p:grpSpPr>
+        <a:xfrm>
+          <a:off x="0" y="0"/>
+          <a:ext cx="0" cy="0"/>
+          <a:chOff x="0" y="0"/>
+          <a:chExt cx="0" cy="0"/>
+        </a:xfrm>
+      </p:grpSpPr>
+      <p:pic>
+        <p:nvPicPr>
+          <p:cNvPr id="4" name="Рисунок 3"/>
+          <p:cNvPicPr>
+            <a:picLocks noChangeAspect="1"/>
+          </p:cNvPicPr>
+          <p:nvPr/>
+        </p:nvPicPr>
+        <p:blipFill>
+          <a:blip r:embed="rId2"/>
+          <a:stretch>
+            <a:fillRect/>
+          </a:stretch>
+        </p:blipFill>
+        <p:spPr>
+          <a:xfrm>
+            <a:off x="2076968" y="84599"/>
+            <a:ext cx="9128587" cy="6529655"/>
+          </a:xfrm>
+          <a:prstGeom prst="rect">
+            <a:avLst/>
+          </a:prstGeom>
+        </p:spPr>
+      </p:pic>
+    </p:spTree>
+    <p:extLst>
+      <p:ext uri="{BB962C8B-B14F-4D97-AF65-F5344CB8AC3E}">
+        <p14:creationId xmlns:p14="http://schemas.microsoft.com/office/powerpoint/2010/main" val="1007753201"/>
+      </p:ext>
+    </p:extLst>
+  </p:cSld>
+  <p:clrMapOvr>
+    <a:masterClrMapping/>
+  </p:clrMapOvr>
+  <p:timing>
+    <p:tnLst>
+      <p:par>
+        <p:cTn id="1" dur="indefinite" restart="never" nodeType="tmRoot"/>
+      </p:par>
+    </p:tnLst>
+  </p:timing>
+</p:sld>
+</file>
+
+<file path=ppt/slides/slide42.xml><?xml version="1.0" encoding="utf-8"?>
+<p:sld xmlns:a="http://schemas.openxmlformats.org/drawingml/2006/main" xmlns:r="http://schemas.openxmlformats.org/officeDocument/2006/relationships" xmlns:p="http://schemas.openxmlformats.org/presentationml/2006/main">
+  <p:cSld>
+    <p:spTree>
+      <p:nvGrpSpPr>
+        <p:cNvPr id="1" name=""/>
+        <p:cNvGrpSpPr/>
+        <p:nvPr/>
+      </p:nvGrpSpPr>
+      <p:grpSpPr>
+        <a:xfrm>
+          <a:off x="0" y="0"/>
+          <a:ext cx="0" cy="0"/>
+          <a:chOff x="0" y="0"/>
+          <a:chExt cx="0" cy="0"/>
+        </a:xfrm>
+      </p:grpSpPr>
+      <p:sp>
+        <p:nvSpPr>
+          <p:cNvPr id="3" name="Объект 2"/>
+          <p:cNvSpPr>
+            <a:spLocks noGrp="1"/>
+          </p:cNvSpPr>
+          <p:nvPr>
+            <p:ph idx="1"/>
+          </p:nvPr>
+        </p:nvSpPr>
+        <p:spPr>
+          <a:xfrm>
+            <a:off x="1213658" y="382386"/>
+            <a:ext cx="9601200" cy="2585258"/>
+          </a:xfrm>
+        </p:spPr>
+        <p:txBody>
+          <a:bodyPr>
+            <a:normAutofit fontScale="77500" lnSpcReduction="20000"/>
+          </a:bodyPr>
+          <a:lstStyle/>
+          <a:p>
+            <a:pPr marL="0" indent="0">
+              <a:buNone/>
+            </a:pPr>
+            <a:r>
+              <a:rPr lang="ru-RU" b="1" dirty="0"/>
+              <a:t>Легенда</a:t>
+            </a:r>
+          </a:p>
+          <a:p>
+            <a:pPr marL="0" indent="0">
+              <a:buNone/>
+            </a:pPr>
+            <a:r>
+              <a:rPr lang="ru-RU" dirty="0"/>
+              <a:t>Легенда к графику размещается с помощью функции </a:t>
+            </a:r>
+            <a:r>
+              <a:rPr lang="ru-RU" dirty="0" err="1"/>
+              <a:t>legend</a:t>
+            </a:r>
+            <a:r>
+              <a:rPr lang="ru-RU" dirty="0"/>
+              <a:t>(). Эта функция принимает несколько аргументов, включая: местоположение, заголовок, названия элементов, графические параметры. Местоположение может быть задано координатами </a:t>
+            </a:r>
+            <a:r>
+              <a:rPr lang="ru-RU" dirty="0" smtClean="0"/>
+              <a:t>(</a:t>
+            </a:r>
+            <a:r>
+              <a:rPr lang="ru-RU" dirty="0" err="1" smtClean="0"/>
+              <a:t>x,y</a:t>
+            </a:r>
+            <a:r>
+              <a:rPr lang="ru-RU" dirty="0" smtClean="0"/>
+              <a:t>) </a:t>
+            </a:r>
+            <a:r>
+              <a:rPr lang="ru-RU" dirty="0"/>
+              <a:t>в системе координат графика, но удобнее пользоваться следующими предопределенными константами: "</a:t>
+            </a:r>
+            <a:r>
+              <a:rPr lang="ru-RU" dirty="0" err="1"/>
+              <a:t>bottomright</a:t>
+            </a:r>
+            <a:r>
+              <a:rPr lang="ru-RU" dirty="0"/>
+              <a:t>", "</a:t>
+            </a:r>
+            <a:r>
+              <a:rPr lang="ru-RU" dirty="0" err="1"/>
+              <a:t>bottom</a:t>
+            </a:r>
+            <a:r>
+              <a:rPr lang="ru-RU" dirty="0"/>
+              <a:t>", "</a:t>
+            </a:r>
+            <a:r>
+              <a:rPr lang="ru-RU" dirty="0" err="1"/>
+              <a:t>bottomleft</a:t>
+            </a:r>
+            <a:r>
+              <a:rPr lang="ru-RU" dirty="0"/>
+              <a:t>", "</a:t>
+            </a:r>
+            <a:r>
+              <a:rPr lang="ru-RU" dirty="0" err="1"/>
+              <a:t>left</a:t>
+            </a:r>
+            <a:r>
+              <a:rPr lang="ru-RU" dirty="0"/>
+              <a:t>", "</a:t>
+            </a:r>
+            <a:r>
+              <a:rPr lang="ru-RU" dirty="0" err="1"/>
+              <a:t>topleft</a:t>
+            </a:r>
+            <a:r>
+              <a:rPr lang="ru-RU" dirty="0"/>
+              <a:t>", "</a:t>
+            </a:r>
+            <a:r>
+              <a:rPr lang="ru-RU" dirty="0" err="1"/>
+              <a:t>top</a:t>
+            </a:r>
+            <a:r>
+              <a:rPr lang="ru-RU" dirty="0"/>
+              <a:t>", "</a:t>
+            </a:r>
+            <a:r>
+              <a:rPr lang="ru-RU" dirty="0" err="1"/>
+              <a:t>topright</a:t>
+            </a:r>
+            <a:r>
+              <a:rPr lang="ru-RU" dirty="0"/>
+              <a:t>", "</a:t>
+            </a:r>
+            <a:r>
+              <a:rPr lang="ru-RU" dirty="0" err="1"/>
+              <a:t>right</a:t>
+            </a:r>
+            <a:r>
+              <a:rPr lang="ru-RU" dirty="0"/>
+              <a:t>", "</a:t>
+            </a:r>
+            <a:r>
+              <a:rPr lang="ru-RU" dirty="0" err="1"/>
+              <a:t>center</a:t>
+            </a:r>
+            <a:r>
+              <a:rPr lang="ru-RU" dirty="0" smtClean="0"/>
+              <a:t>".</a:t>
+            </a:r>
+          </a:p>
+          <a:p>
+            <a:pPr marL="0" indent="0">
+              <a:buNone/>
+            </a:pPr>
+            <a:endParaRPr lang="ru-RU" dirty="0"/>
+          </a:p>
+          <a:p>
+            <a:pPr marL="0" indent="0">
+              <a:buNone/>
+            </a:pPr>
+            <a:r>
+              <a:rPr lang="ru-RU" dirty="0" smtClean="0"/>
+              <a:t>Чтобы </a:t>
+            </a:r>
+            <a:r>
+              <a:rPr lang="ru-RU" dirty="0"/>
+              <a:t>в легенде появились точки, необходимо задать параметр </a:t>
+            </a:r>
+            <a:r>
+              <a:rPr lang="ru-RU" dirty="0" err="1"/>
+              <a:t>pch</a:t>
+            </a:r>
+            <a:r>
+              <a:rPr lang="ru-RU" dirty="0"/>
+              <a:t>=. Для линейной легенды, следует задать, соответственно, параметр </a:t>
+            </a:r>
+            <a:r>
+              <a:rPr lang="ru-RU" dirty="0" err="1"/>
+              <a:t>lty</a:t>
+            </a:r>
+            <a:r>
+              <a:rPr lang="ru-RU" dirty="0"/>
+              <a:t> = и/или </a:t>
+            </a:r>
+            <a:r>
+              <a:rPr lang="ru-RU" dirty="0" err="1"/>
+              <a:t>lwd</a:t>
+            </a:r>
+            <a:r>
+              <a:rPr lang="ru-RU" dirty="0"/>
+              <a:t> =. Каждый из этих параметров должен быть вектором по количеству элементов легенды</a:t>
+            </a:r>
+          </a:p>
+        </p:txBody>
+      </p:sp>
+      <p:pic>
+        <p:nvPicPr>
+          <p:cNvPr id="5" name="Рисунок 4"/>
+          <p:cNvPicPr>
+            <a:picLocks noChangeAspect="1"/>
+          </p:cNvPicPr>
+          <p:nvPr/>
+        </p:nvPicPr>
+        <p:blipFill>
+          <a:blip r:embed="rId2"/>
+          <a:stretch>
+            <a:fillRect/>
+          </a:stretch>
+        </p:blipFill>
+        <p:spPr>
+          <a:xfrm>
+            <a:off x="1213658" y="2851265"/>
+            <a:ext cx="4308074" cy="3602441"/>
+          </a:xfrm>
+          <a:prstGeom prst="rect">
+            <a:avLst/>
+          </a:prstGeom>
+        </p:spPr>
+      </p:pic>
+      <p:pic>
+        <p:nvPicPr>
+          <p:cNvPr id="6" name="Рисунок 5"/>
+          <p:cNvPicPr>
+            <a:picLocks noChangeAspect="1"/>
+          </p:cNvPicPr>
+          <p:nvPr/>
+        </p:nvPicPr>
+        <p:blipFill>
+          <a:blip r:embed="rId3"/>
+          <a:stretch>
+            <a:fillRect/>
+          </a:stretch>
+        </p:blipFill>
+        <p:spPr>
+          <a:xfrm>
+            <a:off x="6666807" y="2591611"/>
+            <a:ext cx="4100426" cy="3968949"/>
+          </a:xfrm>
+          <a:prstGeom prst="rect">
+            <a:avLst/>
+          </a:prstGeom>
+        </p:spPr>
+      </p:pic>
+    </p:spTree>
+    <p:extLst>
+      <p:ext uri="{BB962C8B-B14F-4D97-AF65-F5344CB8AC3E}">
+        <p14:creationId xmlns:p14="http://schemas.microsoft.com/office/powerpoint/2010/main" val="4034210609"/>
+      </p:ext>
+    </p:extLst>
+  </p:cSld>
+  <p:clrMapOvr>
+    <a:masterClrMapping/>
+  </p:clrMapOvr>
+  <p:timing>
+    <p:tnLst>
+      <p:par>
+        <p:cTn id="1" dur="indefinite" restart="never" nodeType="tmRoot"/>
+      </p:par>
+    </p:tnLst>
+  </p:timing>
+</p:sld>
+</file>
+
+<file path=ppt/slides/slide43.xml><?xml version="1.0" encoding="utf-8"?>
+<p:sld xmlns:a="http://schemas.openxmlformats.org/drawingml/2006/main" xmlns:r="http://schemas.openxmlformats.org/officeDocument/2006/relationships" xmlns:p="http://schemas.openxmlformats.org/presentationml/2006/main">
+  <p:cSld>
+    <p:spTree>
+      <p:nvGrpSpPr>
+        <p:cNvPr id="1" name=""/>
+        <p:cNvGrpSpPr/>
+        <p:nvPr/>
+      </p:nvGrpSpPr>
+      <p:grpSpPr>
+        <a:xfrm>
+          <a:off x="0" y="0"/>
+          <a:ext cx="0" cy="0"/>
+          <a:chOff x="0" y="0"/>
+          <a:chExt cx="0" cy="0"/>
+        </a:xfrm>
+      </p:grpSpPr>
+      <p:pic>
+        <p:nvPicPr>
+          <p:cNvPr id="4" name="Рисунок 3"/>
+          <p:cNvPicPr>
+            <a:picLocks noChangeAspect="1"/>
+          </p:cNvPicPr>
+          <p:nvPr/>
+        </p:nvPicPr>
+        <p:blipFill>
+          <a:blip r:embed="rId2"/>
+          <a:stretch>
+            <a:fillRect/>
+          </a:stretch>
+        </p:blipFill>
+        <p:spPr>
+          <a:xfrm>
+            <a:off x="1786023" y="191193"/>
+            <a:ext cx="8920769" cy="6418911"/>
+          </a:xfrm>
+          <a:prstGeom prst="rect">
+            <a:avLst/>
+          </a:prstGeom>
+        </p:spPr>
+      </p:pic>
+    </p:spTree>
+    <p:extLst>
+      <p:ext uri="{BB962C8B-B14F-4D97-AF65-F5344CB8AC3E}">
+        <p14:creationId xmlns:p14="http://schemas.microsoft.com/office/powerpoint/2010/main" val="2591351508"/>
       </p:ext>
     </p:extLst>
   </p:cSld>
@@ -4907,6 +8417,13 @@
   <p:clrMapOvr>
     <a:masterClrMapping/>
   </p:clrMapOvr>
+  <p:timing>
+    <p:tnLst>
+      <p:par>
+        <p:cTn id="1" dur="indefinite" restart="never" nodeType="tmRoot"/>
+      </p:par>
+    </p:tnLst>
+  </p:timing>
 </p:sld>
 </file>
 
@@ -5050,6 +8567,13 @@
   <p:clrMapOvr>
     <a:masterClrMapping/>
   </p:clrMapOvr>
+  <p:timing>
+    <p:tnLst>
+      <p:par>
+        <p:cTn id="1" dur="indefinite" restart="never" nodeType="tmRoot"/>
+      </p:par>
+    </p:tnLst>
+  </p:timing>
 </p:sld>
 </file>
 
@@ -5104,6 +8628,13 @@
   <p:clrMapOvr>
     <a:masterClrMapping/>
   </p:clrMapOvr>
+  <p:timing>
+    <p:tnLst>
+      <p:par>
+        <p:cTn id="1" dur="indefinite" restart="never" nodeType="tmRoot"/>
+      </p:par>
+    </p:tnLst>
+  </p:timing>
 </p:sld>
 </file>
 
@@ -5236,6 +8767,13 @@
   <p:clrMapOvr>
     <a:masterClrMapping/>
   </p:clrMapOvr>
+  <p:timing>
+    <p:tnLst>
+      <p:par>
+        <p:cTn id="1" dur="indefinite" restart="never" nodeType="tmRoot"/>
+      </p:par>
+    </p:tnLst>
+  </p:timing>
 </p:sld>
 </file>
 
@@ -5290,6 +8828,13 @@
   <p:clrMapOvr>
     <a:masterClrMapping/>
   </p:clrMapOvr>
+  <p:timing>
+    <p:tnLst>
+      <p:par>
+        <p:cTn id="1" dur="indefinite" restart="never" nodeType="tmRoot"/>
+      </p:par>
+    </p:tnLst>
+  </p:timing>
 </p:sld>
 </file>
 

--- a/Course4/Matan/Samusev_Visualization_R.pptx
+++ b/Course4/Matan/Samusev_Visualization_R.pptx
@@ -48,6 +48,19 @@
     <p:sldId id="296" r:id="rId42"/>
     <p:sldId id="297" r:id="rId43"/>
     <p:sldId id="298" r:id="rId44"/>
+    <p:sldId id="299" r:id="rId45"/>
+    <p:sldId id="300" r:id="rId46"/>
+    <p:sldId id="301" r:id="rId47"/>
+    <p:sldId id="302" r:id="rId48"/>
+    <p:sldId id="303" r:id="rId49"/>
+    <p:sldId id="304" r:id="rId50"/>
+    <p:sldId id="305" r:id="rId51"/>
+    <p:sldId id="306" r:id="rId52"/>
+    <p:sldId id="307" r:id="rId53"/>
+    <p:sldId id="308" r:id="rId54"/>
+    <p:sldId id="309" r:id="rId55"/>
+    <p:sldId id="310" r:id="rId56"/>
+    <p:sldId id="311" r:id="rId57"/>
   </p:sldIdLst>
   <p:sldSz cx="12192000" cy="6858000"/>
   <p:notesSz cx="6858000" cy="9144000"/>
@@ -323,7 +336,7 @@
           <a:p>
             <a:fld id="{A7614E69-9826-4E8F-9446-982D9F5B3700}" type="datetimeFigureOut">
               <a:rPr lang="ru-RU" smtClean="0"/>
-              <a:t>30.09.2021</a:t>
+              <a:t>04.10.2021</a:t>
             </a:fld>
             <a:endParaRPr lang="ru-RU"/>
           </a:p>
@@ -653,7 +666,7 @@
           <a:p>
             <a:fld id="{A7614E69-9826-4E8F-9446-982D9F5B3700}" type="datetimeFigureOut">
               <a:rPr lang="ru-RU" smtClean="0"/>
-              <a:t>30.09.2021</a:t>
+              <a:t>04.10.2021</a:t>
             </a:fld>
             <a:endParaRPr lang="ru-RU"/>
           </a:p>
@@ -833,7 +846,7 @@
           <a:p>
             <a:fld id="{A7614E69-9826-4E8F-9446-982D9F5B3700}" type="datetimeFigureOut">
               <a:rPr lang="ru-RU" smtClean="0"/>
-              <a:t>30.09.2021</a:t>
+              <a:t>04.10.2021</a:t>
             </a:fld>
             <a:endParaRPr lang="ru-RU"/>
           </a:p>
@@ -1003,7 +1016,7 @@
           <a:p>
             <a:fld id="{A7614E69-9826-4E8F-9446-982D9F5B3700}" type="datetimeFigureOut">
               <a:rPr lang="ru-RU" smtClean="0"/>
-              <a:t>30.09.2021</a:t>
+              <a:t>04.10.2021</a:t>
             </a:fld>
             <a:endParaRPr lang="ru-RU"/>
           </a:p>
@@ -1280,7 +1293,7 @@
           <a:p>
             <a:fld id="{A7614E69-9826-4E8F-9446-982D9F5B3700}" type="datetimeFigureOut">
               <a:rPr lang="ru-RU" smtClean="0"/>
-              <a:t>30.09.2021</a:t>
+              <a:t>04.10.2021</a:t>
             </a:fld>
             <a:endParaRPr lang="ru-RU"/>
           </a:p>
@@ -1674,7 +1687,7 @@
           <a:p>
             <a:fld id="{A7614E69-9826-4E8F-9446-982D9F5B3700}" type="datetimeFigureOut">
               <a:rPr lang="ru-RU" smtClean="0"/>
-              <a:t>30.09.2021</a:t>
+              <a:t>04.10.2021</a:t>
             </a:fld>
             <a:endParaRPr lang="ru-RU"/>
           </a:p>
@@ -2151,7 +2164,7 @@
           <a:p>
             <a:fld id="{A7614E69-9826-4E8F-9446-982D9F5B3700}" type="datetimeFigureOut">
               <a:rPr lang="ru-RU" smtClean="0"/>
-              <a:t>30.09.2021</a:t>
+              <a:t>04.10.2021</a:t>
             </a:fld>
             <a:endParaRPr lang="ru-RU"/>
           </a:p>
@@ -2269,7 +2282,7 @@
           <a:p>
             <a:fld id="{A7614E69-9826-4E8F-9446-982D9F5B3700}" type="datetimeFigureOut">
               <a:rPr lang="ru-RU" smtClean="0"/>
-              <a:t>30.09.2021</a:t>
+              <a:t>04.10.2021</a:t>
             </a:fld>
             <a:endParaRPr lang="ru-RU"/>
           </a:p>
@@ -2364,7 +2377,7 @@
           <a:p>
             <a:fld id="{A7614E69-9826-4E8F-9446-982D9F5B3700}" type="datetimeFigureOut">
               <a:rPr lang="ru-RU" smtClean="0"/>
-              <a:t>30.09.2021</a:t>
+              <a:t>04.10.2021</a:t>
             </a:fld>
             <a:endParaRPr lang="ru-RU"/>
           </a:p>
@@ -2710,7 +2723,7 @@
           <a:p>
             <a:fld id="{A7614E69-9826-4E8F-9446-982D9F5B3700}" type="datetimeFigureOut">
               <a:rPr lang="ru-RU" smtClean="0"/>
-              <a:t>30.09.2021</a:t>
+              <a:t>04.10.2021</a:t>
             </a:fld>
             <a:endParaRPr lang="ru-RU"/>
           </a:p>
@@ -3098,7 +3111,7 @@
           <a:p>
             <a:fld id="{A7614E69-9826-4E8F-9446-982D9F5B3700}" type="datetimeFigureOut">
               <a:rPr lang="ru-RU" smtClean="0"/>
-              <a:t>30.09.2021</a:t>
+              <a:t>04.10.2021</a:t>
             </a:fld>
             <a:endParaRPr lang="ru-RU"/>
           </a:p>
@@ -3376,7 +3389,7 @@
           <a:p>
             <a:fld id="{A7614E69-9826-4E8F-9446-982D9F5B3700}" type="datetimeFigureOut">
               <a:rPr lang="ru-RU" smtClean="0"/>
-              <a:t>30.09.2021</a:t>
+              <a:t>04.10.2021</a:t>
             </a:fld>
             <a:endParaRPr lang="ru-RU"/>
           </a:p>
@@ -5401,7 +5414,6 @@
               <a:rPr lang="ru-RU" dirty="0"/>
               <a:t>При построении гистограммы (как и любого другого типа графика) вы можете использовать не весь массив данных, а только его подмножество Например, можно посмотреть гистограмму только для субъектов с объемом экспорта менее 300</a:t>
             </a:r>
-            <a:endParaRPr lang="ru-RU" dirty="0"/>
           </a:p>
           <a:p>
             <a:pPr marL="0" indent="0">
@@ -8366,6 +8378,648 @@
 </p:sld>
 </file>
 
+<file path=ppt/slides/slide44.xml><?xml version="1.0" encoding="utf-8"?>
+<p:sld xmlns:a="http://schemas.openxmlformats.org/drawingml/2006/main" xmlns:r="http://schemas.openxmlformats.org/officeDocument/2006/relationships" xmlns:p="http://schemas.openxmlformats.org/presentationml/2006/main">
+  <p:cSld>
+    <p:spTree>
+      <p:nvGrpSpPr>
+        <p:cNvPr id="1" name=""/>
+        <p:cNvGrpSpPr/>
+        <p:nvPr/>
+      </p:nvGrpSpPr>
+      <p:grpSpPr>
+        <a:xfrm>
+          <a:off x="0" y="0"/>
+          <a:ext cx="0" cy="0"/>
+          <a:chOff x="0" y="0"/>
+          <a:chExt cx="0" cy="0"/>
+        </a:xfrm>
+      </p:grpSpPr>
+      <p:sp>
+        <p:nvSpPr>
+          <p:cNvPr id="2" name="Заголовок 1"/>
+          <p:cNvSpPr>
+            <a:spLocks noGrp="1"/>
+          </p:cNvSpPr>
+          <p:nvPr>
+            <p:ph type="ctrTitle"/>
+          </p:nvPr>
+        </p:nvSpPr>
+        <p:spPr/>
+        <p:txBody>
+          <a:bodyPr/>
+          <a:lstStyle/>
+          <a:p>
+            <a:r>
+              <a:rPr lang="ru-RU" dirty="0" smtClean="0"/>
+              <a:t>Продвинутая Графика </a:t>
+            </a:r>
+            <a:r>
+              <a:rPr lang="en-US" dirty="0" smtClean="0"/>
+              <a:t>R</a:t>
+            </a:r>
+            <a:endParaRPr lang="ru-RU" dirty="0"/>
+          </a:p>
+        </p:txBody>
+      </p:sp>
+      <p:sp>
+        <p:nvSpPr>
+          <p:cNvPr id="3" name="Подзаголовок 2"/>
+          <p:cNvSpPr>
+            <a:spLocks noGrp="1"/>
+          </p:cNvSpPr>
+          <p:nvPr>
+            <p:ph type="subTitle" idx="1"/>
+          </p:nvPr>
+        </p:nvSpPr>
+        <p:spPr/>
+        <p:txBody>
+          <a:bodyPr/>
+          <a:lstStyle/>
+          <a:p>
+            <a:endParaRPr lang="ru-RU"/>
+          </a:p>
+        </p:txBody>
+      </p:sp>
+    </p:spTree>
+    <p:extLst>
+      <p:ext uri="{BB962C8B-B14F-4D97-AF65-F5344CB8AC3E}">
+        <p14:creationId xmlns:p14="http://schemas.microsoft.com/office/powerpoint/2010/main" val="1293005664"/>
+      </p:ext>
+    </p:extLst>
+  </p:cSld>
+  <p:clrMapOvr>
+    <a:masterClrMapping/>
+  </p:clrMapOvr>
+</p:sld>
+</file>
+
+<file path=ppt/slides/slide45.xml><?xml version="1.0" encoding="utf-8"?>
+<p:sld xmlns:a="http://schemas.openxmlformats.org/drawingml/2006/main" xmlns:r="http://schemas.openxmlformats.org/officeDocument/2006/relationships" xmlns:p="http://schemas.openxmlformats.org/presentationml/2006/main">
+  <p:cSld>
+    <p:spTree>
+      <p:nvGrpSpPr>
+        <p:cNvPr id="1" name=""/>
+        <p:cNvGrpSpPr/>
+        <p:nvPr/>
+      </p:nvGrpSpPr>
+      <p:grpSpPr>
+        <a:xfrm>
+          <a:off x="0" y="0"/>
+          <a:ext cx="0" cy="0"/>
+          <a:chOff x="0" y="0"/>
+          <a:chExt cx="0" cy="0"/>
+        </a:xfrm>
+      </p:grpSpPr>
+      <p:sp>
+        <p:nvSpPr>
+          <p:cNvPr id="2" name="Заголовок 1"/>
+          <p:cNvSpPr>
+            <a:spLocks noGrp="1"/>
+          </p:cNvSpPr>
+          <p:nvPr>
+            <p:ph type="title"/>
+          </p:nvPr>
+        </p:nvSpPr>
+        <p:spPr/>
+        <p:txBody>
+          <a:bodyPr/>
+          <a:lstStyle/>
+          <a:p>
+            <a:pPr algn="ctr"/>
+            <a:r>
+              <a:rPr lang="ru-RU" dirty="0" smtClean="0"/>
+              <a:t>Построение графиков с помощью</a:t>
+            </a:r>
+            <a:r>
+              <a:rPr lang="en-US" dirty="0" smtClean="0"/>
+              <a:t> ggplot2 </a:t>
+            </a:r>
+            <a:endParaRPr lang="ru-RU" dirty="0"/>
+          </a:p>
+        </p:txBody>
+      </p:sp>
+      <p:sp>
+        <p:nvSpPr>
+          <p:cNvPr id="3" name="Объект 2"/>
+          <p:cNvSpPr>
+            <a:spLocks noGrp="1"/>
+          </p:cNvSpPr>
+          <p:nvPr>
+            <p:ph idx="1"/>
+          </p:nvPr>
+        </p:nvSpPr>
+        <p:spPr>
+          <a:xfrm>
+            <a:off x="1371600" y="2286000"/>
+            <a:ext cx="10332720" cy="3931920"/>
+          </a:xfrm>
+        </p:spPr>
+        <p:txBody>
+          <a:bodyPr>
+            <a:normAutofit/>
+          </a:bodyPr>
+          <a:lstStyle/>
+          <a:p>
+            <a:r>
+              <a:rPr lang="ru-RU" dirty="0" smtClean="0"/>
+              <a:t>Мы познакомимся с системой </a:t>
+            </a:r>
+            <a:r>
+              <a:rPr lang="ru-RU" b="1" dirty="0" smtClean="0">
+                <a:hlinkClick r:id="rId2"/>
+              </a:rPr>
+              <a:t>ggplot2</a:t>
+            </a:r>
+            <a:r>
+              <a:rPr lang="ru-RU" dirty="0" smtClean="0"/>
+              <a:t>. </a:t>
+            </a:r>
+            <a:r>
+              <a:rPr lang="ru-RU" b="1" dirty="0" err="1" smtClean="0"/>
+              <a:t>gg</a:t>
+            </a:r>
+            <a:r>
+              <a:rPr lang="ru-RU" dirty="0" smtClean="0"/>
+              <a:t> расшифровывается как </a:t>
+            </a:r>
+            <a:r>
+              <a:rPr lang="ru-RU" i="1" dirty="0" err="1" smtClean="0"/>
+              <a:t>grammar</a:t>
+            </a:r>
+            <a:r>
+              <a:rPr lang="ru-RU" i="1" dirty="0" smtClean="0"/>
+              <a:t> </a:t>
+            </a:r>
+            <a:r>
+              <a:rPr lang="ru-RU" i="1" dirty="0" err="1" smtClean="0"/>
+              <a:t>of</a:t>
+            </a:r>
+            <a:r>
+              <a:rPr lang="ru-RU" i="1" dirty="0" smtClean="0"/>
+              <a:t> </a:t>
+            </a:r>
+            <a:r>
+              <a:rPr lang="ru-RU" i="1" dirty="0" err="1" smtClean="0"/>
+              <a:t>graphics</a:t>
+            </a:r>
+            <a:r>
+              <a:rPr lang="ru-RU" dirty="0" smtClean="0"/>
+              <a:t>. Под этим понимается определенная система правил, позволяющих описывать и строить графики. </a:t>
+            </a:r>
+            <a:r>
+              <a:rPr lang="ru-RU" dirty="0" err="1" smtClean="0"/>
+              <a:t>ggplot</a:t>
+            </a:r>
+            <a:r>
+              <a:rPr lang="ru-RU" dirty="0" smtClean="0"/>
+              <a:t> довольно сильно отличается от стандартной графической подсистемы R. Прежде всего — модульным подходом к построению изображений. В </a:t>
+            </a:r>
+            <a:r>
+              <a:rPr lang="ru-RU" dirty="0" err="1" smtClean="0"/>
+              <a:t>ggplot</a:t>
+            </a:r>
+            <a:r>
+              <a:rPr lang="ru-RU" dirty="0" smtClean="0"/>
+              <a:t> вы собираете графики «по кирпичикам», отдельно определяя источник данных, способы изображения, параметры системы координат и т.д. – путем вызова и </a:t>
+            </a:r>
+            <a:r>
+              <a:rPr lang="ru-RU" i="1" dirty="0" smtClean="0"/>
+              <a:t>сложения</a:t>
+            </a:r>
+            <a:r>
+              <a:rPr lang="ru-RU" dirty="0" smtClean="0"/>
+              <a:t> результатов соответствующих функций.</a:t>
+            </a:r>
+          </a:p>
+        </p:txBody>
+      </p:sp>
+    </p:spTree>
+    <p:extLst>
+      <p:ext uri="{BB962C8B-B14F-4D97-AF65-F5344CB8AC3E}">
+        <p14:creationId xmlns:p14="http://schemas.microsoft.com/office/powerpoint/2010/main" val="2257049780"/>
+      </p:ext>
+    </p:extLst>
+  </p:cSld>
+  <p:clrMapOvr>
+    <a:masterClrMapping/>
+  </p:clrMapOvr>
+</p:sld>
+</file>
+
+<file path=ppt/slides/slide46.xml><?xml version="1.0" encoding="utf-8"?>
+<p:sld xmlns:a="http://schemas.openxmlformats.org/drawingml/2006/main" xmlns:r="http://schemas.openxmlformats.org/officeDocument/2006/relationships" xmlns:p="http://schemas.openxmlformats.org/presentationml/2006/main">
+  <p:cSld>
+    <p:spTree>
+      <p:nvGrpSpPr>
+        <p:cNvPr id="1" name=""/>
+        <p:cNvGrpSpPr/>
+        <p:nvPr/>
+      </p:nvGrpSpPr>
+      <p:grpSpPr>
+        <a:xfrm>
+          <a:off x="0" y="0"/>
+          <a:ext cx="0" cy="0"/>
+          <a:chOff x="0" y="0"/>
+          <a:chExt cx="0" cy="0"/>
+        </a:xfrm>
+      </p:grpSpPr>
+      <p:sp>
+        <p:nvSpPr>
+          <p:cNvPr id="3" name="Объект 2"/>
+          <p:cNvSpPr>
+            <a:spLocks noGrp="1"/>
+          </p:cNvSpPr>
+          <p:nvPr>
+            <p:ph idx="1"/>
+          </p:nvPr>
+        </p:nvSpPr>
+        <p:spPr>
+          <a:xfrm>
+            <a:off x="1512917" y="864524"/>
+            <a:ext cx="9601200" cy="3581400"/>
+          </a:xfrm>
+        </p:spPr>
+        <p:txBody>
+          <a:bodyPr>
+            <a:normAutofit/>
+          </a:bodyPr>
+          <a:lstStyle/>
+          <a:p>
+            <a:r>
+              <a:rPr lang="ru-RU" dirty="0"/>
+              <a:t>При построении элементарных графиков </a:t>
+            </a:r>
+            <a:r>
+              <a:rPr lang="ru-RU" b="1" dirty="0" err="1"/>
+              <a:t>ggplot</a:t>
+            </a:r>
+            <a:r>
+              <a:rPr lang="ru-RU" dirty="0"/>
+              <a:t> может </a:t>
+            </a:r>
+            <a:r>
+              <a:rPr lang="ru-RU" dirty="0" smtClean="0"/>
+              <a:t>показаться сложнее</a:t>
+            </a:r>
+            <a:r>
+              <a:rPr lang="ru-RU" dirty="0"/>
+              <a:t>, чем стандартная графическая подсистема. Однако при усложнении требований к внешнему виду и информационному насыщению графика сложность </a:t>
+            </a:r>
+            <a:r>
+              <a:rPr lang="ru-RU" dirty="0" err="1"/>
+              <a:t>ggplot</a:t>
+            </a:r>
+            <a:r>
+              <a:rPr lang="ru-RU" dirty="0"/>
+              <a:t> оказывается преимуществом, и с ее помощью </a:t>
+            </a:r>
+            <a:r>
+              <a:rPr lang="ru-RU" i="1" dirty="0"/>
+              <a:t>относительно просто</a:t>
+            </a:r>
+            <a:r>
+              <a:rPr lang="ru-RU" dirty="0"/>
+              <a:t> можно получать элегантные и информативные визуализации, на создание которых с помощью стандартной подсистемы пришлось бы затратить невероятные </a:t>
+            </a:r>
+            <a:r>
+              <a:rPr lang="ru-RU" dirty="0" smtClean="0"/>
+              <a:t>усилия.</a:t>
+            </a:r>
+          </a:p>
+        </p:txBody>
+      </p:sp>
+    </p:spTree>
+    <p:extLst>
+      <p:ext uri="{BB962C8B-B14F-4D97-AF65-F5344CB8AC3E}">
+        <p14:creationId xmlns:p14="http://schemas.microsoft.com/office/powerpoint/2010/main" val="3579573376"/>
+      </p:ext>
+    </p:extLst>
+  </p:cSld>
+  <p:clrMapOvr>
+    <a:masterClrMapping/>
+  </p:clrMapOvr>
+</p:sld>
+</file>
+
+<file path=ppt/slides/slide47.xml><?xml version="1.0" encoding="utf-8"?>
+<p:sld xmlns:a="http://schemas.openxmlformats.org/drawingml/2006/main" xmlns:r="http://schemas.openxmlformats.org/officeDocument/2006/relationships" xmlns:p="http://schemas.openxmlformats.org/presentationml/2006/main">
+  <p:cSld>
+    <p:spTree>
+      <p:nvGrpSpPr>
+        <p:cNvPr id="1" name=""/>
+        <p:cNvGrpSpPr/>
+        <p:nvPr/>
+      </p:nvGrpSpPr>
+      <p:grpSpPr>
+        <a:xfrm>
+          <a:off x="0" y="0"/>
+          <a:ext cx="0" cy="0"/>
+          <a:chOff x="0" y="0"/>
+          <a:chExt cx="0" cy="0"/>
+        </a:xfrm>
+      </p:grpSpPr>
+      <p:sp>
+        <p:nvSpPr>
+          <p:cNvPr id="3" name="Объект 2"/>
+          <p:cNvSpPr>
+            <a:spLocks noGrp="1"/>
+          </p:cNvSpPr>
+          <p:nvPr>
+            <p:ph idx="1"/>
+          </p:nvPr>
+        </p:nvSpPr>
+        <p:spPr>
+          <a:xfrm>
+            <a:off x="1529542" y="299258"/>
+            <a:ext cx="9601200" cy="3581400"/>
+          </a:xfrm>
+        </p:spPr>
+        <p:txBody>
+          <a:bodyPr/>
+          <a:lstStyle/>
+          <a:p>
+            <a:r>
+              <a:rPr lang="ru-RU" dirty="0"/>
+              <a:t>Базовый (минимально необходимый) шаблон построения графика через </a:t>
+            </a:r>
+            <a:r>
+              <a:rPr lang="ru-RU" b="1" dirty="0" err="1"/>
+              <a:t>ggplot</a:t>
+            </a:r>
+            <a:r>
+              <a:rPr lang="ru-RU" dirty="0"/>
+              <a:t> выглядит следующим образом:</a:t>
+            </a:r>
+            <a:endParaRPr lang="ru-RU" dirty="0"/>
+          </a:p>
+        </p:txBody>
+      </p:sp>
+      <p:pic>
+        <p:nvPicPr>
+          <p:cNvPr id="5" name="Рисунок 4"/>
+          <p:cNvPicPr>
+            <a:picLocks noChangeAspect="1"/>
+          </p:cNvPicPr>
+          <p:nvPr/>
+        </p:nvPicPr>
+        <p:blipFill>
+          <a:blip r:embed="rId2"/>
+          <a:stretch>
+            <a:fillRect/>
+          </a:stretch>
+        </p:blipFill>
+        <p:spPr>
+          <a:xfrm>
+            <a:off x="3253567" y="1495684"/>
+            <a:ext cx="6153150" cy="923925"/>
+          </a:xfrm>
+          <a:prstGeom prst="rect">
+            <a:avLst/>
+          </a:prstGeom>
+        </p:spPr>
+      </p:pic>
+      <p:pic>
+        <p:nvPicPr>
+          <p:cNvPr id="6" name="Рисунок 5"/>
+          <p:cNvPicPr>
+            <a:picLocks noChangeAspect="1"/>
+          </p:cNvPicPr>
+          <p:nvPr/>
+        </p:nvPicPr>
+        <p:blipFill>
+          <a:blip r:embed="rId3"/>
+          <a:stretch>
+            <a:fillRect/>
+          </a:stretch>
+        </p:blipFill>
+        <p:spPr>
+          <a:xfrm>
+            <a:off x="1529542" y="2651934"/>
+            <a:ext cx="9625163" cy="3125412"/>
+          </a:xfrm>
+          <a:prstGeom prst="rect">
+            <a:avLst/>
+          </a:prstGeom>
+        </p:spPr>
+      </p:pic>
+    </p:spTree>
+    <p:extLst>
+      <p:ext uri="{BB962C8B-B14F-4D97-AF65-F5344CB8AC3E}">
+        <p14:creationId xmlns:p14="http://schemas.microsoft.com/office/powerpoint/2010/main" val="3576630197"/>
+      </p:ext>
+    </p:extLst>
+  </p:cSld>
+  <p:clrMapOvr>
+    <a:masterClrMapping/>
+  </p:clrMapOvr>
+</p:sld>
+</file>
+
+<file path=ppt/slides/slide48.xml><?xml version="1.0" encoding="utf-8"?>
+<p:sld xmlns:a="http://schemas.openxmlformats.org/drawingml/2006/main" xmlns:r="http://schemas.openxmlformats.org/officeDocument/2006/relationships" xmlns:p="http://schemas.openxmlformats.org/presentationml/2006/main">
+  <p:cSld>
+    <p:spTree>
+      <p:nvGrpSpPr>
+        <p:cNvPr id="1" name=""/>
+        <p:cNvGrpSpPr/>
+        <p:nvPr/>
+      </p:nvGrpSpPr>
+      <p:grpSpPr>
+        <a:xfrm>
+          <a:off x="0" y="0"/>
+          <a:ext cx="0" cy="0"/>
+          <a:chOff x="0" y="0"/>
+          <a:chExt cx="0" cy="0"/>
+        </a:xfrm>
+      </p:grpSpPr>
+      <p:sp>
+        <p:nvSpPr>
+          <p:cNvPr id="2" name="Заголовок 1"/>
+          <p:cNvSpPr>
+            <a:spLocks noGrp="1"/>
+          </p:cNvSpPr>
+          <p:nvPr>
+            <p:ph type="title"/>
+          </p:nvPr>
+        </p:nvSpPr>
+        <p:spPr>
+          <a:xfrm>
+            <a:off x="1371600" y="156036"/>
+            <a:ext cx="9601200" cy="1485900"/>
+          </a:xfrm>
+        </p:spPr>
+        <p:txBody>
+          <a:bodyPr/>
+          <a:lstStyle/>
+          <a:p>
+            <a:pPr algn="ctr"/>
+            <a:r>
+              <a:rPr lang="ru-RU" dirty="0" smtClean="0"/>
+              <a:t>Пример</a:t>
+            </a:r>
+            <a:endParaRPr lang="ru-RU" dirty="0"/>
+          </a:p>
+        </p:txBody>
+      </p:sp>
+      <p:pic>
+        <p:nvPicPr>
+          <p:cNvPr id="4" name="Рисунок 3"/>
+          <p:cNvPicPr>
+            <a:picLocks noChangeAspect="1"/>
+          </p:cNvPicPr>
+          <p:nvPr/>
+        </p:nvPicPr>
+        <p:blipFill>
+          <a:blip r:embed="rId2"/>
+          <a:stretch>
+            <a:fillRect/>
+          </a:stretch>
+        </p:blipFill>
+        <p:spPr>
+          <a:xfrm>
+            <a:off x="2798940" y="972069"/>
+            <a:ext cx="6746518" cy="669867"/>
+          </a:xfrm>
+          <a:prstGeom prst="rect">
+            <a:avLst/>
+          </a:prstGeom>
+        </p:spPr>
+      </p:pic>
+      <p:pic>
+        <p:nvPicPr>
+          <p:cNvPr id="5" name="Рисунок 4"/>
+          <p:cNvPicPr>
+            <a:picLocks noChangeAspect="1"/>
+          </p:cNvPicPr>
+          <p:nvPr/>
+        </p:nvPicPr>
+        <p:blipFill>
+          <a:blip r:embed="rId3"/>
+          <a:stretch>
+            <a:fillRect/>
+          </a:stretch>
+        </p:blipFill>
+        <p:spPr>
+          <a:xfrm>
+            <a:off x="2635740" y="1739091"/>
+            <a:ext cx="7072919" cy="4984536"/>
+          </a:xfrm>
+          <a:prstGeom prst="rect">
+            <a:avLst/>
+          </a:prstGeom>
+        </p:spPr>
+      </p:pic>
+    </p:spTree>
+    <p:extLst>
+      <p:ext uri="{BB962C8B-B14F-4D97-AF65-F5344CB8AC3E}">
+        <p14:creationId xmlns:p14="http://schemas.microsoft.com/office/powerpoint/2010/main" val="2237705964"/>
+      </p:ext>
+    </p:extLst>
+  </p:cSld>
+  <p:clrMapOvr>
+    <a:masterClrMapping/>
+  </p:clrMapOvr>
+</p:sld>
+</file>
+
+<file path=ppt/slides/slide49.xml><?xml version="1.0" encoding="utf-8"?>
+<p:sld xmlns:a="http://schemas.openxmlformats.org/drawingml/2006/main" xmlns:r="http://schemas.openxmlformats.org/officeDocument/2006/relationships" xmlns:p="http://schemas.openxmlformats.org/presentationml/2006/main">
+  <p:cSld>
+    <p:spTree>
+      <p:nvGrpSpPr>
+        <p:cNvPr id="1" name=""/>
+        <p:cNvGrpSpPr/>
+        <p:nvPr/>
+      </p:nvGrpSpPr>
+      <p:grpSpPr>
+        <a:xfrm>
+          <a:off x="0" y="0"/>
+          <a:ext cx="0" cy="0"/>
+          <a:chOff x="0" y="0"/>
+          <a:chExt cx="0" cy="0"/>
+        </a:xfrm>
+      </p:grpSpPr>
+      <p:sp>
+        <p:nvSpPr>
+          <p:cNvPr id="3" name="Объект 2"/>
+          <p:cNvSpPr>
+            <a:spLocks noGrp="1"/>
+          </p:cNvSpPr>
+          <p:nvPr>
+            <p:ph idx="1"/>
+          </p:nvPr>
+        </p:nvSpPr>
+        <p:spPr>
+          <a:xfrm>
+            <a:off x="1487979" y="955963"/>
+            <a:ext cx="9601200" cy="3581400"/>
+          </a:xfrm>
+        </p:spPr>
+        <p:txBody>
+          <a:bodyPr/>
+          <a:lstStyle/>
+          <a:p>
+            <a:r>
+              <a:rPr lang="ru-RU" dirty="0"/>
+              <a:t>В </a:t>
+            </a:r>
+            <a:r>
+              <a:rPr lang="ru-RU" dirty="0" smtClean="0"/>
+              <a:t>примере </a:t>
+            </a:r>
+            <a:r>
+              <a:rPr lang="ru-RU" dirty="0"/>
+              <a:t>мы отображали данные по экспорту за разные года, однако точечный тип не очень подходит для данного типа графика, поскольку он показывает динамику изменения. А это означает, что желательно соединить точки линиями. Для этого используем геометрию </a:t>
+            </a:r>
+            <a:r>
+              <a:rPr lang="ru-RU" dirty="0" err="1"/>
+              <a:t>geom_line</a:t>
+            </a:r>
+            <a:r>
+              <a:rPr lang="ru-RU" dirty="0"/>
+              <a:t>():</a:t>
+            </a:r>
+          </a:p>
+        </p:txBody>
+      </p:sp>
+      <p:pic>
+        <p:nvPicPr>
+          <p:cNvPr id="5" name="Рисунок 4"/>
+          <p:cNvPicPr>
+            <a:picLocks noChangeAspect="1"/>
+          </p:cNvPicPr>
+          <p:nvPr/>
+        </p:nvPicPr>
+        <p:blipFill>
+          <a:blip r:embed="rId2"/>
+          <a:stretch>
+            <a:fillRect/>
+          </a:stretch>
+        </p:blipFill>
+        <p:spPr>
+          <a:xfrm>
+            <a:off x="2322628" y="3233391"/>
+            <a:ext cx="8650036" cy="1164042"/>
+          </a:xfrm>
+          <a:prstGeom prst="rect">
+            <a:avLst/>
+          </a:prstGeom>
+        </p:spPr>
+      </p:pic>
+    </p:spTree>
+    <p:extLst>
+      <p:ext uri="{BB962C8B-B14F-4D97-AF65-F5344CB8AC3E}">
+        <p14:creationId xmlns:p14="http://schemas.microsoft.com/office/powerpoint/2010/main" val="3350636230"/>
+      </p:ext>
+    </p:extLst>
+  </p:cSld>
+  <p:clrMapOvr>
+    <a:masterClrMapping/>
+  </p:clrMapOvr>
+</p:sld>
+</file>
+
 <file path=ppt/slides/slide5.xml><?xml version="1.0" encoding="utf-8"?>
 <p:sld xmlns:a="http://schemas.openxmlformats.org/drawingml/2006/main" xmlns:r="http://schemas.openxmlformats.org/officeDocument/2006/relationships" xmlns:p="http://schemas.openxmlformats.org/presentationml/2006/main">
   <p:cSld>
@@ -8424,6 +9078,734 @@
       </p:par>
     </p:tnLst>
   </p:timing>
+</p:sld>
+</file>
+
+<file path=ppt/slides/slide50.xml><?xml version="1.0" encoding="utf-8"?>
+<p:sld xmlns:a="http://schemas.openxmlformats.org/drawingml/2006/main" xmlns:r="http://schemas.openxmlformats.org/officeDocument/2006/relationships" xmlns:p="http://schemas.openxmlformats.org/presentationml/2006/main">
+  <p:cSld>
+    <p:spTree>
+      <p:nvGrpSpPr>
+        <p:cNvPr id="1" name=""/>
+        <p:cNvGrpSpPr/>
+        <p:nvPr/>
+      </p:nvGrpSpPr>
+      <p:grpSpPr>
+        <a:xfrm>
+          <a:off x="0" y="0"/>
+          <a:ext cx="0" cy="0"/>
+          <a:chOff x="0" y="0"/>
+          <a:chExt cx="0" cy="0"/>
+        </a:xfrm>
+      </p:grpSpPr>
+      <p:sp>
+        <p:nvSpPr>
+          <p:cNvPr id="2" name="Заголовок 1"/>
+          <p:cNvSpPr>
+            <a:spLocks noGrp="1"/>
+          </p:cNvSpPr>
+          <p:nvPr>
+            <p:ph type="title"/>
+          </p:nvPr>
+        </p:nvSpPr>
+        <p:spPr/>
+        <p:txBody>
+          <a:bodyPr/>
+          <a:lstStyle/>
+          <a:p>
+            <a:endParaRPr lang="ru-RU" dirty="0"/>
+          </a:p>
+        </p:txBody>
+      </p:sp>
+      <p:sp>
+        <p:nvSpPr>
+          <p:cNvPr id="3" name="Объект 2"/>
+          <p:cNvSpPr>
+            <a:spLocks noGrp="1"/>
+          </p:cNvSpPr>
+          <p:nvPr>
+            <p:ph idx="1"/>
+          </p:nvPr>
+        </p:nvSpPr>
+        <p:spPr/>
+        <p:txBody>
+          <a:bodyPr/>
+          <a:lstStyle/>
+          <a:p>
+            <a:endParaRPr lang="ru-RU"/>
+          </a:p>
+        </p:txBody>
+      </p:sp>
+      <p:pic>
+        <p:nvPicPr>
+          <p:cNvPr id="4" name="Рисунок 3"/>
+          <p:cNvPicPr>
+            <a:picLocks noChangeAspect="1"/>
+          </p:cNvPicPr>
+          <p:nvPr/>
+        </p:nvPicPr>
+        <p:blipFill>
+          <a:blip r:embed="rId2"/>
+          <a:stretch>
+            <a:fillRect/>
+          </a:stretch>
+        </p:blipFill>
+        <p:spPr>
+          <a:xfrm>
+            <a:off x="1959465" y="157942"/>
+            <a:ext cx="8888644" cy="6441414"/>
+          </a:xfrm>
+          <a:prstGeom prst="rect">
+            <a:avLst/>
+          </a:prstGeom>
+        </p:spPr>
+      </p:pic>
+    </p:spTree>
+    <p:extLst>
+      <p:ext uri="{BB962C8B-B14F-4D97-AF65-F5344CB8AC3E}">
+        <p14:creationId xmlns:p14="http://schemas.microsoft.com/office/powerpoint/2010/main" val="1566949552"/>
+      </p:ext>
+    </p:extLst>
+  </p:cSld>
+  <p:clrMapOvr>
+    <a:masterClrMapping/>
+  </p:clrMapOvr>
+</p:sld>
+</file>
+
+<file path=ppt/slides/slide51.xml><?xml version="1.0" encoding="utf-8"?>
+<p:sld xmlns:a="http://schemas.openxmlformats.org/drawingml/2006/main" xmlns:r="http://schemas.openxmlformats.org/officeDocument/2006/relationships" xmlns:p="http://schemas.openxmlformats.org/presentationml/2006/main">
+  <p:cSld>
+    <p:spTree>
+      <p:nvGrpSpPr>
+        <p:cNvPr id="1" name=""/>
+        <p:cNvGrpSpPr/>
+        <p:nvPr/>
+      </p:nvGrpSpPr>
+      <p:grpSpPr>
+        <a:xfrm>
+          <a:off x="0" y="0"/>
+          <a:ext cx="0" cy="0"/>
+          <a:chOff x="0" y="0"/>
+          <a:chExt cx="0" cy="0"/>
+        </a:xfrm>
+      </p:grpSpPr>
+      <p:pic>
+        <p:nvPicPr>
+          <p:cNvPr id="4" name="Рисунок 3"/>
+          <p:cNvPicPr>
+            <a:picLocks noChangeAspect="1"/>
+          </p:cNvPicPr>
+          <p:nvPr/>
+        </p:nvPicPr>
+        <p:blipFill>
+          <a:blip r:embed="rId2"/>
+          <a:stretch>
+            <a:fillRect/>
+          </a:stretch>
+        </p:blipFill>
+        <p:spPr>
+          <a:xfrm>
+            <a:off x="3133897" y="207732"/>
+            <a:ext cx="5644344" cy="728730"/>
+          </a:xfrm>
+          <a:prstGeom prst="rect">
+            <a:avLst/>
+          </a:prstGeom>
+        </p:spPr>
+      </p:pic>
+      <p:pic>
+        <p:nvPicPr>
+          <p:cNvPr id="5" name="Рисунок 4"/>
+          <p:cNvPicPr>
+            <a:picLocks noChangeAspect="1"/>
+          </p:cNvPicPr>
+          <p:nvPr/>
+        </p:nvPicPr>
+        <p:blipFill>
+          <a:blip r:embed="rId3"/>
+          <a:stretch>
+            <a:fillRect/>
+          </a:stretch>
+        </p:blipFill>
+        <p:spPr>
+          <a:xfrm>
+            <a:off x="2383329" y="1020299"/>
+            <a:ext cx="7891202" cy="5695486"/>
+          </a:xfrm>
+          <a:prstGeom prst="rect">
+            <a:avLst/>
+          </a:prstGeom>
+        </p:spPr>
+      </p:pic>
+    </p:spTree>
+    <p:extLst>
+      <p:ext uri="{BB962C8B-B14F-4D97-AF65-F5344CB8AC3E}">
+        <p14:creationId xmlns:p14="http://schemas.microsoft.com/office/powerpoint/2010/main" val="162232202"/>
+      </p:ext>
+    </p:extLst>
+  </p:cSld>
+  <p:clrMapOvr>
+    <a:masterClrMapping/>
+  </p:clrMapOvr>
+</p:sld>
+</file>
+
+<file path=ppt/slides/slide52.xml><?xml version="1.0" encoding="utf-8"?>
+<p:sld xmlns:a="http://schemas.openxmlformats.org/drawingml/2006/main" xmlns:r="http://schemas.openxmlformats.org/officeDocument/2006/relationships" xmlns:p="http://schemas.openxmlformats.org/presentationml/2006/main">
+  <p:cSld>
+    <p:spTree>
+      <p:nvGrpSpPr>
+        <p:cNvPr id="1" name=""/>
+        <p:cNvGrpSpPr/>
+        <p:nvPr/>
+      </p:nvGrpSpPr>
+      <p:grpSpPr>
+        <a:xfrm>
+          <a:off x="0" y="0"/>
+          <a:ext cx="0" cy="0"/>
+          <a:chOff x="0" y="0"/>
+          <a:chExt cx="0" cy="0"/>
+        </a:xfrm>
+      </p:grpSpPr>
+      <p:sp>
+        <p:nvSpPr>
+          <p:cNvPr id="3" name="Объект 2"/>
+          <p:cNvSpPr>
+            <a:spLocks noGrp="1"/>
+          </p:cNvSpPr>
+          <p:nvPr>
+            <p:ph idx="1"/>
+          </p:nvPr>
+        </p:nvSpPr>
+        <p:spPr>
+          <a:xfrm>
+            <a:off x="1695797" y="83128"/>
+            <a:ext cx="9601200" cy="3581400"/>
+          </a:xfrm>
+        </p:spPr>
+        <p:txBody>
+          <a:bodyPr/>
+          <a:lstStyle/>
+          <a:p>
+            <a:r>
+              <a:rPr lang="ru-RU" dirty="0"/>
+              <a:t>Можно совместить несколько геометрий, добавив их последовательно на график:</a:t>
+            </a:r>
+            <a:endParaRPr lang="ru-RU" dirty="0"/>
+          </a:p>
+        </p:txBody>
+      </p:sp>
+      <p:pic>
+        <p:nvPicPr>
+          <p:cNvPr id="4" name="Рисунок 3"/>
+          <p:cNvPicPr>
+            <a:picLocks noChangeAspect="1"/>
+          </p:cNvPicPr>
+          <p:nvPr/>
+        </p:nvPicPr>
+        <p:blipFill>
+          <a:blip r:embed="rId2"/>
+          <a:stretch>
+            <a:fillRect/>
+          </a:stretch>
+        </p:blipFill>
+        <p:spPr>
+          <a:xfrm>
+            <a:off x="3475240" y="881106"/>
+            <a:ext cx="5764806" cy="944447"/>
+          </a:xfrm>
+          <a:prstGeom prst="rect">
+            <a:avLst/>
+          </a:prstGeom>
+        </p:spPr>
+      </p:pic>
+      <p:pic>
+        <p:nvPicPr>
+          <p:cNvPr id="5" name="Рисунок 4"/>
+          <p:cNvPicPr>
+            <a:picLocks noChangeAspect="1"/>
+          </p:cNvPicPr>
+          <p:nvPr/>
+        </p:nvPicPr>
+        <p:blipFill>
+          <a:blip r:embed="rId3"/>
+          <a:stretch>
+            <a:fillRect/>
+          </a:stretch>
+        </p:blipFill>
+        <p:spPr>
+          <a:xfrm>
+            <a:off x="2745624" y="1873828"/>
+            <a:ext cx="7196397" cy="4819650"/>
+          </a:xfrm>
+          <a:prstGeom prst="rect">
+            <a:avLst/>
+          </a:prstGeom>
+        </p:spPr>
+      </p:pic>
+    </p:spTree>
+    <p:extLst>
+      <p:ext uri="{BB962C8B-B14F-4D97-AF65-F5344CB8AC3E}">
+        <p14:creationId xmlns:p14="http://schemas.microsoft.com/office/powerpoint/2010/main" val="2104982009"/>
+      </p:ext>
+    </p:extLst>
+  </p:cSld>
+  <p:clrMapOvr>
+    <a:masterClrMapping/>
+  </p:clrMapOvr>
+</p:sld>
+</file>
+
+<file path=ppt/slides/slide53.xml><?xml version="1.0" encoding="utf-8"?>
+<p:sld xmlns:a="http://schemas.openxmlformats.org/drawingml/2006/main" xmlns:r="http://schemas.openxmlformats.org/officeDocument/2006/relationships" xmlns:p="http://schemas.openxmlformats.org/presentationml/2006/main">
+  <p:cSld>
+    <p:spTree>
+      <p:nvGrpSpPr>
+        <p:cNvPr id="1" name=""/>
+        <p:cNvGrpSpPr/>
+        <p:nvPr/>
+      </p:nvGrpSpPr>
+      <p:grpSpPr>
+        <a:xfrm>
+          <a:off x="0" y="0"/>
+          <a:ext cx="0" cy="0"/>
+          <a:chOff x="0" y="0"/>
+          <a:chExt cx="0" cy="0"/>
+        </a:xfrm>
+      </p:grpSpPr>
+      <p:sp>
+        <p:nvSpPr>
+          <p:cNvPr id="3" name="Объект 2"/>
+          <p:cNvSpPr>
+            <a:spLocks noGrp="1"/>
+          </p:cNvSpPr>
+          <p:nvPr>
+            <p:ph idx="1"/>
+          </p:nvPr>
+        </p:nvSpPr>
+        <p:spPr>
+          <a:xfrm>
+            <a:off x="1346662" y="174567"/>
+            <a:ext cx="9601200" cy="3581400"/>
+          </a:xfrm>
+        </p:spPr>
+        <p:txBody>
+          <a:bodyPr/>
+          <a:lstStyle/>
+          <a:p>
+            <a:r>
+              <a:rPr lang="ru-RU" dirty="0"/>
+              <a:t>Если у нескольких геометрий одинаковые отображения, их можно вынести в вызов функции </a:t>
+            </a:r>
+            <a:r>
+              <a:rPr lang="ru-RU" dirty="0" err="1"/>
+              <a:t>ggplot</a:t>
+            </a:r>
+            <a:r>
+              <a:rPr lang="ru-RU" dirty="0"/>
+              <a:t>() (чтобы не дублировать):</a:t>
+            </a:r>
+          </a:p>
+        </p:txBody>
+      </p:sp>
+      <p:pic>
+        <p:nvPicPr>
+          <p:cNvPr id="5" name="Рисунок 4"/>
+          <p:cNvPicPr>
+            <a:picLocks noChangeAspect="1"/>
+          </p:cNvPicPr>
+          <p:nvPr/>
+        </p:nvPicPr>
+        <p:blipFill>
+          <a:blip r:embed="rId2"/>
+          <a:stretch>
+            <a:fillRect/>
+          </a:stretch>
+        </p:blipFill>
+        <p:spPr>
+          <a:xfrm>
+            <a:off x="3006802" y="896217"/>
+            <a:ext cx="6425372" cy="849456"/>
+          </a:xfrm>
+          <a:prstGeom prst="rect">
+            <a:avLst/>
+          </a:prstGeom>
+        </p:spPr>
+      </p:pic>
+      <p:pic>
+        <p:nvPicPr>
+          <p:cNvPr id="6" name="Рисунок 5"/>
+          <p:cNvPicPr>
+            <a:picLocks noChangeAspect="1"/>
+          </p:cNvPicPr>
+          <p:nvPr/>
+        </p:nvPicPr>
+        <p:blipFill>
+          <a:blip r:embed="rId3"/>
+          <a:stretch>
+            <a:fillRect/>
+          </a:stretch>
+        </p:blipFill>
+        <p:spPr>
+          <a:xfrm>
+            <a:off x="2726573" y="1845425"/>
+            <a:ext cx="7157259" cy="4772025"/>
+          </a:xfrm>
+          <a:prstGeom prst="rect">
+            <a:avLst/>
+          </a:prstGeom>
+        </p:spPr>
+      </p:pic>
+    </p:spTree>
+    <p:extLst>
+      <p:ext uri="{BB962C8B-B14F-4D97-AF65-F5344CB8AC3E}">
+        <p14:creationId xmlns:p14="http://schemas.microsoft.com/office/powerpoint/2010/main" val="95417672"/>
+      </p:ext>
+    </p:extLst>
+  </p:cSld>
+  <p:clrMapOvr>
+    <a:masterClrMapping/>
+  </p:clrMapOvr>
+</p:sld>
+</file>
+
+<file path=ppt/slides/slide54.xml><?xml version="1.0" encoding="utf-8"?>
+<p:sld xmlns:a="http://schemas.openxmlformats.org/drawingml/2006/main" xmlns:r="http://schemas.openxmlformats.org/officeDocument/2006/relationships" xmlns:p="http://schemas.openxmlformats.org/presentationml/2006/main">
+  <p:cSld>
+    <p:spTree>
+      <p:nvGrpSpPr>
+        <p:cNvPr id="1" name=""/>
+        <p:cNvGrpSpPr/>
+        <p:nvPr/>
+      </p:nvGrpSpPr>
+      <p:grpSpPr>
+        <a:xfrm>
+          <a:off x="0" y="0"/>
+          <a:ext cx="0" cy="0"/>
+          <a:chOff x="0" y="0"/>
+          <a:chExt cx="0" cy="0"/>
+        </a:xfrm>
+      </p:grpSpPr>
+      <p:sp>
+        <p:nvSpPr>
+          <p:cNvPr id="3" name="Объект 2"/>
+          <p:cNvSpPr>
+            <a:spLocks noGrp="1"/>
+          </p:cNvSpPr>
+          <p:nvPr>
+            <p:ph idx="1"/>
+          </p:nvPr>
+        </p:nvSpPr>
+        <p:spPr>
+          <a:xfrm>
+            <a:off x="1612669" y="99753"/>
+            <a:ext cx="9601200" cy="3581400"/>
+          </a:xfrm>
+        </p:spPr>
+        <p:txBody>
+          <a:bodyPr/>
+          <a:lstStyle/>
+          <a:p>
+            <a:r>
+              <a:rPr lang="ru-RU" dirty="0"/>
+              <a:t>Наглядность линейного графика можно усилить, добавив “заливку” области с использованием </a:t>
+            </a:r>
+            <a:r>
+              <a:rPr lang="ru-RU" dirty="0" err="1"/>
+              <a:t>geom_area</a:t>
+            </a:r>
+            <a:r>
+              <a:rPr lang="ru-RU" dirty="0"/>
+              <a:t>():</a:t>
+            </a:r>
+          </a:p>
+        </p:txBody>
+      </p:sp>
+      <p:pic>
+        <p:nvPicPr>
+          <p:cNvPr id="5" name="Рисунок 4"/>
+          <p:cNvPicPr>
+            <a:picLocks noChangeAspect="1"/>
+          </p:cNvPicPr>
+          <p:nvPr/>
+        </p:nvPicPr>
+        <p:blipFill>
+          <a:blip r:embed="rId2"/>
+          <a:stretch>
+            <a:fillRect/>
+          </a:stretch>
+        </p:blipFill>
+        <p:spPr>
+          <a:xfrm>
+            <a:off x="2952404" y="777846"/>
+            <a:ext cx="6275420" cy="1113039"/>
+          </a:xfrm>
+          <a:prstGeom prst="rect">
+            <a:avLst/>
+          </a:prstGeom>
+        </p:spPr>
+      </p:pic>
+      <p:pic>
+        <p:nvPicPr>
+          <p:cNvPr id="6" name="Рисунок 5"/>
+          <p:cNvPicPr>
+            <a:picLocks noChangeAspect="1"/>
+          </p:cNvPicPr>
+          <p:nvPr/>
+        </p:nvPicPr>
+        <p:blipFill>
+          <a:blip r:embed="rId3"/>
+          <a:stretch>
+            <a:fillRect/>
+          </a:stretch>
+        </p:blipFill>
+        <p:spPr>
+          <a:xfrm>
+            <a:off x="2205038" y="1958946"/>
+            <a:ext cx="7329660" cy="4800600"/>
+          </a:xfrm>
+          <a:prstGeom prst="rect">
+            <a:avLst/>
+          </a:prstGeom>
+        </p:spPr>
+      </p:pic>
+    </p:spTree>
+    <p:extLst>
+      <p:ext uri="{BB962C8B-B14F-4D97-AF65-F5344CB8AC3E}">
+        <p14:creationId xmlns:p14="http://schemas.microsoft.com/office/powerpoint/2010/main" val="3392548354"/>
+      </p:ext>
+    </p:extLst>
+  </p:cSld>
+  <p:clrMapOvr>
+    <a:masterClrMapping/>
+  </p:clrMapOvr>
+</p:sld>
+</file>
+
+<file path=ppt/slides/slide55.xml><?xml version="1.0" encoding="utf-8"?>
+<p:sld xmlns:a="http://schemas.openxmlformats.org/drawingml/2006/main" xmlns:r="http://schemas.openxmlformats.org/officeDocument/2006/relationships" xmlns:p="http://schemas.openxmlformats.org/presentationml/2006/main">
+  <p:cSld>
+    <p:spTree>
+      <p:nvGrpSpPr>
+        <p:cNvPr id="1" name=""/>
+        <p:cNvGrpSpPr/>
+        <p:nvPr/>
+      </p:nvGrpSpPr>
+      <p:grpSpPr>
+        <a:xfrm>
+          <a:off x="0" y="0"/>
+          <a:ext cx="0" cy="0"/>
+          <a:chOff x="0" y="0"/>
+          <a:chExt cx="0" cy="0"/>
+        </a:xfrm>
+      </p:grpSpPr>
+      <p:sp>
+        <p:nvSpPr>
+          <p:cNvPr id="7" name="Объект 6"/>
+          <p:cNvSpPr>
+            <a:spLocks noGrp="1"/>
+          </p:cNvSpPr>
+          <p:nvPr>
+            <p:ph idx="1"/>
+          </p:nvPr>
+        </p:nvSpPr>
+        <p:spPr>
+          <a:xfrm>
+            <a:off x="1537854" y="99753"/>
+            <a:ext cx="9601200" cy="3581400"/>
+          </a:xfrm>
+        </p:spPr>
+        <p:txBody>
+          <a:bodyPr/>
+          <a:lstStyle/>
+          <a:p>
+            <a:r>
+              <a:rPr lang="ru-RU" dirty="0"/>
+              <a:t>Для построения столбчатой диаграммы следует использовать геометрию </a:t>
+            </a:r>
+            <a:r>
+              <a:rPr lang="ru-RU" dirty="0" err="1"/>
+              <a:t>geom_col</a:t>
+            </a:r>
+            <a:r>
+              <a:rPr lang="ru-RU" dirty="0"/>
+              <a:t>()</a:t>
+            </a:r>
+          </a:p>
+        </p:txBody>
+      </p:sp>
+      <p:pic>
+        <p:nvPicPr>
+          <p:cNvPr id="9" name="Рисунок 8"/>
+          <p:cNvPicPr>
+            <a:picLocks noChangeAspect="1"/>
+          </p:cNvPicPr>
+          <p:nvPr/>
+        </p:nvPicPr>
+        <p:blipFill>
+          <a:blip r:embed="rId2"/>
+          <a:stretch>
+            <a:fillRect/>
+          </a:stretch>
+        </p:blipFill>
+        <p:spPr>
+          <a:xfrm>
+            <a:off x="3234689" y="943147"/>
+            <a:ext cx="6151367" cy="328699"/>
+          </a:xfrm>
+          <a:prstGeom prst="rect">
+            <a:avLst/>
+          </a:prstGeom>
+        </p:spPr>
+      </p:pic>
+      <p:pic>
+        <p:nvPicPr>
+          <p:cNvPr id="10" name="Рисунок 9"/>
+          <p:cNvPicPr>
+            <a:picLocks noChangeAspect="1"/>
+          </p:cNvPicPr>
+          <p:nvPr/>
+        </p:nvPicPr>
+        <p:blipFill>
+          <a:blip r:embed="rId3"/>
+          <a:stretch>
+            <a:fillRect/>
+          </a:stretch>
+        </p:blipFill>
+        <p:spPr>
+          <a:xfrm>
+            <a:off x="2504468" y="1384934"/>
+            <a:ext cx="7545619" cy="5400401"/>
+          </a:xfrm>
+          <a:prstGeom prst="rect">
+            <a:avLst/>
+          </a:prstGeom>
+        </p:spPr>
+      </p:pic>
+    </p:spTree>
+    <p:extLst>
+      <p:ext uri="{BB962C8B-B14F-4D97-AF65-F5344CB8AC3E}">
+        <p14:creationId xmlns:p14="http://schemas.microsoft.com/office/powerpoint/2010/main" val="3445781135"/>
+      </p:ext>
+    </p:extLst>
+  </p:cSld>
+  <p:clrMapOvr>
+    <a:masterClrMapping/>
+  </p:clrMapOvr>
+</p:sld>
+</file>
+
+<file path=ppt/slides/slide56.xml><?xml version="1.0" encoding="utf-8"?>
+<p:sld xmlns:a="http://schemas.openxmlformats.org/drawingml/2006/main" xmlns:r="http://schemas.openxmlformats.org/officeDocument/2006/relationships" xmlns:p="http://schemas.openxmlformats.org/presentationml/2006/main">
+  <p:cSld>
+    <p:spTree>
+      <p:nvGrpSpPr>
+        <p:cNvPr id="1" name=""/>
+        <p:cNvGrpSpPr/>
+        <p:nvPr/>
+      </p:nvGrpSpPr>
+      <p:grpSpPr>
+        <a:xfrm>
+          <a:off x="0" y="0"/>
+          <a:ext cx="0" cy="0"/>
+          <a:chOff x="0" y="0"/>
+          <a:chExt cx="0" cy="0"/>
+        </a:xfrm>
+      </p:grpSpPr>
+      <p:sp>
+        <p:nvSpPr>
+          <p:cNvPr id="3" name="Объект 2"/>
+          <p:cNvSpPr>
+            <a:spLocks noGrp="1"/>
+          </p:cNvSpPr>
+          <p:nvPr>
+            <p:ph idx="1"/>
+          </p:nvPr>
+        </p:nvSpPr>
+        <p:spPr>
+          <a:xfrm>
+            <a:off x="1820487" y="74815"/>
+            <a:ext cx="9601200" cy="3581400"/>
+          </a:xfrm>
+        </p:spPr>
+        <p:txBody>
+          <a:bodyPr/>
+          <a:lstStyle/>
+          <a:p>
+            <a:r>
+              <a:rPr lang="ru-RU" dirty="0"/>
+              <a:t>Развернуть диаграмму можно, используя функцию </a:t>
+            </a:r>
+            <a:r>
+              <a:rPr lang="ru-RU" dirty="0" err="1"/>
+              <a:t>coord_flip</a:t>
+            </a:r>
+            <a:r>
+              <a:rPr lang="ru-RU" dirty="0"/>
+              <a:t>():</a:t>
+            </a:r>
+          </a:p>
+        </p:txBody>
+      </p:sp>
+      <p:pic>
+        <p:nvPicPr>
+          <p:cNvPr id="6" name="Рисунок 5"/>
+          <p:cNvPicPr>
+            <a:picLocks noChangeAspect="1"/>
+          </p:cNvPicPr>
+          <p:nvPr/>
+        </p:nvPicPr>
+        <p:blipFill>
+          <a:blip r:embed="rId2"/>
+          <a:stretch>
+            <a:fillRect/>
+          </a:stretch>
+        </p:blipFill>
+        <p:spPr>
+          <a:xfrm>
+            <a:off x="2368433" y="638780"/>
+            <a:ext cx="7180997" cy="616441"/>
+          </a:xfrm>
+          <a:prstGeom prst="rect">
+            <a:avLst/>
+          </a:prstGeom>
+        </p:spPr>
+      </p:pic>
+      <p:pic>
+        <p:nvPicPr>
+          <p:cNvPr id="7" name="Рисунок 6"/>
+          <p:cNvPicPr>
+            <a:picLocks noChangeAspect="1"/>
+          </p:cNvPicPr>
+          <p:nvPr/>
+        </p:nvPicPr>
+        <p:blipFill>
+          <a:blip r:embed="rId3"/>
+          <a:stretch>
+            <a:fillRect/>
+          </a:stretch>
+        </p:blipFill>
+        <p:spPr>
+          <a:xfrm>
+            <a:off x="2242097" y="1341033"/>
+            <a:ext cx="7415398" cy="5320892"/>
+          </a:xfrm>
+          <a:prstGeom prst="rect">
+            <a:avLst/>
+          </a:prstGeom>
+        </p:spPr>
+      </p:pic>
+    </p:spTree>
+    <p:extLst>
+      <p:ext uri="{BB962C8B-B14F-4D97-AF65-F5344CB8AC3E}">
+        <p14:creationId xmlns:p14="http://schemas.microsoft.com/office/powerpoint/2010/main" val="3465992080"/>
+      </p:ext>
+    </p:extLst>
+  </p:cSld>
+  <p:clrMapOvr>
+    <a:masterClrMapping/>
+  </p:clrMapOvr>
 </p:sld>
 </file>
 

--- a/Course4/Matan/Samusev_Visualization_R.pptx
+++ b/Course4/Matan/Samusev_Visualization_R.pptx
@@ -61,6 +61,17 @@
     <p:sldId id="309" r:id="rId55"/>
     <p:sldId id="310" r:id="rId56"/>
     <p:sldId id="311" r:id="rId57"/>
+    <p:sldId id="312" r:id="rId58"/>
+    <p:sldId id="313" r:id="rId59"/>
+    <p:sldId id="314" r:id="rId60"/>
+    <p:sldId id="315" r:id="rId61"/>
+    <p:sldId id="316" r:id="rId62"/>
+    <p:sldId id="317" r:id="rId63"/>
+    <p:sldId id="318" r:id="rId64"/>
+    <p:sldId id="319" r:id="rId65"/>
+    <p:sldId id="320" r:id="rId66"/>
+    <p:sldId id="321" r:id="rId67"/>
+    <p:sldId id="322" r:id="rId68"/>
   </p:sldIdLst>
   <p:sldSz cx="12192000" cy="6858000"/>
   <p:notesSz cx="6858000" cy="9144000"/>
@@ -336,7 +347,7 @@
           <a:p>
             <a:fld id="{A7614E69-9826-4E8F-9446-982D9F5B3700}" type="datetimeFigureOut">
               <a:rPr lang="ru-RU" smtClean="0"/>
-              <a:t>04.10.2021</a:t>
+              <a:t>12.10.2021</a:t>
             </a:fld>
             <a:endParaRPr lang="ru-RU"/>
           </a:p>
@@ -666,7 +677,7 @@
           <a:p>
             <a:fld id="{A7614E69-9826-4E8F-9446-982D9F5B3700}" type="datetimeFigureOut">
               <a:rPr lang="ru-RU" smtClean="0"/>
-              <a:t>04.10.2021</a:t>
+              <a:t>12.10.2021</a:t>
             </a:fld>
             <a:endParaRPr lang="ru-RU"/>
           </a:p>
@@ -846,7 +857,7 @@
           <a:p>
             <a:fld id="{A7614E69-9826-4E8F-9446-982D9F5B3700}" type="datetimeFigureOut">
               <a:rPr lang="ru-RU" smtClean="0"/>
-              <a:t>04.10.2021</a:t>
+              <a:t>12.10.2021</a:t>
             </a:fld>
             <a:endParaRPr lang="ru-RU"/>
           </a:p>
@@ -1016,7 +1027,7 @@
           <a:p>
             <a:fld id="{A7614E69-9826-4E8F-9446-982D9F5B3700}" type="datetimeFigureOut">
               <a:rPr lang="ru-RU" smtClean="0"/>
-              <a:t>04.10.2021</a:t>
+              <a:t>12.10.2021</a:t>
             </a:fld>
             <a:endParaRPr lang="ru-RU"/>
           </a:p>
@@ -1293,7 +1304,7 @@
           <a:p>
             <a:fld id="{A7614E69-9826-4E8F-9446-982D9F5B3700}" type="datetimeFigureOut">
               <a:rPr lang="ru-RU" smtClean="0"/>
-              <a:t>04.10.2021</a:t>
+              <a:t>12.10.2021</a:t>
             </a:fld>
             <a:endParaRPr lang="ru-RU"/>
           </a:p>
@@ -1687,7 +1698,7 @@
           <a:p>
             <a:fld id="{A7614E69-9826-4E8F-9446-982D9F5B3700}" type="datetimeFigureOut">
               <a:rPr lang="ru-RU" smtClean="0"/>
-              <a:t>04.10.2021</a:t>
+              <a:t>12.10.2021</a:t>
             </a:fld>
             <a:endParaRPr lang="ru-RU"/>
           </a:p>
@@ -2164,7 +2175,7 @@
           <a:p>
             <a:fld id="{A7614E69-9826-4E8F-9446-982D9F5B3700}" type="datetimeFigureOut">
               <a:rPr lang="ru-RU" smtClean="0"/>
-              <a:t>04.10.2021</a:t>
+              <a:t>12.10.2021</a:t>
             </a:fld>
             <a:endParaRPr lang="ru-RU"/>
           </a:p>
@@ -2282,7 +2293,7 @@
           <a:p>
             <a:fld id="{A7614E69-9826-4E8F-9446-982D9F5B3700}" type="datetimeFigureOut">
               <a:rPr lang="ru-RU" smtClean="0"/>
-              <a:t>04.10.2021</a:t>
+              <a:t>12.10.2021</a:t>
             </a:fld>
             <a:endParaRPr lang="ru-RU"/>
           </a:p>
@@ -2377,7 +2388,7 @@
           <a:p>
             <a:fld id="{A7614E69-9826-4E8F-9446-982D9F5B3700}" type="datetimeFigureOut">
               <a:rPr lang="ru-RU" smtClean="0"/>
-              <a:t>04.10.2021</a:t>
+              <a:t>12.10.2021</a:t>
             </a:fld>
             <a:endParaRPr lang="ru-RU"/>
           </a:p>
@@ -2723,7 +2734,7 @@
           <a:p>
             <a:fld id="{A7614E69-9826-4E8F-9446-982D9F5B3700}" type="datetimeFigureOut">
               <a:rPr lang="ru-RU" smtClean="0"/>
-              <a:t>04.10.2021</a:t>
+              <a:t>12.10.2021</a:t>
             </a:fld>
             <a:endParaRPr lang="ru-RU"/>
           </a:p>
@@ -3111,7 +3122,7 @@
           <a:p>
             <a:fld id="{A7614E69-9826-4E8F-9446-982D9F5B3700}" type="datetimeFigureOut">
               <a:rPr lang="ru-RU" smtClean="0"/>
-              <a:t>04.10.2021</a:t>
+              <a:t>12.10.2021</a:t>
             </a:fld>
             <a:endParaRPr lang="ru-RU"/>
           </a:p>
@@ -3389,7 +3400,7 @@
           <a:p>
             <a:fld id="{A7614E69-9826-4E8F-9446-982D9F5B3700}" type="datetimeFigureOut">
               <a:rPr lang="ru-RU" smtClean="0"/>
-              <a:t>04.10.2021</a:t>
+              <a:t>12.10.2021</a:t>
             </a:fld>
             <a:endParaRPr lang="ru-RU"/>
           </a:p>
@@ -8751,7 +8762,6 @@
               <a:rPr lang="ru-RU" dirty="0"/>
               <a:t> выглядит следующим образом:</a:t>
             </a:r>
-            <a:endParaRPr lang="ru-RU" dirty="0"/>
           </a:p>
         </p:txBody>
       </p:sp>
@@ -9292,7 +9302,6 @@
               <a:rPr lang="ru-RU" dirty="0"/>
               <a:t>Можно совместить несколько геометрий, добавив их последовательно на график:</a:t>
             </a:r>
-            <a:endParaRPr lang="ru-RU" dirty="0"/>
           </a:p>
         </p:txBody>
       </p:sp>
@@ -9809,6 +9818,320 @@
 </p:sld>
 </file>
 
+<file path=ppt/slides/slide57.xml><?xml version="1.0" encoding="utf-8"?>
+<p:sld xmlns:a="http://schemas.openxmlformats.org/drawingml/2006/main" xmlns:r="http://schemas.openxmlformats.org/officeDocument/2006/relationships" xmlns:p="http://schemas.openxmlformats.org/presentationml/2006/main">
+  <p:cSld>
+    <p:spTree>
+      <p:nvGrpSpPr>
+        <p:cNvPr id="1" name=""/>
+        <p:cNvGrpSpPr/>
+        <p:nvPr/>
+      </p:nvGrpSpPr>
+      <p:grpSpPr>
+        <a:xfrm>
+          <a:off x="0" y="0"/>
+          <a:ext cx="0" cy="0"/>
+          <a:chOff x="0" y="0"/>
+          <a:chExt cx="0" cy="0"/>
+        </a:xfrm>
+      </p:grpSpPr>
+      <p:sp>
+        <p:nvSpPr>
+          <p:cNvPr id="2" name="Заголовок 1"/>
+          <p:cNvSpPr>
+            <a:spLocks noGrp="1"/>
+          </p:cNvSpPr>
+          <p:nvPr>
+            <p:ph type="title"/>
+          </p:nvPr>
+        </p:nvSpPr>
+        <p:spPr/>
+        <p:txBody>
+          <a:bodyPr>
+            <a:normAutofit fontScale="90000"/>
+          </a:bodyPr>
+          <a:lstStyle/>
+          <a:p>
+            <a:pPr algn="ctr"/>
+            <a:r>
+              <a:rPr lang="ru-RU" dirty="0"/>
+              <a:t>Графические переменные и группировки</a:t>
+            </a:r>
+            <a:br>
+              <a:rPr lang="ru-RU" dirty="0"/>
+            </a:br>
+            <a:endParaRPr lang="ru-RU" dirty="0"/>
+          </a:p>
+        </p:txBody>
+      </p:sp>
+      <p:sp>
+        <p:nvSpPr>
+          <p:cNvPr id="3" name="Объект 2"/>
+          <p:cNvSpPr>
+            <a:spLocks noGrp="1"/>
+          </p:cNvSpPr>
+          <p:nvPr>
+            <p:ph idx="1"/>
+          </p:nvPr>
+        </p:nvSpPr>
+        <p:spPr/>
+        <p:txBody>
+          <a:bodyPr/>
+          <a:lstStyle/>
+          <a:p>
+            <a:r>
+              <a:rPr lang="ru-RU" dirty="0"/>
+              <a:t>Графические переменные — это параметры, определяющие внешний вид символов. К ним относятся цвет (тон, насыщенность и светлота), размер, форма, ориентировка, внутренняя структура символа. В </a:t>
+            </a:r>
+            <a:r>
+              <a:rPr lang="ru-RU" dirty="0" err="1"/>
+              <a:t>ggplot</a:t>
+            </a:r>
+            <a:r>
+              <a:rPr lang="ru-RU" dirty="0"/>
+              <a:t> значения графических переменных могут быть едиными для всех измерений, а могут зависеть от величины измерений. С точки зрения управления здесь все просто: если вы хотите, чтобы какой-то графический параметр зависел от значения показателя, он должен быть указан внутри конструкции </a:t>
+            </a:r>
+            <a:r>
+              <a:rPr lang="ru-RU" dirty="0" err="1"/>
+              <a:t>mapping</a:t>
+            </a:r>
+            <a:r>
+              <a:rPr lang="ru-RU" dirty="0"/>
+              <a:t> = </a:t>
+            </a:r>
+            <a:r>
+              <a:rPr lang="ru-RU" dirty="0" err="1"/>
+              <a:t>aes</a:t>
+            </a:r>
+            <a:r>
+              <a:rPr lang="ru-RU" dirty="0"/>
+              <a:t>(...). Если необходимо, чтобы этот параметр был одинаковым для всех измерений, вы </a:t>
+            </a:r>
+            <a:r>
+              <a:rPr lang="ru-RU" dirty="0" smtClean="0"/>
+              <a:t> не должны передавать его </a:t>
+            </a:r>
+            <a:r>
+              <a:rPr lang="ru-RU" dirty="0"/>
+              <a:t>в </a:t>
+            </a:r>
+            <a:r>
+              <a:rPr lang="ru-RU" dirty="0" err="1"/>
+              <a:t>mapping</a:t>
+            </a:r>
+            <a:endParaRPr lang="ru-RU" dirty="0"/>
+          </a:p>
+        </p:txBody>
+      </p:sp>
+    </p:spTree>
+    <p:extLst>
+      <p:ext uri="{BB962C8B-B14F-4D97-AF65-F5344CB8AC3E}">
+        <p14:creationId xmlns:p14="http://schemas.microsoft.com/office/powerpoint/2010/main" val="3572733755"/>
+      </p:ext>
+    </p:extLst>
+  </p:cSld>
+  <p:clrMapOvr>
+    <a:masterClrMapping/>
+  </p:clrMapOvr>
+</p:sld>
+</file>
+
+<file path=ppt/slides/slide58.xml><?xml version="1.0" encoding="utf-8"?>
+<p:sld xmlns:a="http://schemas.openxmlformats.org/drawingml/2006/main" xmlns:r="http://schemas.openxmlformats.org/officeDocument/2006/relationships" xmlns:p="http://schemas.openxmlformats.org/presentationml/2006/main">
+  <p:cSld>
+    <p:spTree>
+      <p:nvGrpSpPr>
+        <p:cNvPr id="1" name=""/>
+        <p:cNvGrpSpPr/>
+        <p:nvPr/>
+      </p:nvGrpSpPr>
+      <p:grpSpPr>
+        <a:xfrm>
+          <a:off x="0" y="0"/>
+          <a:ext cx="0" cy="0"/>
+          <a:chOff x="0" y="0"/>
+          <a:chExt cx="0" cy="0"/>
+        </a:xfrm>
+      </p:grpSpPr>
+      <p:sp>
+        <p:nvSpPr>
+          <p:cNvPr id="2" name="Заголовок 1"/>
+          <p:cNvSpPr>
+            <a:spLocks noGrp="1"/>
+          </p:cNvSpPr>
+          <p:nvPr>
+            <p:ph type="title"/>
+          </p:nvPr>
+        </p:nvSpPr>
+        <p:spPr/>
+        <p:txBody>
+          <a:bodyPr/>
+          <a:lstStyle/>
+          <a:p>
+            <a:endParaRPr lang="ru-RU"/>
+          </a:p>
+        </p:txBody>
+      </p:sp>
+      <p:pic>
+        <p:nvPicPr>
+          <p:cNvPr id="6" name="Объект 5"/>
+          <p:cNvPicPr>
+            <a:picLocks noGrp="1" noChangeAspect="1"/>
+          </p:cNvPicPr>
+          <p:nvPr>
+            <p:ph idx="1"/>
+          </p:nvPr>
+        </p:nvPicPr>
+        <p:blipFill>
+          <a:blip r:embed="rId2"/>
+          <a:stretch>
+            <a:fillRect/>
+          </a:stretch>
+        </p:blipFill>
+        <p:spPr>
+          <a:xfrm>
+            <a:off x="2290866" y="885825"/>
+            <a:ext cx="8158231" cy="5782610"/>
+          </a:xfrm>
+          <a:prstGeom prst="rect">
+            <a:avLst/>
+          </a:prstGeom>
+        </p:spPr>
+      </p:pic>
+      <p:pic>
+        <p:nvPicPr>
+          <p:cNvPr id="5" name="Рисунок 4"/>
+          <p:cNvPicPr>
+            <a:picLocks noChangeAspect="1"/>
+          </p:cNvPicPr>
+          <p:nvPr/>
+        </p:nvPicPr>
+        <p:blipFill>
+          <a:blip r:embed="rId3"/>
+          <a:stretch>
+            <a:fillRect/>
+          </a:stretch>
+        </p:blipFill>
+        <p:spPr>
+          <a:xfrm>
+            <a:off x="3017779" y="180975"/>
+            <a:ext cx="6557886" cy="592109"/>
+          </a:xfrm>
+          <a:prstGeom prst="rect">
+            <a:avLst/>
+          </a:prstGeom>
+        </p:spPr>
+      </p:pic>
+    </p:spTree>
+    <p:extLst>
+      <p:ext uri="{BB962C8B-B14F-4D97-AF65-F5344CB8AC3E}">
+        <p14:creationId xmlns:p14="http://schemas.microsoft.com/office/powerpoint/2010/main" val="1030269417"/>
+      </p:ext>
+    </p:extLst>
+  </p:cSld>
+  <p:clrMapOvr>
+    <a:masterClrMapping/>
+  </p:clrMapOvr>
+</p:sld>
+</file>
+
+<file path=ppt/slides/slide59.xml><?xml version="1.0" encoding="utf-8"?>
+<p:sld xmlns:a="http://schemas.openxmlformats.org/drawingml/2006/main" xmlns:r="http://schemas.openxmlformats.org/officeDocument/2006/relationships" xmlns:p="http://schemas.openxmlformats.org/presentationml/2006/main">
+  <p:cSld>
+    <p:spTree>
+      <p:nvGrpSpPr>
+        <p:cNvPr id="1" name=""/>
+        <p:cNvGrpSpPr/>
+        <p:nvPr/>
+      </p:nvGrpSpPr>
+      <p:grpSpPr>
+        <a:xfrm>
+          <a:off x="0" y="0"/>
+          <a:ext cx="0" cy="0"/>
+          <a:chOff x="0" y="0"/>
+          <a:chExt cx="0" cy="0"/>
+        </a:xfrm>
+      </p:grpSpPr>
+      <p:sp>
+        <p:nvSpPr>
+          <p:cNvPr id="3" name="Объект 2"/>
+          <p:cNvSpPr>
+            <a:spLocks noGrp="1"/>
+          </p:cNvSpPr>
+          <p:nvPr>
+            <p:ph idx="1"/>
+          </p:nvPr>
+        </p:nvSpPr>
+        <p:spPr/>
+        <p:txBody>
+          <a:bodyPr/>
+          <a:lstStyle/>
+          <a:p>
+            <a:endParaRPr lang="ru-RU" dirty="0"/>
+          </a:p>
+        </p:txBody>
+      </p:sp>
+      <p:pic>
+        <p:nvPicPr>
+          <p:cNvPr id="4" name="Рисунок 3"/>
+          <p:cNvPicPr>
+            <a:picLocks noChangeAspect="1"/>
+          </p:cNvPicPr>
+          <p:nvPr/>
+        </p:nvPicPr>
+        <p:blipFill>
+          <a:blip r:embed="rId2"/>
+          <a:stretch>
+            <a:fillRect/>
+          </a:stretch>
+        </p:blipFill>
+        <p:spPr>
+          <a:xfrm>
+            <a:off x="2570578" y="66327"/>
+            <a:ext cx="7664943" cy="681817"/>
+          </a:xfrm>
+          <a:prstGeom prst="rect">
+            <a:avLst/>
+          </a:prstGeom>
+        </p:spPr>
+      </p:pic>
+      <p:pic>
+        <p:nvPicPr>
+          <p:cNvPr id="5" name="Рисунок 4"/>
+          <p:cNvPicPr>
+            <a:picLocks noChangeAspect="1"/>
+          </p:cNvPicPr>
+          <p:nvPr/>
+        </p:nvPicPr>
+        <p:blipFill>
+          <a:blip r:embed="rId3"/>
+          <a:stretch>
+            <a:fillRect/>
+          </a:stretch>
+        </p:blipFill>
+        <p:spPr>
+          <a:xfrm>
+            <a:off x="2165809" y="831271"/>
+            <a:ext cx="8474479" cy="5934476"/>
+          </a:xfrm>
+          <a:prstGeom prst="rect">
+            <a:avLst/>
+          </a:prstGeom>
+        </p:spPr>
+      </p:pic>
+    </p:spTree>
+    <p:extLst>
+      <p:ext uri="{BB962C8B-B14F-4D97-AF65-F5344CB8AC3E}">
+        <p14:creationId xmlns:p14="http://schemas.microsoft.com/office/powerpoint/2010/main" val="685099674"/>
+      </p:ext>
+    </p:extLst>
+  </p:cSld>
+  <p:clrMapOvr>
+    <a:masterClrMapping/>
+  </p:clrMapOvr>
+</p:sld>
+</file>
+
 <file path=ppt/slides/slide6.xml><?xml version="1.0" encoding="utf-8"?>
 <p:sld xmlns:a="http://schemas.openxmlformats.org/drawingml/2006/main" xmlns:r="http://schemas.openxmlformats.org/officeDocument/2006/relationships" xmlns:p="http://schemas.openxmlformats.org/presentationml/2006/main">
   <p:cSld>
@@ -9956,6 +10279,1670 @@
       </p:par>
     </p:tnLst>
   </p:timing>
+</p:sld>
+</file>
+
+<file path=ppt/slides/slide60.xml><?xml version="1.0" encoding="utf-8"?>
+<p:sld xmlns:a="http://schemas.openxmlformats.org/drawingml/2006/main" xmlns:r="http://schemas.openxmlformats.org/officeDocument/2006/relationships" xmlns:p="http://schemas.openxmlformats.org/presentationml/2006/main">
+  <p:cSld>
+    <p:spTree>
+      <p:nvGrpSpPr>
+        <p:cNvPr id="1" name=""/>
+        <p:cNvGrpSpPr/>
+        <p:nvPr/>
+      </p:nvGrpSpPr>
+      <p:grpSpPr>
+        <a:xfrm>
+          <a:off x="0" y="0"/>
+          <a:ext cx="0" cy="0"/>
+          <a:chOff x="0" y="0"/>
+          <a:chExt cx="0" cy="0"/>
+        </a:xfrm>
+      </p:grpSpPr>
+      <p:pic>
+        <p:nvPicPr>
+          <p:cNvPr id="5" name="Рисунок 4"/>
+          <p:cNvPicPr>
+            <a:picLocks noChangeAspect="1"/>
+          </p:cNvPicPr>
+          <p:nvPr/>
+        </p:nvPicPr>
+        <p:blipFill>
+          <a:blip r:embed="rId2"/>
+          <a:stretch>
+            <a:fillRect/>
+          </a:stretch>
+        </p:blipFill>
+        <p:spPr>
+          <a:xfrm>
+            <a:off x="2348863" y="763732"/>
+            <a:ext cx="8025419" cy="5832558"/>
+          </a:xfrm>
+          <a:prstGeom prst="rect">
+            <a:avLst/>
+          </a:prstGeom>
+        </p:spPr>
+      </p:pic>
+      <p:sp>
+        <p:nvSpPr>
+          <p:cNvPr id="6" name="TextBox 5"/>
+          <p:cNvSpPr txBox="1"/>
+          <p:nvPr/>
+        </p:nvSpPr>
+        <p:spPr>
+          <a:xfrm>
+            <a:off x="3168435" y="266008"/>
+            <a:ext cx="5971507" cy="369332"/>
+          </a:xfrm>
+          <a:prstGeom prst="rect">
+            <a:avLst/>
+          </a:prstGeom>
+          <a:noFill/>
+        </p:spPr>
+        <p:txBody>
+          <a:bodyPr wrap="none" rtlCol="0">
+            <a:spAutoFit/>
+          </a:bodyPr>
+          <a:lstStyle/>
+          <a:p>
+            <a:r>
+              <a:rPr lang="ru-RU" dirty="0" smtClean="0"/>
+              <a:t>Рассмотрим следующий пример декорации графика</a:t>
+            </a:r>
+            <a:endParaRPr lang="ru-RU" dirty="0"/>
+          </a:p>
+        </p:txBody>
+      </p:sp>
+    </p:spTree>
+    <p:extLst>
+      <p:ext uri="{BB962C8B-B14F-4D97-AF65-F5344CB8AC3E}">
+        <p14:creationId xmlns:p14="http://schemas.microsoft.com/office/powerpoint/2010/main" val="582643756"/>
+      </p:ext>
+    </p:extLst>
+  </p:cSld>
+  <p:clrMapOvr>
+    <a:masterClrMapping/>
+  </p:clrMapOvr>
+</p:sld>
+</file>
+
+<file path=ppt/slides/slide61.xml><?xml version="1.0" encoding="utf-8"?>
+<p:sld xmlns:a="http://schemas.openxmlformats.org/drawingml/2006/main" xmlns:r="http://schemas.openxmlformats.org/officeDocument/2006/relationships" xmlns:p="http://schemas.openxmlformats.org/presentationml/2006/main">
+  <p:cSld>
+    <p:spTree>
+      <p:nvGrpSpPr>
+        <p:cNvPr id="1" name=""/>
+        <p:cNvGrpSpPr/>
+        <p:nvPr/>
+      </p:nvGrpSpPr>
+      <p:grpSpPr>
+        <a:xfrm>
+          <a:off x="0" y="0"/>
+          <a:ext cx="0" cy="0"/>
+          <a:chOff x="0" y="0"/>
+          <a:chExt cx="0" cy="0"/>
+        </a:xfrm>
+      </p:grpSpPr>
+      <p:pic>
+        <p:nvPicPr>
+          <p:cNvPr id="4" name="Рисунок 3"/>
+          <p:cNvPicPr>
+            <a:picLocks noChangeAspect="1"/>
+          </p:cNvPicPr>
+          <p:nvPr/>
+        </p:nvPicPr>
+        <p:blipFill>
+          <a:blip r:embed="rId2"/>
+          <a:stretch>
+            <a:fillRect/>
+          </a:stretch>
+        </p:blipFill>
+        <p:spPr>
+          <a:xfrm>
+            <a:off x="2712547" y="344371"/>
+            <a:ext cx="6932996" cy="495214"/>
+          </a:xfrm>
+          <a:prstGeom prst="rect">
+            <a:avLst/>
+          </a:prstGeom>
+        </p:spPr>
+      </p:pic>
+      <p:pic>
+        <p:nvPicPr>
+          <p:cNvPr id="5" name="Рисунок 4"/>
+          <p:cNvPicPr>
+            <a:picLocks noChangeAspect="1"/>
+          </p:cNvPicPr>
+          <p:nvPr/>
+        </p:nvPicPr>
+        <p:blipFill>
+          <a:blip r:embed="rId3"/>
+          <a:stretch>
+            <a:fillRect/>
+          </a:stretch>
+        </p:blipFill>
+        <p:spPr>
+          <a:xfrm>
+            <a:off x="1980680" y="911108"/>
+            <a:ext cx="8285537" cy="5871823"/>
+          </a:xfrm>
+          <a:prstGeom prst="rect">
+            <a:avLst/>
+          </a:prstGeom>
+        </p:spPr>
+      </p:pic>
+    </p:spTree>
+    <p:extLst>
+      <p:ext uri="{BB962C8B-B14F-4D97-AF65-F5344CB8AC3E}">
+        <p14:creationId xmlns:p14="http://schemas.microsoft.com/office/powerpoint/2010/main" val="1317549597"/>
+      </p:ext>
+    </p:extLst>
+  </p:cSld>
+  <p:clrMapOvr>
+    <a:masterClrMapping/>
+  </p:clrMapOvr>
+</p:sld>
+</file>
+
+<file path=ppt/slides/slide62.xml><?xml version="1.0" encoding="utf-8"?>
+<p:sld xmlns:a="http://schemas.openxmlformats.org/drawingml/2006/main" xmlns:r="http://schemas.openxmlformats.org/officeDocument/2006/relationships" xmlns:p="http://schemas.openxmlformats.org/presentationml/2006/main">
+  <p:cSld>
+    <p:spTree>
+      <p:nvGrpSpPr>
+        <p:cNvPr id="1" name=""/>
+        <p:cNvGrpSpPr/>
+        <p:nvPr/>
+      </p:nvGrpSpPr>
+      <p:grpSpPr>
+        <a:xfrm>
+          <a:off x="0" y="0"/>
+          <a:ext cx="0" cy="0"/>
+          <a:chOff x="0" y="0"/>
+          <a:chExt cx="0" cy="0"/>
+        </a:xfrm>
+      </p:grpSpPr>
+      <p:pic>
+        <p:nvPicPr>
+          <p:cNvPr id="4" name="Рисунок 3"/>
+          <p:cNvPicPr>
+            <a:picLocks noChangeAspect="1"/>
+          </p:cNvPicPr>
+          <p:nvPr/>
+        </p:nvPicPr>
+        <p:blipFill>
+          <a:blip r:embed="rId2"/>
+          <a:stretch>
+            <a:fillRect/>
+          </a:stretch>
+        </p:blipFill>
+        <p:spPr>
+          <a:xfrm>
+            <a:off x="4871258" y="159933"/>
+            <a:ext cx="2003367" cy="680155"/>
+          </a:xfrm>
+          <a:prstGeom prst="rect">
+            <a:avLst/>
+          </a:prstGeom>
+        </p:spPr>
+      </p:pic>
+      <p:sp>
+        <p:nvSpPr>
+          <p:cNvPr id="2" name="Заголовок 1"/>
+          <p:cNvSpPr>
+            <a:spLocks noGrp="1"/>
+          </p:cNvSpPr>
+          <p:nvPr>
+            <p:ph type="title"/>
+          </p:nvPr>
+        </p:nvSpPr>
+        <p:spPr/>
+        <p:txBody>
+          <a:bodyPr/>
+          <a:lstStyle/>
+          <a:p>
+            <a:endParaRPr lang="ru-RU" dirty="0"/>
+          </a:p>
+        </p:txBody>
+      </p:sp>
+      <p:pic>
+        <p:nvPicPr>
+          <p:cNvPr id="5" name="Объект 4"/>
+          <p:cNvPicPr>
+            <a:picLocks noGrp="1" noChangeAspect="1"/>
+          </p:cNvPicPr>
+          <p:nvPr>
+            <p:ph idx="1"/>
+          </p:nvPr>
+        </p:nvPicPr>
+        <p:blipFill>
+          <a:blip r:embed="rId3"/>
+          <a:stretch>
+            <a:fillRect/>
+          </a:stretch>
+        </p:blipFill>
+        <p:spPr>
+          <a:xfrm>
+            <a:off x="2227492" y="898553"/>
+            <a:ext cx="8138479" cy="5719233"/>
+          </a:xfrm>
+          <a:prstGeom prst="rect">
+            <a:avLst/>
+          </a:prstGeom>
+        </p:spPr>
+      </p:pic>
+    </p:spTree>
+    <p:extLst>
+      <p:ext uri="{BB962C8B-B14F-4D97-AF65-F5344CB8AC3E}">
+        <p14:creationId xmlns:p14="http://schemas.microsoft.com/office/powerpoint/2010/main" val="36906440"/>
+      </p:ext>
+    </p:extLst>
+  </p:cSld>
+  <p:clrMapOvr>
+    <a:masterClrMapping/>
+  </p:clrMapOvr>
+</p:sld>
+</file>
+
+<file path=ppt/slides/slide63.xml><?xml version="1.0" encoding="utf-8"?>
+<p:sld xmlns:a="http://schemas.openxmlformats.org/drawingml/2006/main" xmlns:r="http://schemas.openxmlformats.org/officeDocument/2006/relationships" xmlns:p="http://schemas.openxmlformats.org/presentationml/2006/main">
+  <p:cSld>
+    <p:spTree>
+      <p:nvGrpSpPr>
+        <p:cNvPr id="1" name=""/>
+        <p:cNvGrpSpPr/>
+        <p:nvPr/>
+      </p:nvGrpSpPr>
+      <p:grpSpPr>
+        <a:xfrm>
+          <a:off x="0" y="0"/>
+          <a:ext cx="0" cy="0"/>
+          <a:chOff x="0" y="0"/>
+          <a:chExt cx="0" cy="0"/>
+        </a:xfrm>
+      </p:grpSpPr>
+      <p:sp>
+        <p:nvSpPr>
+          <p:cNvPr id="2" name="Заголовок 1"/>
+          <p:cNvSpPr>
+            <a:spLocks noGrp="1"/>
+          </p:cNvSpPr>
+          <p:nvPr>
+            <p:ph type="title"/>
+          </p:nvPr>
+        </p:nvSpPr>
+        <p:spPr/>
+        <p:txBody>
+          <a:bodyPr/>
+          <a:lstStyle/>
+          <a:p>
+            <a:pPr algn="ctr"/>
+            <a:r>
+              <a:rPr lang="ru-RU" dirty="0"/>
+              <a:t>Подписи и аннотации</a:t>
+            </a:r>
+            <a:br>
+              <a:rPr lang="ru-RU" dirty="0"/>
+            </a:br>
+            <a:endParaRPr lang="ru-RU" dirty="0"/>
+          </a:p>
+        </p:txBody>
+      </p:sp>
+      <p:sp>
+        <p:nvSpPr>
+          <p:cNvPr id="3" name="Объект 2"/>
+          <p:cNvSpPr>
+            <a:spLocks noGrp="1"/>
+          </p:cNvSpPr>
+          <p:nvPr>
+            <p:ph idx="1"/>
+          </p:nvPr>
+        </p:nvSpPr>
+        <p:spPr/>
+        <p:txBody>
+          <a:bodyPr/>
+          <a:lstStyle/>
+          <a:p>
+            <a:r>
+              <a:rPr lang="ru-RU" dirty="0"/>
+              <a:t>С точки зрения </a:t>
+            </a:r>
+            <a:r>
+              <a:rPr lang="ru-RU" dirty="0" err="1"/>
+              <a:t>ggplot</a:t>
+            </a:r>
+            <a:r>
+              <a:rPr lang="ru-RU" dirty="0"/>
+              <a:t> текст на графике, отображающий входные данные, является одной из разновидностей геометрии. Размещается он с помощью функции </a:t>
+            </a:r>
+            <a:r>
+              <a:rPr lang="ru-RU" dirty="0" err="1"/>
+              <a:t>geom_text</a:t>
+            </a:r>
+            <a:r>
+              <a:rPr lang="ru-RU" dirty="0"/>
+              <a:t>(). Как и в случае с другими геометриями, параметры, зависящие от исходных данных, должны быть переданы внутри </a:t>
+            </a:r>
+            <a:r>
+              <a:rPr lang="ru-RU" dirty="0" err="1"/>
+              <a:t>mapping</a:t>
+            </a:r>
+            <a:r>
+              <a:rPr lang="ru-RU" dirty="0"/>
+              <a:t> = </a:t>
+            </a:r>
+            <a:r>
+              <a:rPr lang="ru-RU" dirty="0" err="1"/>
+              <a:t>aes</a:t>
+            </a:r>
+            <a:r>
+              <a:rPr lang="ru-RU" dirty="0"/>
+              <a:t>(...)</a:t>
+            </a:r>
+          </a:p>
+        </p:txBody>
+      </p:sp>
+    </p:spTree>
+    <p:extLst>
+      <p:ext uri="{BB962C8B-B14F-4D97-AF65-F5344CB8AC3E}">
+        <p14:creationId xmlns:p14="http://schemas.microsoft.com/office/powerpoint/2010/main" val="1723794553"/>
+      </p:ext>
+    </p:extLst>
+  </p:cSld>
+  <p:clrMapOvr>
+    <a:masterClrMapping/>
+  </p:clrMapOvr>
+</p:sld>
+</file>
+
+<file path=ppt/slides/slide64.xml><?xml version="1.0" encoding="utf-8"?>
+<p:sld xmlns:a="http://schemas.openxmlformats.org/drawingml/2006/main" xmlns:r="http://schemas.openxmlformats.org/officeDocument/2006/relationships" xmlns:p="http://schemas.openxmlformats.org/presentationml/2006/main">
+  <p:cSld>
+    <p:spTree>
+      <p:nvGrpSpPr>
+        <p:cNvPr id="1" name=""/>
+        <p:cNvGrpSpPr/>
+        <p:nvPr/>
+      </p:nvGrpSpPr>
+      <p:grpSpPr>
+        <a:xfrm>
+          <a:off x="0" y="0"/>
+          <a:ext cx="0" cy="0"/>
+          <a:chOff x="0" y="0"/>
+          <a:chExt cx="0" cy="0"/>
+        </a:xfrm>
+      </p:grpSpPr>
+      <p:sp>
+        <p:nvSpPr>
+          <p:cNvPr id="2" name="Заголовок 1"/>
+          <p:cNvSpPr>
+            <a:spLocks noGrp="1"/>
+          </p:cNvSpPr>
+          <p:nvPr>
+            <p:ph type="title"/>
+          </p:nvPr>
+        </p:nvSpPr>
+        <p:spPr/>
+        <p:txBody>
+          <a:bodyPr/>
+          <a:lstStyle/>
+          <a:p>
+            <a:endParaRPr lang="ru-RU" dirty="0"/>
+          </a:p>
+        </p:txBody>
+      </p:sp>
+      <p:pic>
+        <p:nvPicPr>
+          <p:cNvPr id="5" name="Объект 4"/>
+          <p:cNvPicPr>
+            <a:picLocks noGrp="1" noChangeAspect="1"/>
+          </p:cNvPicPr>
+          <p:nvPr>
+            <p:ph idx="1"/>
+          </p:nvPr>
+        </p:nvPicPr>
+        <p:blipFill>
+          <a:blip r:embed="rId2"/>
+          <a:stretch>
+            <a:fillRect/>
+          </a:stretch>
+        </p:blipFill>
+        <p:spPr>
+          <a:xfrm>
+            <a:off x="2440222" y="1339693"/>
+            <a:ext cx="7626491" cy="5317650"/>
+          </a:xfrm>
+          <a:prstGeom prst="rect">
+            <a:avLst/>
+          </a:prstGeom>
+        </p:spPr>
+      </p:pic>
+      <p:pic>
+        <p:nvPicPr>
+          <p:cNvPr id="4" name="Рисунок 3"/>
+          <p:cNvPicPr>
+            <a:picLocks noChangeAspect="1"/>
+          </p:cNvPicPr>
+          <p:nvPr/>
+        </p:nvPicPr>
+        <p:blipFill>
+          <a:blip r:embed="rId3"/>
+          <a:stretch>
+            <a:fillRect/>
+          </a:stretch>
+        </p:blipFill>
+        <p:spPr>
+          <a:xfrm>
+            <a:off x="3093460" y="109594"/>
+            <a:ext cx="5194329" cy="1152412"/>
+          </a:xfrm>
+          <a:prstGeom prst="rect">
+            <a:avLst/>
+          </a:prstGeom>
+        </p:spPr>
+      </p:pic>
+    </p:spTree>
+    <p:extLst>
+      <p:ext uri="{BB962C8B-B14F-4D97-AF65-F5344CB8AC3E}">
+        <p14:creationId xmlns:p14="http://schemas.microsoft.com/office/powerpoint/2010/main" val="3104490418"/>
+      </p:ext>
+    </p:extLst>
+  </p:cSld>
+  <p:clrMapOvr>
+    <a:masterClrMapping/>
+  </p:clrMapOvr>
+</p:sld>
+</file>
+
+<file path=ppt/slides/slide65.xml><?xml version="1.0" encoding="utf-8"?>
+<p:sld xmlns:a="http://schemas.openxmlformats.org/drawingml/2006/main" xmlns:r="http://schemas.openxmlformats.org/officeDocument/2006/relationships" xmlns:p="http://schemas.openxmlformats.org/presentationml/2006/main">
+  <p:cSld>
+    <p:spTree>
+      <p:nvGrpSpPr>
+        <p:cNvPr id="1" name=""/>
+        <p:cNvGrpSpPr/>
+        <p:nvPr/>
+      </p:nvGrpSpPr>
+      <p:grpSpPr>
+        <a:xfrm>
+          <a:off x="0" y="0"/>
+          <a:ext cx="0" cy="0"/>
+          <a:chOff x="0" y="0"/>
+          <a:chExt cx="0" cy="0"/>
+        </a:xfrm>
+      </p:grpSpPr>
+      <p:sp>
+        <p:nvSpPr>
+          <p:cNvPr id="3" name="Объект 2"/>
+          <p:cNvSpPr>
+            <a:spLocks noGrp="1"/>
+          </p:cNvSpPr>
+          <p:nvPr>
+            <p:ph idx="1"/>
+          </p:nvPr>
+        </p:nvSpPr>
+        <p:spPr>
+          <a:xfrm>
+            <a:off x="1654233" y="199506"/>
+            <a:ext cx="9601200" cy="3581400"/>
+          </a:xfrm>
+        </p:spPr>
+        <p:txBody>
+          <a:bodyPr/>
+          <a:lstStyle/>
+          <a:p>
+            <a:r>
+              <a:rPr lang="ru-RU" dirty="0"/>
+              <a:t>Выравнивание подписи относительно якорной точки (снизу, сверху, справа, слева) по горизонтали и вертикали управляется параметрами </a:t>
+            </a:r>
+            <a:r>
+              <a:rPr lang="ru-RU" dirty="0" err="1"/>
+              <a:t>hjust</a:t>
+            </a:r>
+            <a:r>
+              <a:rPr lang="ru-RU" dirty="0"/>
+              <a:t> и </a:t>
+            </a:r>
+            <a:r>
+              <a:rPr lang="ru-RU" dirty="0" err="1"/>
+              <a:t>vjust</a:t>
+            </a:r>
+            <a:r>
+              <a:rPr lang="ru-RU" dirty="0"/>
+              <a:t>, а смещения по осям X (в координатах графика) — параметрами </a:t>
+            </a:r>
+            <a:r>
+              <a:rPr lang="ru-RU" dirty="0" err="1"/>
+              <a:t>nudge_x</a:t>
+            </a:r>
+            <a:r>
+              <a:rPr lang="ru-RU" dirty="0"/>
+              <a:t> и </a:t>
+            </a:r>
+            <a:r>
+              <a:rPr lang="ru-RU" dirty="0" err="1"/>
+              <a:t>nudge_y</a:t>
+            </a:r>
+            <a:endParaRPr lang="ru-RU" dirty="0"/>
+          </a:p>
+        </p:txBody>
+      </p:sp>
+      <p:pic>
+        <p:nvPicPr>
+          <p:cNvPr id="4" name="Рисунок 3"/>
+          <p:cNvPicPr>
+            <a:picLocks noChangeAspect="1"/>
+          </p:cNvPicPr>
+          <p:nvPr/>
+        </p:nvPicPr>
+        <p:blipFill>
+          <a:blip r:embed="rId2"/>
+          <a:stretch>
+            <a:fillRect/>
+          </a:stretch>
+        </p:blipFill>
+        <p:spPr>
+          <a:xfrm>
+            <a:off x="2632796" y="2518669"/>
+            <a:ext cx="7760640" cy="1936953"/>
+          </a:xfrm>
+          <a:prstGeom prst="rect">
+            <a:avLst/>
+          </a:prstGeom>
+        </p:spPr>
+      </p:pic>
+    </p:spTree>
+    <p:extLst>
+      <p:ext uri="{BB962C8B-B14F-4D97-AF65-F5344CB8AC3E}">
+        <p14:creationId xmlns:p14="http://schemas.microsoft.com/office/powerpoint/2010/main" val="928801818"/>
+      </p:ext>
+    </p:extLst>
+  </p:cSld>
+  <p:clrMapOvr>
+    <a:masterClrMapping/>
+  </p:clrMapOvr>
+</p:sld>
+</file>
+
+<file path=ppt/slides/slide66.xml><?xml version="1.0" encoding="utf-8"?>
+<p:sld xmlns:a="http://schemas.openxmlformats.org/drawingml/2006/main" xmlns:r="http://schemas.openxmlformats.org/officeDocument/2006/relationships" xmlns:p="http://schemas.openxmlformats.org/presentationml/2006/main">
+  <p:cSld>
+    <p:spTree>
+      <p:nvGrpSpPr>
+        <p:cNvPr id="1" name=""/>
+        <p:cNvGrpSpPr/>
+        <p:nvPr/>
+      </p:nvGrpSpPr>
+      <p:grpSpPr>
+        <a:xfrm>
+          <a:off x="0" y="0"/>
+          <a:ext cx="0" cy="0"/>
+          <a:chOff x="0" y="0"/>
+          <a:chExt cx="0" cy="0"/>
+        </a:xfrm>
+      </p:grpSpPr>
+      <p:sp>
+        <p:nvSpPr>
+          <p:cNvPr id="2" name="Заголовок 1"/>
+          <p:cNvSpPr>
+            <a:spLocks noGrp="1"/>
+          </p:cNvSpPr>
+          <p:nvPr>
+            <p:ph type="title"/>
+          </p:nvPr>
+        </p:nvSpPr>
+        <p:spPr/>
+        <p:txBody>
+          <a:bodyPr/>
+          <a:lstStyle/>
+          <a:p>
+            <a:endParaRPr lang="ru-RU"/>
+          </a:p>
+        </p:txBody>
+      </p:sp>
+      <p:pic>
+        <p:nvPicPr>
+          <p:cNvPr id="4" name="Объект 3"/>
+          <p:cNvPicPr>
+            <a:picLocks noGrp="1" noChangeAspect="1"/>
+          </p:cNvPicPr>
+          <p:nvPr>
+            <p:ph idx="1"/>
+          </p:nvPr>
+        </p:nvPicPr>
+        <p:blipFill>
+          <a:blip r:embed="rId2"/>
+          <a:stretch>
+            <a:fillRect/>
+          </a:stretch>
+        </p:blipFill>
+        <p:spPr>
+          <a:xfrm>
+            <a:off x="1874450" y="91439"/>
+            <a:ext cx="9356044" cy="6651462"/>
+          </a:xfrm>
+          <a:prstGeom prst="rect">
+            <a:avLst/>
+          </a:prstGeom>
+        </p:spPr>
+      </p:pic>
+    </p:spTree>
+    <p:extLst>
+      <p:ext uri="{BB962C8B-B14F-4D97-AF65-F5344CB8AC3E}">
+        <p14:creationId xmlns:p14="http://schemas.microsoft.com/office/powerpoint/2010/main" val="4099951966"/>
+      </p:ext>
+    </p:extLst>
+  </p:cSld>
+  <p:clrMapOvr>
+    <a:masterClrMapping/>
+  </p:clrMapOvr>
+</p:sld>
+</file>
+
+<file path=ppt/slides/slide67.xml><?xml version="1.0" encoding="utf-8"?>
+<p:sld xmlns:a="http://schemas.openxmlformats.org/drawingml/2006/main" xmlns:r="http://schemas.openxmlformats.org/officeDocument/2006/relationships" xmlns:p="http://schemas.openxmlformats.org/presentationml/2006/main">
+  <p:cSld>
+    <p:spTree>
+      <p:nvGrpSpPr>
+        <p:cNvPr id="1" name=""/>
+        <p:cNvGrpSpPr/>
+        <p:nvPr/>
+      </p:nvGrpSpPr>
+      <p:grpSpPr>
+        <a:xfrm>
+          <a:off x="0" y="0"/>
+          <a:ext cx="0" cy="0"/>
+          <a:chOff x="0" y="0"/>
+          <a:chExt cx="0" cy="0"/>
+        </a:xfrm>
+      </p:grpSpPr>
+      <p:sp>
+        <p:nvSpPr>
+          <p:cNvPr id="3" name="Объект 2"/>
+          <p:cNvSpPr>
+            <a:spLocks noGrp="1"/>
+          </p:cNvSpPr>
+          <p:nvPr>
+            <p:ph idx="1"/>
+          </p:nvPr>
+        </p:nvSpPr>
+        <p:spPr>
+          <a:xfrm>
+            <a:off x="1712422" y="207818"/>
+            <a:ext cx="9601200" cy="3581400"/>
+          </a:xfrm>
+        </p:spPr>
+        <p:txBody>
+          <a:bodyPr/>
+          <a:lstStyle/>
+          <a:p>
+            <a:r>
+              <a:rPr lang="ru-RU" dirty="0"/>
+              <a:t>Аннотации представляют собой объекты, размещаемые на графике вручную, и используемые, как правило, для выделения объектов и областей. Для размещения аннотаций используется функция </a:t>
+            </a:r>
+            <a:r>
+              <a:rPr lang="ru-RU" dirty="0" err="1"/>
+              <a:t>annotate</a:t>
+            </a:r>
+            <a:r>
+              <a:rPr lang="ru-RU" dirty="0"/>
+              <a:t>()</a:t>
+            </a:r>
+          </a:p>
+        </p:txBody>
+      </p:sp>
+      <p:sp>
+        <p:nvSpPr>
+          <p:cNvPr id="4" name="Rectangle 1"/>
+          <p:cNvSpPr>
+            <a:spLocks noChangeArrowheads="1"/>
+          </p:cNvSpPr>
+          <p:nvPr/>
+        </p:nvSpPr>
+        <p:spPr bwMode="auto">
+          <a:xfrm>
+            <a:off x="2069869" y="1435177"/>
+            <a:ext cx="8886305" cy="461665"/>
+          </a:xfrm>
+          <a:prstGeom prst="rect">
+            <a:avLst/>
+          </a:prstGeom>
+          <a:solidFill>
+            <a:srgbClr val="F6F6F6"/>
+          </a:solidFill>
+          <a:ln>
+            <a:noFill/>
+          </a:ln>
+          <a:effectLst/>
+          <a:extLst>
+            <a:ext uri="{91240B29-F687-4F45-9708-019B960494DF}">
+              <a14:hiddenLine xmlns:a14="http://schemas.microsoft.com/office/drawing/2010/main" w="9525">
+                <a:solidFill>
+                  <a:schemeClr val="tx1"/>
+                </a:solidFill>
+                <a:miter lim="800000"/>
+                <a:headEnd/>
+                <a:tailEnd/>
+              </a14:hiddenLine>
+            </a:ext>
+            <a:ext uri="{AF507438-7753-43E0-B8FC-AC1667EBCBE1}">
+              <a14:hiddenEffects xmlns:a14="http://schemas.microsoft.com/office/drawing/2010/main">
+                <a:effectLst>
+                  <a:outerShdw dist="35921" dir="2700000" algn="ctr" rotWithShape="0">
+                    <a:schemeClr val="bg2"/>
+                  </a:outerShdw>
+                </a:effectLst>
+              </a14:hiddenEffects>
+            </a:ext>
+          </a:extLst>
+        </p:spPr>
+        <p:txBody>
+          <a:bodyPr vert="horz" wrap="square" lIns="91440" tIns="45720" rIns="91440" bIns="45720" numCol="1" anchor="ctr" anchorCtr="0" compatLnSpc="1">
+            <a:prstTxWarp prst="textNoShape">
+              <a:avLst/>
+            </a:prstTxWarp>
+            <a:spAutoFit/>
+          </a:bodyPr>
+          <a:lstStyle/>
+          <a:p>
+            <a:pPr marL="0" marR="0" lvl="0" indent="0" algn="l" defTabSz="914400" rtl="0" eaLnBrk="0" fontAlgn="base" latinLnBrk="0" hangingPunct="0">
+              <a:lnSpc>
+                <a:spcPct val="100000"/>
+              </a:lnSpc>
+              <a:spcBef>
+                <a:spcPct val="0"/>
+              </a:spcBef>
+              <a:spcAft>
+                <a:spcPct val="0"/>
+              </a:spcAft>
+              <a:buClrTx/>
+              <a:buSzTx/>
+              <a:buFontTx/>
+              <a:buNone/>
+              <a:tabLst/>
+            </a:pPr>
+            <a:r>
+              <a:rPr kumimoji="0" lang="ru-RU" altLang="ru-RU" sz="1200" b="0" i="0" u="none" strike="noStrike" cap="none" normalizeH="0" baseline="0" dirty="0" err="1" smtClean="0">
+                <a:ln>
+                  <a:noFill/>
+                </a:ln>
+                <a:solidFill>
+                  <a:srgbClr val="4254A7"/>
+                </a:solidFill>
+                <a:effectLst/>
+                <a:latin typeface="SFMono-Regular"/>
+                <a:hlinkClick r:id="rId2"/>
+              </a:rPr>
+              <a:t>geom_text</a:t>
+            </a:r>
+            <a:r>
+              <a:rPr kumimoji="0" lang="ru-RU" altLang="ru-RU" sz="1200" b="0" i="0" u="none" strike="noStrike" cap="none" normalizeH="0" baseline="0" dirty="0" smtClean="0">
+                <a:ln>
+                  <a:noFill/>
+                </a:ln>
+                <a:solidFill>
+                  <a:srgbClr val="696969"/>
+                </a:solidFill>
+                <a:effectLst/>
+                <a:latin typeface="SFMono-Regular"/>
+              </a:rPr>
+              <a:t>(</a:t>
+            </a:r>
+            <a:r>
+              <a:rPr kumimoji="0" lang="ru-RU" altLang="ru-RU" sz="1200" b="0" i="0" u="none" strike="noStrike" cap="none" normalizeH="0" baseline="0" dirty="0" err="1" smtClean="0">
+                <a:ln>
+                  <a:noFill/>
+                </a:ln>
+                <a:solidFill>
+                  <a:srgbClr val="4254A7"/>
+                </a:solidFill>
+                <a:effectLst/>
+                <a:latin typeface="SFMono-Regular"/>
+                <a:hlinkClick r:id="rId3"/>
+              </a:rPr>
+              <a:t>aes</a:t>
+            </a:r>
+            <a:r>
+              <a:rPr kumimoji="0" lang="ru-RU" altLang="ru-RU" sz="1200" b="0" i="0" u="none" strike="noStrike" cap="none" normalizeH="0" baseline="0" dirty="0" smtClean="0">
+                <a:ln>
+                  <a:noFill/>
+                </a:ln>
+                <a:solidFill>
+                  <a:srgbClr val="696969"/>
+                </a:solidFill>
+                <a:effectLst/>
+                <a:latin typeface="SFMono-Regular"/>
+              </a:rPr>
+              <a:t>(</a:t>
+            </a:r>
+            <a:r>
+              <a:rPr kumimoji="0" lang="ru-RU" altLang="ru-RU" sz="1200" b="0" i="0" u="none" strike="noStrike" cap="none" normalizeH="0" baseline="0" dirty="0" err="1" smtClean="0">
+                <a:ln>
+                  <a:noFill/>
+                </a:ln>
+                <a:solidFill>
+                  <a:srgbClr val="212529"/>
+                </a:solidFill>
+                <a:effectLst/>
+                <a:latin typeface="SFMono-Regular"/>
+              </a:rPr>
+              <a:t>label</a:t>
+            </a:r>
+            <a:r>
+              <a:rPr kumimoji="0" lang="ru-RU" altLang="ru-RU" sz="1200" b="0" i="0" u="none" strike="noStrike" cap="none" normalizeH="0" baseline="0" dirty="0" smtClean="0">
+                <a:ln>
+                  <a:noFill/>
+                </a:ln>
+                <a:solidFill>
+                  <a:srgbClr val="212529"/>
+                </a:solidFill>
+                <a:effectLst/>
+                <a:latin typeface="SFMono-Regular"/>
+              </a:rPr>
+              <a:t> </a:t>
+            </a:r>
+            <a:r>
+              <a:rPr kumimoji="0" lang="ru-RU" altLang="ru-RU" sz="1200" b="0" i="0" u="none" strike="noStrike" cap="none" normalizeH="0" baseline="0" dirty="0" smtClean="0">
+                <a:ln>
+                  <a:noFill/>
+                </a:ln>
+                <a:solidFill>
+                  <a:srgbClr val="696969"/>
+                </a:solidFill>
+                <a:effectLst/>
+                <a:latin typeface="SFMono-Regular"/>
+              </a:rPr>
+              <a:t>=</a:t>
+            </a:r>
+            <a:r>
+              <a:rPr kumimoji="0" lang="ru-RU" altLang="ru-RU" sz="1200" b="0" i="0" u="none" strike="noStrike" cap="none" normalizeH="0" baseline="0" dirty="0" smtClean="0">
+                <a:ln>
+                  <a:noFill/>
+                </a:ln>
+                <a:solidFill>
+                  <a:srgbClr val="212529"/>
+                </a:solidFill>
+                <a:effectLst/>
+                <a:latin typeface="SFMono-Regular"/>
+              </a:rPr>
+              <a:t> </a:t>
+            </a:r>
+            <a:r>
+              <a:rPr kumimoji="0" lang="ru-RU" altLang="ru-RU" sz="1200" b="0" i="0" u="none" strike="noStrike" cap="none" normalizeH="0" baseline="0" dirty="0" err="1" smtClean="0">
+                <a:ln>
+                  <a:noFill/>
+                </a:ln>
+                <a:solidFill>
+                  <a:srgbClr val="4254A7"/>
+                </a:solidFill>
+                <a:effectLst/>
+                <a:latin typeface="SFMono-Regular"/>
+                <a:hlinkClick r:id="rId4"/>
+              </a:rPr>
+              <a:t>floor</a:t>
+            </a:r>
+            <a:r>
+              <a:rPr kumimoji="0" lang="ru-RU" altLang="ru-RU" sz="1200" b="0" i="0" u="none" strike="noStrike" cap="none" normalizeH="0" baseline="0" dirty="0" smtClean="0">
+                <a:ln>
+                  <a:noFill/>
+                </a:ln>
+                <a:solidFill>
+                  <a:srgbClr val="696969"/>
+                </a:solidFill>
+                <a:effectLst/>
+                <a:latin typeface="SFMono-Regular"/>
+              </a:rPr>
+              <a:t>(</a:t>
+            </a:r>
+            <a:r>
+              <a:rPr kumimoji="0" lang="ru-RU" altLang="ru-RU" sz="1200" b="0" i="0" u="none" strike="noStrike" cap="none" normalizeH="0" baseline="0" dirty="0" err="1" smtClean="0">
+                <a:ln>
+                  <a:noFill/>
+                </a:ln>
+                <a:solidFill>
+                  <a:srgbClr val="19177C"/>
+                </a:solidFill>
+                <a:effectLst/>
+                <a:latin typeface="SFMono-Regular"/>
+              </a:rPr>
+              <a:t>export</a:t>
+            </a:r>
+            <a:r>
+              <a:rPr kumimoji="0" lang="ru-RU" altLang="ru-RU" sz="1200" b="0" i="0" u="none" strike="noStrike" cap="none" normalizeH="0" baseline="0" dirty="0" smtClean="0">
+                <a:ln>
+                  <a:noFill/>
+                </a:ln>
+                <a:solidFill>
+                  <a:srgbClr val="212529"/>
+                </a:solidFill>
+                <a:effectLst/>
+                <a:latin typeface="SFMono-Regular"/>
+              </a:rPr>
+              <a:t> </a:t>
+            </a:r>
+            <a:r>
+              <a:rPr kumimoji="0" lang="ru-RU" altLang="ru-RU" sz="1200" b="0" i="0" u="none" strike="noStrike" cap="none" normalizeH="0" baseline="0" dirty="0" smtClean="0">
+                <a:ln>
+                  <a:noFill/>
+                </a:ln>
+                <a:solidFill>
+                  <a:srgbClr val="696969"/>
+                </a:solidFill>
+                <a:effectLst/>
+                <a:latin typeface="SFMono-Regular"/>
+              </a:rPr>
+              <a:t>/</a:t>
+            </a:r>
+            <a:r>
+              <a:rPr kumimoji="0" lang="ru-RU" altLang="ru-RU" sz="1200" b="0" i="0" u="none" strike="noStrike" cap="none" normalizeH="0" baseline="0" dirty="0" smtClean="0">
+                <a:ln>
+                  <a:noFill/>
+                </a:ln>
+                <a:solidFill>
+                  <a:srgbClr val="212529"/>
+                </a:solidFill>
+                <a:effectLst/>
+                <a:latin typeface="SFMono-Regular"/>
+              </a:rPr>
+              <a:t> </a:t>
+            </a:r>
+            <a:r>
+              <a:rPr kumimoji="0" lang="ru-RU" altLang="ru-RU" sz="1200" b="0" i="0" u="none" strike="noStrike" cap="none" normalizeH="0" baseline="0" dirty="0" smtClean="0">
+                <a:ln>
+                  <a:noFill/>
+                </a:ln>
+                <a:solidFill>
+                  <a:srgbClr val="A1024A"/>
+                </a:solidFill>
+                <a:effectLst/>
+                <a:latin typeface="SFMono-Regular"/>
+              </a:rPr>
+              <a:t>1000</a:t>
+            </a:r>
+            <a:r>
+              <a:rPr kumimoji="0" lang="ru-RU" altLang="ru-RU" sz="1200" b="0" i="0" u="none" strike="noStrike" cap="none" normalizeH="0" baseline="0" dirty="0" smtClean="0">
+                <a:ln>
+                  <a:noFill/>
+                </a:ln>
+                <a:solidFill>
+                  <a:srgbClr val="696969"/>
+                </a:solidFill>
+                <a:effectLst/>
+                <a:latin typeface="SFMono-Regular"/>
+              </a:rPr>
+              <a:t>))</a:t>
+            </a:r>
+            <a:r>
+              <a:rPr kumimoji="0" lang="ru-RU" altLang="ru-RU" sz="1200" b="0" i="0" u="none" strike="noStrike" cap="none" normalizeH="0" baseline="0" dirty="0" smtClean="0">
+                <a:ln>
+                  <a:noFill/>
+                </a:ln>
+                <a:solidFill>
+                  <a:srgbClr val="212529"/>
+                </a:solidFill>
+                <a:effectLst/>
+                <a:latin typeface="SFMono-Regular"/>
+              </a:rPr>
+              <a:t>, </a:t>
+            </a:r>
+            <a:r>
+              <a:rPr kumimoji="0" lang="ru-RU" altLang="ru-RU" sz="1200" b="0" i="0" u="none" strike="noStrike" cap="none" normalizeH="0" baseline="0" dirty="0" err="1" smtClean="0">
+                <a:ln>
+                  <a:noFill/>
+                </a:ln>
+                <a:solidFill>
+                  <a:srgbClr val="212529"/>
+                </a:solidFill>
+                <a:effectLst/>
+                <a:latin typeface="SFMono-Regular"/>
+              </a:rPr>
+              <a:t>vjust</a:t>
+            </a:r>
+            <a:r>
+              <a:rPr kumimoji="0" lang="ru-RU" altLang="ru-RU" sz="1200" b="0" i="0" u="none" strike="noStrike" cap="none" normalizeH="0" baseline="0" dirty="0" smtClean="0">
+                <a:ln>
+                  <a:noFill/>
+                </a:ln>
+                <a:solidFill>
+                  <a:srgbClr val="212529"/>
+                </a:solidFill>
+                <a:effectLst/>
+                <a:latin typeface="SFMono-Regular"/>
+              </a:rPr>
+              <a:t> </a:t>
+            </a:r>
+            <a:r>
+              <a:rPr kumimoji="0" lang="ru-RU" altLang="ru-RU" sz="1200" b="0" i="0" u="none" strike="noStrike" cap="none" normalizeH="0" baseline="0" dirty="0" smtClean="0">
+                <a:ln>
+                  <a:noFill/>
+                </a:ln>
+                <a:solidFill>
+                  <a:srgbClr val="696969"/>
+                </a:solidFill>
+                <a:effectLst/>
+                <a:latin typeface="SFMono-Regular"/>
+              </a:rPr>
+              <a:t>=</a:t>
+            </a:r>
+            <a:r>
+              <a:rPr kumimoji="0" lang="ru-RU" altLang="ru-RU" sz="1200" b="0" i="0" u="none" strike="noStrike" cap="none" normalizeH="0" baseline="0" dirty="0" smtClean="0">
+                <a:ln>
+                  <a:noFill/>
+                </a:ln>
+                <a:solidFill>
+                  <a:srgbClr val="212529"/>
+                </a:solidFill>
+                <a:effectLst/>
+                <a:latin typeface="SFMono-Regular"/>
+              </a:rPr>
+              <a:t> </a:t>
+            </a:r>
+            <a:r>
+              <a:rPr kumimoji="0" lang="ru-RU" altLang="ru-RU" sz="1200" b="0" i="0" u="none" strike="noStrike" cap="none" normalizeH="0" baseline="0" dirty="0" smtClean="0">
+                <a:ln>
+                  <a:noFill/>
+                </a:ln>
+                <a:solidFill>
+                  <a:srgbClr val="A1024A"/>
+                </a:solidFill>
+                <a:effectLst/>
+                <a:latin typeface="SFMono-Regular"/>
+              </a:rPr>
+              <a:t>0</a:t>
+            </a:r>
+            <a:r>
+              <a:rPr kumimoji="0" lang="ru-RU" altLang="ru-RU" sz="1200" b="0" i="0" u="none" strike="noStrike" cap="none" normalizeH="0" baseline="0" dirty="0" smtClean="0">
+                <a:ln>
+                  <a:noFill/>
+                </a:ln>
+                <a:solidFill>
+                  <a:srgbClr val="212529"/>
+                </a:solidFill>
+                <a:effectLst/>
+                <a:latin typeface="SFMono-Regular"/>
+              </a:rPr>
+              <a:t>, </a:t>
+            </a:r>
+            <a:r>
+              <a:rPr kumimoji="0" lang="ru-RU" altLang="ru-RU" sz="1200" b="0" i="0" u="none" strike="noStrike" cap="none" normalizeH="0" baseline="0" dirty="0" err="1" smtClean="0">
+                <a:ln>
+                  <a:noFill/>
+                </a:ln>
+                <a:solidFill>
+                  <a:srgbClr val="212529"/>
+                </a:solidFill>
+                <a:effectLst/>
+                <a:latin typeface="SFMono-Regular"/>
+              </a:rPr>
+              <a:t>nudge_y</a:t>
+            </a:r>
+            <a:r>
+              <a:rPr kumimoji="0" lang="ru-RU" altLang="ru-RU" sz="1200" b="0" i="0" u="none" strike="noStrike" cap="none" normalizeH="0" baseline="0" dirty="0" smtClean="0">
+                <a:ln>
+                  <a:noFill/>
+                </a:ln>
+                <a:solidFill>
+                  <a:srgbClr val="212529"/>
+                </a:solidFill>
+                <a:effectLst/>
+                <a:latin typeface="SFMono-Regular"/>
+              </a:rPr>
+              <a:t> </a:t>
+            </a:r>
+            <a:r>
+              <a:rPr kumimoji="0" lang="ru-RU" altLang="ru-RU" sz="1200" b="0" i="0" u="none" strike="noStrike" cap="none" normalizeH="0" baseline="0" dirty="0" smtClean="0">
+                <a:ln>
+                  <a:noFill/>
+                </a:ln>
+                <a:solidFill>
+                  <a:srgbClr val="696969"/>
+                </a:solidFill>
+                <a:effectLst/>
+                <a:latin typeface="SFMono-Regular"/>
+              </a:rPr>
+              <a:t>=</a:t>
+            </a:r>
+            <a:r>
+              <a:rPr kumimoji="0" lang="ru-RU" altLang="ru-RU" sz="1200" b="0" i="0" u="none" strike="noStrike" cap="none" normalizeH="0" baseline="0" dirty="0" smtClean="0">
+                <a:ln>
+                  <a:noFill/>
+                </a:ln>
+                <a:solidFill>
+                  <a:srgbClr val="212529"/>
+                </a:solidFill>
+                <a:effectLst/>
+                <a:latin typeface="SFMono-Regular"/>
+              </a:rPr>
+              <a:t> </a:t>
+            </a:r>
+            <a:r>
+              <a:rPr kumimoji="0" lang="ru-RU" altLang="ru-RU" sz="1200" b="0" i="0" u="none" strike="noStrike" cap="none" normalizeH="0" baseline="0" dirty="0" smtClean="0">
+                <a:ln>
+                  <a:noFill/>
+                </a:ln>
+                <a:solidFill>
+                  <a:srgbClr val="A1024A"/>
+                </a:solidFill>
+                <a:effectLst/>
+                <a:latin typeface="SFMono-Regular"/>
+              </a:rPr>
+              <a:t>40000</a:t>
+            </a:r>
+            <a:r>
+              <a:rPr kumimoji="0" lang="ru-RU" altLang="ru-RU" sz="1200" b="0" i="0" u="none" strike="noStrike" cap="none" normalizeH="0" baseline="0" dirty="0" smtClean="0">
+                <a:ln>
+                  <a:noFill/>
+                </a:ln>
+                <a:solidFill>
+                  <a:srgbClr val="696969"/>
+                </a:solidFill>
+                <a:effectLst/>
+                <a:latin typeface="SFMono-Regular"/>
+              </a:rPr>
+              <a:t>)</a:t>
+            </a:r>
+            <a:r>
+              <a:rPr kumimoji="0" lang="ru-RU" altLang="ru-RU" sz="1200" b="0" i="0" u="none" strike="noStrike" cap="none" normalizeH="0" baseline="0" dirty="0" smtClean="0">
+                <a:ln>
+                  <a:noFill/>
+                </a:ln>
+                <a:solidFill>
+                  <a:srgbClr val="212529"/>
+                </a:solidFill>
+                <a:effectLst/>
+                <a:latin typeface="SFMono-Regular"/>
+              </a:rPr>
+              <a:t> </a:t>
+            </a:r>
+            <a:r>
+              <a:rPr kumimoji="0" lang="ru-RU" altLang="ru-RU" sz="1200" b="0" i="0" u="none" strike="noStrike" cap="none" normalizeH="0" baseline="0" dirty="0" smtClean="0">
+                <a:ln>
+                  <a:noFill/>
+                </a:ln>
+                <a:solidFill>
+                  <a:srgbClr val="696969"/>
+                </a:solidFill>
+                <a:effectLst/>
+                <a:latin typeface="SFMono-Regular"/>
+              </a:rPr>
+              <a:t>+</a:t>
+            </a:r>
+            <a:r>
+              <a:rPr kumimoji="0" lang="ru-RU" altLang="ru-RU" sz="1200" b="0" i="0" u="none" strike="noStrike" cap="none" normalizeH="0" baseline="0" dirty="0" smtClean="0">
+                <a:ln>
+                  <a:noFill/>
+                </a:ln>
+                <a:solidFill>
+                  <a:srgbClr val="212529"/>
+                </a:solidFill>
+                <a:effectLst/>
+                <a:latin typeface="SFMono-Regular"/>
+              </a:rPr>
+              <a:t> </a:t>
+            </a:r>
+            <a:r>
+              <a:rPr kumimoji="0" lang="ru-RU" altLang="ru-RU" sz="1200" b="0" i="0" u="none" strike="noStrike" cap="none" normalizeH="0" baseline="0" dirty="0" err="1" smtClean="0">
+                <a:ln>
+                  <a:noFill/>
+                </a:ln>
+                <a:solidFill>
+                  <a:srgbClr val="4254A7"/>
+                </a:solidFill>
+                <a:effectLst/>
+                <a:latin typeface="SFMono-Regular"/>
+                <a:hlinkClick r:id="rId5"/>
+              </a:rPr>
+              <a:t>annotate</a:t>
+            </a:r>
+            <a:r>
+              <a:rPr kumimoji="0" lang="ru-RU" altLang="ru-RU" sz="1200" b="0" i="0" u="none" strike="noStrike" cap="none" normalizeH="0" baseline="0" dirty="0" smtClean="0">
+                <a:ln>
+                  <a:noFill/>
+                </a:ln>
+                <a:solidFill>
+                  <a:srgbClr val="696969"/>
+                </a:solidFill>
+                <a:effectLst/>
+                <a:latin typeface="SFMono-Regular"/>
+              </a:rPr>
+              <a:t>(</a:t>
+            </a:r>
+            <a:r>
+              <a:rPr kumimoji="0" lang="ru-RU" altLang="ru-RU" sz="1200" b="0" i="0" u="none" strike="noStrike" cap="none" normalizeH="0" baseline="0" dirty="0" smtClean="0">
+                <a:ln>
+                  <a:noFill/>
+                </a:ln>
+                <a:solidFill>
+                  <a:srgbClr val="008000"/>
+                </a:solidFill>
+                <a:effectLst/>
+                <a:latin typeface="SFMono-Regular"/>
+              </a:rPr>
+              <a:t>"</a:t>
+            </a:r>
+            <a:r>
+              <a:rPr kumimoji="0" lang="ru-RU" altLang="ru-RU" sz="1200" b="0" i="0" u="none" strike="noStrike" cap="none" normalizeH="0" baseline="0" dirty="0" err="1" smtClean="0">
+                <a:ln>
+                  <a:noFill/>
+                </a:ln>
+                <a:solidFill>
+                  <a:srgbClr val="008000"/>
+                </a:solidFill>
+                <a:effectLst/>
+                <a:latin typeface="SFMono-Regular"/>
+              </a:rPr>
+              <a:t>text</a:t>
+            </a:r>
+            <a:r>
+              <a:rPr kumimoji="0" lang="ru-RU" altLang="ru-RU" sz="1200" b="0" i="0" u="none" strike="noStrike" cap="none" normalizeH="0" baseline="0" dirty="0" smtClean="0">
+                <a:ln>
+                  <a:noFill/>
+                </a:ln>
+                <a:solidFill>
+                  <a:srgbClr val="008000"/>
+                </a:solidFill>
+                <a:effectLst/>
+                <a:latin typeface="SFMono-Regular"/>
+              </a:rPr>
+              <a:t>"</a:t>
+            </a:r>
+            <a:r>
+              <a:rPr kumimoji="0" lang="ru-RU" altLang="ru-RU" sz="1200" b="0" i="0" u="none" strike="noStrike" cap="none" normalizeH="0" baseline="0" dirty="0" smtClean="0">
+                <a:ln>
+                  <a:noFill/>
+                </a:ln>
+                <a:solidFill>
+                  <a:srgbClr val="212529"/>
+                </a:solidFill>
+                <a:effectLst/>
+                <a:latin typeface="SFMono-Regular"/>
+              </a:rPr>
+              <a:t>, x </a:t>
+            </a:r>
+            <a:r>
+              <a:rPr kumimoji="0" lang="ru-RU" altLang="ru-RU" sz="1200" b="0" i="0" u="none" strike="noStrike" cap="none" normalizeH="0" baseline="0" dirty="0" smtClean="0">
+                <a:ln>
+                  <a:noFill/>
+                </a:ln>
+                <a:solidFill>
+                  <a:srgbClr val="696969"/>
+                </a:solidFill>
+                <a:effectLst/>
+                <a:latin typeface="SFMono-Regular"/>
+              </a:rPr>
+              <a:t>=</a:t>
+            </a:r>
+            <a:r>
+              <a:rPr kumimoji="0" lang="ru-RU" altLang="ru-RU" sz="1200" b="0" i="0" u="none" strike="noStrike" cap="none" normalizeH="0" baseline="0" dirty="0" smtClean="0">
+                <a:ln>
+                  <a:noFill/>
+                </a:ln>
+                <a:solidFill>
+                  <a:srgbClr val="212529"/>
+                </a:solidFill>
+                <a:effectLst/>
+                <a:latin typeface="SFMono-Regular"/>
+              </a:rPr>
+              <a:t> </a:t>
+            </a:r>
+            <a:r>
+              <a:rPr kumimoji="0" lang="ru-RU" altLang="ru-RU" sz="1200" b="0" i="0" u="none" strike="noStrike" cap="none" normalizeH="0" baseline="0" dirty="0" err="1" smtClean="0">
+                <a:ln>
+                  <a:noFill/>
+                </a:ln>
+                <a:solidFill>
+                  <a:srgbClr val="4254A7"/>
+                </a:solidFill>
+                <a:effectLst/>
+                <a:latin typeface="SFMono-Regular"/>
+                <a:hlinkClick r:id="rId6"/>
+              </a:rPr>
+              <a:t>as.Date</a:t>
+            </a:r>
+            <a:r>
+              <a:rPr kumimoji="0" lang="ru-RU" altLang="ru-RU" sz="1200" b="0" i="0" u="none" strike="noStrike" cap="none" normalizeH="0" baseline="0" dirty="0" smtClean="0">
+                <a:ln>
+                  <a:noFill/>
+                </a:ln>
+                <a:solidFill>
+                  <a:srgbClr val="696969"/>
+                </a:solidFill>
+                <a:effectLst/>
+                <a:latin typeface="SFMono-Regular"/>
+              </a:rPr>
+              <a:t>(</a:t>
+            </a:r>
+            <a:r>
+              <a:rPr kumimoji="0" lang="ru-RU" altLang="ru-RU" sz="1200" b="0" i="0" u="none" strike="noStrike" cap="none" normalizeH="0" baseline="0" dirty="0" smtClean="0">
+                <a:ln>
+                  <a:noFill/>
+                </a:ln>
+                <a:solidFill>
+                  <a:srgbClr val="008000"/>
+                </a:solidFill>
+                <a:effectLst/>
+                <a:latin typeface="SFMono-Regular"/>
+              </a:rPr>
+              <a:t>'2009-01-01'</a:t>
+            </a:r>
+            <a:r>
+              <a:rPr kumimoji="0" lang="ru-RU" altLang="ru-RU" sz="1200" b="0" i="0" u="none" strike="noStrike" cap="none" normalizeH="0" baseline="0" dirty="0" smtClean="0">
+                <a:ln>
+                  <a:noFill/>
+                </a:ln>
+                <a:solidFill>
+                  <a:srgbClr val="696969"/>
+                </a:solidFill>
+                <a:effectLst/>
+                <a:latin typeface="SFMono-Regular"/>
+              </a:rPr>
+              <a:t>)</a:t>
+            </a:r>
+            <a:r>
+              <a:rPr kumimoji="0" lang="ru-RU" altLang="ru-RU" sz="1200" b="0" i="0" u="none" strike="noStrike" cap="none" normalizeH="0" baseline="0" dirty="0" smtClean="0">
+                <a:ln>
+                  <a:noFill/>
+                </a:ln>
+                <a:solidFill>
+                  <a:srgbClr val="212529"/>
+                </a:solidFill>
+                <a:effectLst/>
+                <a:latin typeface="SFMono-Regular"/>
+              </a:rPr>
+              <a:t>, y </a:t>
+            </a:r>
+            <a:r>
+              <a:rPr kumimoji="0" lang="ru-RU" altLang="ru-RU" sz="1200" b="0" i="0" u="none" strike="noStrike" cap="none" normalizeH="0" baseline="0" dirty="0" smtClean="0">
+                <a:ln>
+                  <a:noFill/>
+                </a:ln>
+                <a:solidFill>
+                  <a:srgbClr val="696969"/>
+                </a:solidFill>
+                <a:effectLst/>
+                <a:latin typeface="SFMono-Regular"/>
+              </a:rPr>
+              <a:t>=</a:t>
+            </a:r>
+            <a:r>
+              <a:rPr kumimoji="0" lang="ru-RU" altLang="ru-RU" sz="1200" b="0" i="0" u="none" strike="noStrike" cap="none" normalizeH="0" baseline="0" dirty="0" smtClean="0">
+                <a:ln>
+                  <a:noFill/>
+                </a:ln>
+                <a:solidFill>
+                  <a:srgbClr val="212529"/>
+                </a:solidFill>
+                <a:effectLst/>
+                <a:latin typeface="SFMono-Regular"/>
+              </a:rPr>
+              <a:t> </a:t>
+            </a:r>
+            <a:r>
+              <a:rPr kumimoji="0" lang="ru-RU" altLang="ru-RU" sz="1200" b="0" i="0" u="none" strike="noStrike" cap="none" normalizeH="0" baseline="0" dirty="0" smtClean="0">
+                <a:ln>
+                  <a:noFill/>
+                </a:ln>
+                <a:solidFill>
+                  <a:srgbClr val="A1024A"/>
+                </a:solidFill>
+                <a:effectLst/>
+                <a:latin typeface="SFMono-Regular"/>
+              </a:rPr>
+              <a:t>550000</a:t>
+            </a:r>
+            <a:r>
+              <a:rPr kumimoji="0" lang="ru-RU" altLang="ru-RU" sz="1200" b="0" i="0" u="none" strike="noStrike" cap="none" normalizeH="0" baseline="0" dirty="0" smtClean="0">
+                <a:ln>
+                  <a:noFill/>
+                </a:ln>
+                <a:solidFill>
+                  <a:srgbClr val="212529"/>
+                </a:solidFill>
+                <a:effectLst/>
+                <a:latin typeface="SFMono-Regular"/>
+              </a:rPr>
+              <a:t>, </a:t>
+            </a:r>
+            <a:r>
+              <a:rPr kumimoji="0" lang="ru-RU" altLang="ru-RU" sz="1200" b="0" i="0" u="none" strike="noStrike" cap="none" normalizeH="0" baseline="0" dirty="0" err="1" smtClean="0">
+                <a:ln>
+                  <a:noFill/>
+                </a:ln>
+                <a:solidFill>
+                  <a:srgbClr val="212529"/>
+                </a:solidFill>
+                <a:effectLst/>
+                <a:latin typeface="SFMono-Regular"/>
+              </a:rPr>
+              <a:t>label</a:t>
+            </a:r>
+            <a:r>
+              <a:rPr kumimoji="0" lang="ru-RU" altLang="ru-RU" sz="1200" b="0" i="0" u="none" strike="noStrike" cap="none" normalizeH="0" baseline="0" dirty="0" smtClean="0">
+                <a:ln>
+                  <a:noFill/>
+                </a:ln>
+                <a:solidFill>
+                  <a:srgbClr val="212529"/>
+                </a:solidFill>
+                <a:effectLst/>
+                <a:latin typeface="SFMono-Regular"/>
+              </a:rPr>
+              <a:t> </a:t>
+            </a:r>
+            <a:r>
+              <a:rPr kumimoji="0" lang="ru-RU" altLang="ru-RU" sz="1200" b="0" i="0" u="none" strike="noStrike" cap="none" normalizeH="0" baseline="0" dirty="0" smtClean="0">
+                <a:ln>
+                  <a:noFill/>
+                </a:ln>
+                <a:solidFill>
+                  <a:srgbClr val="696969"/>
+                </a:solidFill>
+                <a:effectLst/>
+                <a:latin typeface="SFMono-Regular"/>
+              </a:rPr>
+              <a:t>=</a:t>
+            </a:r>
+            <a:r>
+              <a:rPr kumimoji="0" lang="ru-RU" altLang="ru-RU" sz="1200" b="0" i="0" u="none" strike="noStrike" cap="none" normalizeH="0" baseline="0" dirty="0" smtClean="0">
+                <a:ln>
+                  <a:noFill/>
+                </a:ln>
+                <a:solidFill>
+                  <a:srgbClr val="212529"/>
+                </a:solidFill>
+                <a:effectLst/>
+                <a:latin typeface="SFMono-Regular"/>
+              </a:rPr>
+              <a:t> </a:t>
+            </a:r>
+            <a:r>
+              <a:rPr kumimoji="0" lang="ru-RU" altLang="ru-RU" sz="1200" b="0" i="0" u="none" strike="noStrike" cap="none" normalizeH="0" baseline="0" dirty="0" smtClean="0">
+                <a:ln>
+                  <a:noFill/>
+                </a:ln>
+                <a:solidFill>
+                  <a:srgbClr val="008000"/>
+                </a:solidFill>
+                <a:effectLst/>
+                <a:latin typeface="SFMono-Regular"/>
+              </a:rPr>
+              <a:t>"Это провал"</a:t>
+            </a:r>
+            <a:r>
+              <a:rPr kumimoji="0" lang="ru-RU" altLang="ru-RU" sz="1200" b="0" i="0" u="none" strike="noStrike" cap="none" normalizeH="0" baseline="0" dirty="0" smtClean="0">
+                <a:ln>
+                  <a:noFill/>
+                </a:ln>
+                <a:solidFill>
+                  <a:srgbClr val="212529"/>
+                </a:solidFill>
+                <a:effectLst/>
+                <a:latin typeface="SFMono-Regular"/>
+              </a:rPr>
+              <a:t>, </a:t>
+            </a:r>
+            <a:r>
+              <a:rPr kumimoji="0" lang="ru-RU" altLang="ru-RU" sz="1200" b="0" i="0" u="none" strike="noStrike" cap="none" normalizeH="0" baseline="0" dirty="0" err="1" smtClean="0">
+                <a:ln>
+                  <a:noFill/>
+                </a:ln>
+                <a:solidFill>
+                  <a:srgbClr val="212529"/>
+                </a:solidFill>
+                <a:effectLst/>
+                <a:latin typeface="SFMono-Regular"/>
+              </a:rPr>
+              <a:t>color</a:t>
+            </a:r>
+            <a:r>
+              <a:rPr kumimoji="0" lang="ru-RU" altLang="ru-RU" sz="1200" b="0" i="0" u="none" strike="noStrike" cap="none" normalizeH="0" baseline="0" dirty="0" smtClean="0">
+                <a:ln>
+                  <a:noFill/>
+                </a:ln>
+                <a:solidFill>
+                  <a:srgbClr val="212529"/>
+                </a:solidFill>
+                <a:effectLst/>
+                <a:latin typeface="SFMono-Regular"/>
+              </a:rPr>
+              <a:t> </a:t>
+            </a:r>
+            <a:r>
+              <a:rPr kumimoji="0" lang="ru-RU" altLang="ru-RU" sz="1200" b="0" i="0" u="none" strike="noStrike" cap="none" normalizeH="0" baseline="0" dirty="0" smtClean="0">
+                <a:ln>
+                  <a:noFill/>
+                </a:ln>
+                <a:solidFill>
+                  <a:srgbClr val="696969"/>
+                </a:solidFill>
+                <a:effectLst/>
+                <a:latin typeface="SFMono-Regular"/>
+              </a:rPr>
+              <a:t>=</a:t>
+            </a:r>
+            <a:r>
+              <a:rPr kumimoji="0" lang="ru-RU" altLang="ru-RU" sz="1200" b="0" i="0" u="none" strike="noStrike" cap="none" normalizeH="0" baseline="0" dirty="0" smtClean="0">
+                <a:ln>
+                  <a:noFill/>
+                </a:ln>
+                <a:solidFill>
+                  <a:srgbClr val="212529"/>
+                </a:solidFill>
+                <a:effectLst/>
+                <a:latin typeface="SFMono-Regular"/>
+              </a:rPr>
+              <a:t> </a:t>
+            </a:r>
+            <a:r>
+              <a:rPr kumimoji="0" lang="ru-RU" altLang="ru-RU" sz="1200" b="0" i="0" u="none" strike="noStrike" cap="none" normalizeH="0" baseline="0" dirty="0" smtClean="0">
+                <a:ln>
+                  <a:noFill/>
+                </a:ln>
+                <a:solidFill>
+                  <a:srgbClr val="008000"/>
+                </a:solidFill>
+                <a:effectLst/>
+                <a:latin typeface="SFMono-Regular"/>
+              </a:rPr>
+              <a:t>'</a:t>
+            </a:r>
+            <a:r>
+              <a:rPr kumimoji="0" lang="ru-RU" altLang="ru-RU" sz="1200" b="0" i="0" u="none" strike="noStrike" cap="none" normalizeH="0" baseline="0" dirty="0" err="1" smtClean="0">
+                <a:ln>
+                  <a:noFill/>
+                </a:ln>
+                <a:solidFill>
+                  <a:srgbClr val="008000"/>
+                </a:solidFill>
+                <a:effectLst/>
+                <a:latin typeface="SFMono-Regular"/>
+              </a:rPr>
+              <a:t>red</a:t>
+            </a:r>
+            <a:r>
+              <a:rPr kumimoji="0" lang="ru-RU" altLang="ru-RU" sz="1200" b="0" i="0" u="none" strike="noStrike" cap="none" normalizeH="0" baseline="0" dirty="0" smtClean="0">
+                <a:ln>
+                  <a:noFill/>
+                </a:ln>
+                <a:solidFill>
+                  <a:srgbClr val="008000"/>
+                </a:solidFill>
+                <a:effectLst/>
+                <a:latin typeface="SFMono-Regular"/>
+              </a:rPr>
+              <a:t>'</a:t>
+            </a:r>
+            <a:r>
+              <a:rPr kumimoji="0" lang="ru-RU" altLang="ru-RU" sz="1200" b="0" i="0" u="none" strike="noStrike" cap="none" normalizeH="0" baseline="0" dirty="0" smtClean="0">
+                <a:ln>
+                  <a:noFill/>
+                </a:ln>
+                <a:solidFill>
+                  <a:srgbClr val="696969"/>
+                </a:solidFill>
+                <a:effectLst/>
+                <a:latin typeface="SFMono-Regular"/>
+              </a:rPr>
+              <a:t>)</a:t>
+            </a:r>
+            <a:r>
+              <a:rPr kumimoji="0" lang="ru-RU" altLang="ru-RU" sz="1200" b="0" i="0" u="none" strike="noStrike" cap="none" normalizeH="0" baseline="0" dirty="0" smtClean="0">
+                <a:ln>
+                  <a:noFill/>
+                </a:ln>
+                <a:solidFill>
+                  <a:schemeClr val="tx1"/>
+                </a:solidFill>
+                <a:effectLst/>
+              </a:rPr>
+              <a:t> </a:t>
+            </a:r>
+            <a:endParaRPr kumimoji="0" lang="ru-RU" altLang="ru-RU" sz="1200" b="0" i="0" u="none" strike="noStrike" cap="none" normalizeH="0" baseline="0" dirty="0" smtClean="0">
+              <a:ln>
+                <a:noFill/>
+              </a:ln>
+              <a:solidFill>
+                <a:schemeClr val="tx1"/>
+              </a:solidFill>
+              <a:effectLst/>
+              <a:latin typeface="Arial" panose="020B0604020202020204" pitchFamily="34" charset="0"/>
+            </a:endParaRPr>
+          </a:p>
+        </p:txBody>
+      </p:sp>
+      <p:pic>
+        <p:nvPicPr>
+          <p:cNvPr id="5" name="Рисунок 4"/>
+          <p:cNvPicPr>
+            <a:picLocks noChangeAspect="1"/>
+          </p:cNvPicPr>
+          <p:nvPr/>
+        </p:nvPicPr>
+        <p:blipFill>
+          <a:blip r:embed="rId7"/>
+          <a:stretch>
+            <a:fillRect/>
+          </a:stretch>
+        </p:blipFill>
+        <p:spPr>
+          <a:xfrm>
+            <a:off x="1594398" y="2078796"/>
+            <a:ext cx="10102928" cy="3981181"/>
+          </a:xfrm>
+          <a:prstGeom prst="rect">
+            <a:avLst/>
+          </a:prstGeom>
+        </p:spPr>
+      </p:pic>
+    </p:spTree>
+    <p:extLst>
+      <p:ext uri="{BB962C8B-B14F-4D97-AF65-F5344CB8AC3E}">
+        <p14:creationId xmlns:p14="http://schemas.microsoft.com/office/powerpoint/2010/main" val="2501508151"/>
+      </p:ext>
+    </p:extLst>
+  </p:cSld>
+  <p:clrMapOvr>
+    <a:masterClrMapping/>
+  </p:clrMapOvr>
 </p:sld>
 </file>
 
